--- a/slides/lecture_2.pptx
+++ b/slides/lecture_2.pptx
@@ -5,13 +5,13 @@
     <p:sldMasterId id="2147483648" r:id="rId1"/>
   </p:sldMasterIdLst>
   <p:notesMasterIdLst>
-    <p:notesMasterId r:id="rId35"/>
+    <p:notesMasterId r:id="rId33"/>
   </p:notesMasterIdLst>
   <p:handoutMasterIdLst>
-    <p:handoutMasterId r:id="rId36"/>
+    <p:handoutMasterId r:id="rId34"/>
   </p:handoutMasterIdLst>
   <p:sldIdLst>
-    <p:sldId id="422" r:id="rId2"/>
+    <p:sldId id="1073" r:id="rId2"/>
     <p:sldId id="960" r:id="rId3"/>
     <p:sldId id="1035" r:id="rId4"/>
     <p:sldId id="1039" r:id="rId5"/>
@@ -21,34 +21,32 @@
     <p:sldId id="1040" r:id="rId9"/>
     <p:sldId id="1041" r:id="rId10"/>
     <p:sldId id="1043" r:id="rId11"/>
-    <p:sldId id="1059" r:id="rId12"/>
-    <p:sldId id="1044" r:id="rId13"/>
-    <p:sldId id="1051" r:id="rId14"/>
-    <p:sldId id="962" r:id="rId15"/>
-    <p:sldId id="1045" r:id="rId16"/>
-    <p:sldId id="1049" r:id="rId17"/>
-    <p:sldId id="1052" r:id="rId18"/>
-    <p:sldId id="1050" r:id="rId19"/>
-    <p:sldId id="1053" r:id="rId20"/>
-    <p:sldId id="1054" r:id="rId21"/>
-    <p:sldId id="1107" r:id="rId22"/>
-    <p:sldId id="1102" r:id="rId23"/>
-    <p:sldId id="1104" r:id="rId24"/>
-    <p:sldId id="1105" r:id="rId25"/>
-    <p:sldId id="1100" r:id="rId26"/>
-    <p:sldId id="1101" r:id="rId27"/>
-    <p:sldId id="1106" r:id="rId28"/>
-    <p:sldId id="1103" r:id="rId29"/>
-    <p:sldId id="1111" r:id="rId30"/>
-    <p:sldId id="1108" r:id="rId31"/>
-    <p:sldId id="1109" r:id="rId32"/>
-    <p:sldId id="1110" r:id="rId33"/>
-    <p:sldId id="259" r:id="rId34"/>
+    <p:sldId id="1044" r:id="rId12"/>
+    <p:sldId id="1051" r:id="rId13"/>
+    <p:sldId id="962" r:id="rId14"/>
+    <p:sldId id="1045" r:id="rId15"/>
+    <p:sldId id="1049" r:id="rId16"/>
+    <p:sldId id="1052" r:id="rId17"/>
+    <p:sldId id="1050" r:id="rId18"/>
+    <p:sldId id="1053" r:id="rId19"/>
+    <p:sldId id="1054" r:id="rId20"/>
+    <p:sldId id="1102" r:id="rId21"/>
+    <p:sldId id="1104" r:id="rId22"/>
+    <p:sldId id="1105" r:id="rId23"/>
+    <p:sldId id="1100" r:id="rId24"/>
+    <p:sldId id="1101" r:id="rId25"/>
+    <p:sldId id="1106" r:id="rId26"/>
+    <p:sldId id="1103" r:id="rId27"/>
+    <p:sldId id="1111" r:id="rId28"/>
+    <p:sldId id="1108" r:id="rId29"/>
+    <p:sldId id="1109" r:id="rId30"/>
+    <p:sldId id="1110" r:id="rId31"/>
+    <p:sldId id="259" r:id="rId32"/>
   </p:sldIdLst>
   <p:sldSz cx="36576000" cy="20574000"/>
   <p:notesSz cx="6858000" cy="9144000"/>
   <p:custDataLst>
-    <p:tags r:id="rId37"/>
+    <p:tags r:id="rId35"/>
   </p:custDataLst>
   <p:defaultTextStyle>
     <a:defPPr>
@@ -263,7 +261,7 @@
             <a:fld id="{523781EB-4FB3-3648-A6F1-521C35AF4CD7}" type="datetimeFigureOut">
               <a:rPr lang="en-US" smtClean="0"/>
               <a:pPr/>
-              <a:t>5/3/2021</a:t>
+              <a:t>7/8/2021</a:t>
             </a:fld>
             <a:endParaRPr lang="en-US"/>
           </a:p>
@@ -431,7 +429,7 @@
             <a:fld id="{EF91D6BE-35D6-7746-85CA-91EA11600B8F}" type="datetimeFigureOut">
               <a:rPr lang="en-US" smtClean="0"/>
               <a:pPr/>
-              <a:t>5/3/2021</a:t>
+              <a:t>7/8/2021</a:t>
             </a:fld>
             <a:endParaRPr lang="en-US"/>
           </a:p>
@@ -3516,33 +3514,25 @@
         </p:nvSpPr>
         <p:spPr>
           <a:xfrm>
-            <a:off x="596053" y="1201626"/>
+            <a:off x="298026" y="1497911"/>
             <a:ext cx="35979947" cy="5106410"/>
           </a:xfrm>
         </p:spPr>
         <p:txBody>
           <a:bodyPr>
-            <a:normAutofit lnSpcReduction="10000"/>
+            <a:normAutofit/>
           </a:bodyPr>
           <a:lstStyle/>
           <a:p>
             <a:pPr algn="ctr"/>
             <a:r>
-              <a:rPr lang="en-US" sz="14800" b="1" i="1" dirty="0">
+              <a:rPr lang="en-US" altLang="zh-CN" sz="14800" b="1" i="1" dirty="0">
                 <a:solidFill>
                   <a:srgbClr val="FFFF00"/>
                 </a:solidFill>
               </a:rPr>
-              <a:t>NHLBI</a:t>
-            </a:r>
-          </a:p>
-          <a:p>
-            <a:pPr algn="ctr"/>
-            <a:r>
-              <a:rPr lang="en-US" altLang="zh-CN" sz="14800" b="1" i="1" dirty="0"/>
               <a:t>Deep Learning Crash Course</a:t>
             </a:r>
-            <a:endParaRPr lang="en-US" sz="12800" i="1" dirty="0"/>
           </a:p>
         </p:txBody>
       </p:sp>
@@ -3594,7 +3584,7 @@
               <a:rPr lang="en-US" sz="8000" b="1" dirty="0">
                 <a:cs typeface="Arial"/>
               </a:rPr>
-              <a:t>National Heart, Lung, and Blood Institute</a:t>
+              <a:t>Hui Xue</a:t>
             </a:r>
           </a:p>
           <a:p>
@@ -3632,10 +3622,95 @@
           </a:p>
         </p:txBody>
       </p:sp>
+      <p:pic>
+        <p:nvPicPr>
+          <p:cNvPr id="2050" name="Picture 2">
+            <a:extLst>
+              <a:ext uri="{FF2B5EF4-FFF2-40B4-BE49-F238E27FC236}">
+                <a16:creationId xmlns:a16="http://schemas.microsoft.com/office/drawing/2014/main" id="{A5DBD535-B308-48DD-8196-5CFF8823AB29}"/>
+              </a:ext>
+            </a:extLst>
+          </p:cNvPr>
+          <p:cNvPicPr>
+            <a:picLocks noChangeAspect="1" noChangeArrowheads="1"/>
+          </p:cNvPicPr>
+          <p:nvPr/>
+        </p:nvPicPr>
+        <p:blipFill>
+          <a:blip r:embed="rId3">
+            <a:extLst>
+              <a:ext uri="{28A0092B-C50C-407E-A947-70E740481C1C}">
+                <a14:useLocalDpi xmlns:a14="http://schemas.microsoft.com/office/drawing/2010/main" val="0"/>
+              </a:ext>
+            </a:extLst>
+          </a:blip>
+          <a:srcRect/>
+          <a:stretch>
+            <a:fillRect/>
+          </a:stretch>
+        </p:blipFill>
+        <p:spPr bwMode="auto">
+          <a:xfrm>
+            <a:off x="3758665" y="8964665"/>
+            <a:ext cx="8820150" cy="8210550"/>
+          </a:xfrm>
+          <a:prstGeom prst="rect">
+            <a:avLst/>
+          </a:prstGeom>
+          <a:noFill/>
+          <a:extLst>
+            <a:ext uri="{909E8E84-426E-40DD-AFC4-6F175D3DCCD1}">
+              <a14:hiddenFill xmlns:a14="http://schemas.microsoft.com/office/drawing/2010/main">
+                <a:solidFill>
+                  <a:srgbClr val="FFFFFF"/>
+                </a:solidFill>
+              </a14:hiddenFill>
+            </a:ext>
+          </a:extLst>
+        </p:spPr>
+      </p:pic>
+      <p:sp>
+        <p:nvSpPr>
+          <p:cNvPr id="2" name="Rectangle 1">
+            <a:extLst>
+              <a:ext uri="{FF2B5EF4-FFF2-40B4-BE49-F238E27FC236}">
+                <a16:creationId xmlns:a16="http://schemas.microsoft.com/office/drawing/2014/main" id="{74180603-C350-44D5-BDCB-53AB09F6EF35}"/>
+              </a:ext>
+            </a:extLst>
+          </p:cNvPr>
+          <p:cNvSpPr/>
+          <p:nvPr/>
+        </p:nvSpPr>
+        <p:spPr>
+          <a:xfrm>
+            <a:off x="2318452" y="17095459"/>
+            <a:ext cx="11700575" cy="923330"/>
+          </a:xfrm>
+          <a:prstGeom prst="rect">
+            <a:avLst/>
+          </a:prstGeom>
+        </p:spPr>
+        <p:txBody>
+          <a:bodyPr wrap="none">
+            <a:spAutoFit/>
+          </a:bodyPr>
+          <a:lstStyle/>
+          <a:p>
+            <a:pPr algn="ctr"/>
+            <a:r>
+              <a:rPr lang="en-US" b="1" i="1" dirty="0">
+                <a:hlinkClick r:id="rId4"/>
+              </a:rPr>
+              <a:t>www.deeplearningcrashcourse.org</a:t>
+            </a:r>
+            <a:endParaRPr lang="en-US" i="1" dirty="0"/>
+          </a:p>
+        </p:txBody>
+      </p:sp>
     </p:spTree>
     <p:extLst>
       <p:ext uri="{BB962C8B-B14F-4D97-AF65-F5344CB8AC3E}">
-        <p14:creationId xmlns:p14="http://schemas.microsoft.com/office/powerpoint/2010/main" val="1868231749"/>
+        <p14:creationId xmlns:p14="http://schemas.microsoft.com/office/powerpoint/2010/main" val="1958312024"/>
       </p:ext>
     </p:extLst>
   </p:cSld>
@@ -7430,150 +7505,6 @@
       </p:grpSpPr>
       <p:sp>
         <p:nvSpPr>
-          <p:cNvPr id="2" name="Content Placeholder 1">
-            <a:extLst>
-              <a:ext uri="{FF2B5EF4-FFF2-40B4-BE49-F238E27FC236}">
-                <a16:creationId xmlns:a16="http://schemas.microsoft.com/office/drawing/2014/main" id="{9C72414A-810A-484C-878C-29258D203819}"/>
-              </a:ext>
-            </a:extLst>
-          </p:cNvPr>
-          <p:cNvSpPr>
-            <a:spLocks noGrp="1"/>
-          </p:cNvSpPr>
-          <p:nvPr>
-            <p:ph idx="1"/>
-          </p:nvPr>
-        </p:nvSpPr>
-        <p:spPr>
-          <a:xfrm>
-            <a:off x="1828799" y="4336564"/>
-            <a:ext cx="34177357" cy="13577889"/>
-          </a:xfrm>
-        </p:spPr>
-        <p:txBody>
-          <a:bodyPr>
-            <a:normAutofit/>
-          </a:bodyPr>
-          <a:lstStyle/>
-          <a:p>
-            <a:r>
-              <a:rPr lang="en-US" sz="8800" dirty="0"/>
-              <a:t>Loss function for classification</a:t>
-            </a:r>
-          </a:p>
-          <a:p>
-            <a:r>
-              <a:rPr lang="en-US" sz="8800" b="1" dirty="0"/>
-              <a:t>Gradient descent</a:t>
-            </a:r>
-          </a:p>
-          <a:p>
-            <a:r>
-              <a:rPr lang="en-US" sz="8800" dirty="0"/>
-              <a:t>Bias and variance</a:t>
-            </a:r>
-          </a:p>
-          <a:p>
-            <a:endParaRPr lang="en-US" sz="8800" dirty="0"/>
-          </a:p>
-        </p:txBody>
-      </p:sp>
-      <p:sp>
-        <p:nvSpPr>
-          <p:cNvPr id="3" name="Slide Number Placeholder 2">
-            <a:extLst>
-              <a:ext uri="{FF2B5EF4-FFF2-40B4-BE49-F238E27FC236}">
-                <a16:creationId xmlns:a16="http://schemas.microsoft.com/office/drawing/2014/main" id="{E025D67F-33EE-416E-9660-011DD86B0E88}"/>
-              </a:ext>
-            </a:extLst>
-          </p:cNvPr>
-          <p:cNvSpPr>
-            <a:spLocks noGrp="1"/>
-          </p:cNvSpPr>
-          <p:nvPr>
-            <p:ph type="sldNum" sz="quarter" idx="4"/>
-          </p:nvPr>
-        </p:nvSpPr>
-        <p:spPr/>
-        <p:txBody>
-          <a:bodyPr/>
-          <a:lstStyle/>
-          <a:p>
-            <a:pPr>
-              <a:defRPr/>
-            </a:pPr>
-            <a:fld id="{49C0EE74-1F2C-4D2D-91EC-B282DFC749DA}" type="slidenum">
-              <a:rPr lang="en-US" smtClean="0"/>
-              <a:pPr>
-                <a:defRPr/>
-              </a:pPr>
-              <a:t>11</a:t>
-            </a:fld>
-            <a:endParaRPr lang="en-US"/>
-          </a:p>
-        </p:txBody>
-      </p:sp>
-      <p:sp>
-        <p:nvSpPr>
-          <p:cNvPr id="4" name="Title 3">
-            <a:extLst>
-              <a:ext uri="{FF2B5EF4-FFF2-40B4-BE49-F238E27FC236}">
-                <a16:creationId xmlns:a16="http://schemas.microsoft.com/office/drawing/2014/main" id="{3FCC3235-F57C-407F-95A9-1C1521783AD0}"/>
-              </a:ext>
-            </a:extLst>
-          </p:cNvPr>
-          <p:cNvSpPr>
-            <a:spLocks noGrp="1"/>
-          </p:cNvSpPr>
-          <p:nvPr>
-            <p:ph type="title"/>
-          </p:nvPr>
-        </p:nvSpPr>
-        <p:spPr/>
-        <p:txBody>
-          <a:bodyPr/>
-          <a:lstStyle/>
-          <a:p>
-            <a:r>
-              <a:rPr lang="en-US" altLang="zh-CN" b="1" dirty="0"/>
-              <a:t>Outline</a:t>
-            </a:r>
-            <a:endParaRPr lang="en-US" dirty="0"/>
-          </a:p>
-        </p:txBody>
-      </p:sp>
-    </p:spTree>
-    <p:extLst>
-      <p:ext uri="{BB962C8B-B14F-4D97-AF65-F5344CB8AC3E}">
-        <p14:creationId xmlns:p14="http://schemas.microsoft.com/office/powerpoint/2010/main" val="2454873400"/>
-      </p:ext>
-    </p:extLst>
-  </p:cSld>
-  <p:clrMapOvr>
-    <a:masterClrMapping/>
-  </p:clrMapOvr>
-</p:sld>
-</file>
-
-<file path=ppt/slides/slide12.xml><?xml version="1.0" encoding="utf-8"?>
-<p:sld xmlns:a="http://schemas.openxmlformats.org/drawingml/2006/main" xmlns:r="http://schemas.openxmlformats.org/officeDocument/2006/relationships" xmlns:p="http://schemas.openxmlformats.org/presentationml/2006/main">
-  <p:cSld>
-    <p:spTree>
-      <p:nvGrpSpPr>
-        <p:cNvPr id="1" name=""/>
-        <p:cNvGrpSpPr/>
-        <p:nvPr/>
-      </p:nvGrpSpPr>
-      <p:grpSpPr>
-        <a:xfrm>
-          <a:off x="0" y="0"/>
-          <a:ext cx="0" cy="0"/>
-          <a:chOff x="0" y="0"/>
-          <a:chExt cx="0" cy="0"/>
-        </a:xfrm>
-      </p:grpSpPr>
-      <p:sp>
-        <p:nvSpPr>
           <p:cNvPr id="3" name="Slide Number Placeholder 2">
             <a:extLst>
               <a:ext uri="{FF2B5EF4-FFF2-40B4-BE49-F238E27FC236}">
@@ -7606,7 +7537,7 @@
               <a:pPr>
                 <a:defRPr/>
               </a:pPr>
-              <a:t>12</a:t>
+              <a:t>11</a:t>
             </a:fld>
             <a:endParaRPr lang="en-US"/>
           </a:p>
@@ -11409,7 +11340,7 @@
 </p:sld>
 </file>
 
-<file path=ppt/slides/slide13.xml><?xml version="1.0" encoding="utf-8"?>
+<file path=ppt/slides/slide12.xml><?xml version="1.0" encoding="utf-8"?>
 <p:sld xmlns:a="http://schemas.openxmlformats.org/drawingml/2006/main" xmlns:r="http://schemas.openxmlformats.org/officeDocument/2006/relationships" xmlns:p="http://schemas.openxmlformats.org/presentationml/2006/main">
   <p:cSld>
     <p:spTree>
@@ -11455,7 +11386,7 @@
               <a:pPr>
                 <a:defRPr/>
               </a:pPr>
-              <a:t>13</a:t>
+              <a:t>12</a:t>
             </a:fld>
             <a:endParaRPr lang="en-US"/>
           </a:p>
@@ -11641,7 +11572,7 @@
 </p:sld>
 </file>
 
-<file path=ppt/slides/slide14.xml><?xml version="1.0" encoding="utf-8"?>
+<file path=ppt/slides/slide13.xml><?xml version="1.0" encoding="utf-8"?>
 <p:sld xmlns:a="http://schemas.openxmlformats.org/drawingml/2006/main" xmlns:r="http://schemas.openxmlformats.org/officeDocument/2006/relationships" xmlns:p="http://schemas.openxmlformats.org/presentationml/2006/main">
   <p:cSld>
     <p:spTree>
@@ -11687,7 +11618,7 @@
               <a:pPr>
                 <a:defRPr/>
               </a:pPr>
-              <a:t>14</a:t>
+              <a:t>13</a:t>
             </a:fld>
             <a:endParaRPr lang="en-US"/>
           </a:p>
@@ -12835,7 +12766,7 @@
 </p:sld>
 </file>
 
-<file path=ppt/slides/slide15.xml><?xml version="1.0" encoding="utf-8"?>
+<file path=ppt/slides/slide14.xml><?xml version="1.0" encoding="utf-8"?>
 <p:sld xmlns:a="http://schemas.openxmlformats.org/drawingml/2006/main" xmlns:r="http://schemas.openxmlformats.org/officeDocument/2006/relationships" xmlns:p="http://schemas.openxmlformats.org/presentationml/2006/main">
   <p:cSld>
     <p:spTree>
@@ -12881,7 +12812,7 @@
               <a:pPr>
                 <a:defRPr/>
               </a:pPr>
-              <a:t>15</a:t>
+              <a:t>14</a:t>
             </a:fld>
             <a:endParaRPr lang="en-US"/>
           </a:p>
@@ -14698,7 +14629,7 @@
 </p:sld>
 </file>
 
-<file path=ppt/slides/slide16.xml><?xml version="1.0" encoding="utf-8"?>
+<file path=ppt/slides/slide15.xml><?xml version="1.0" encoding="utf-8"?>
 <p:sld xmlns:a="http://schemas.openxmlformats.org/drawingml/2006/main" xmlns:r="http://schemas.openxmlformats.org/officeDocument/2006/relationships" xmlns:p="http://schemas.openxmlformats.org/presentationml/2006/main">
   <p:cSld>
     <p:spTree>
@@ -14744,7 +14675,7 @@
               <a:pPr>
                 <a:defRPr/>
               </a:pPr>
-              <a:t>16</a:t>
+              <a:t>15</a:t>
             </a:fld>
             <a:endParaRPr lang="en-US"/>
           </a:p>
@@ -16240,7 +16171,7 @@
 </p:sld>
 </file>
 
-<file path=ppt/slides/slide17.xml><?xml version="1.0" encoding="utf-8"?>
+<file path=ppt/slides/slide16.xml><?xml version="1.0" encoding="utf-8"?>
 <p:sld xmlns:a="http://schemas.openxmlformats.org/drawingml/2006/main" xmlns:r="http://schemas.openxmlformats.org/officeDocument/2006/relationships" xmlns:p="http://schemas.openxmlformats.org/presentationml/2006/main">
   <p:cSld>
     <p:spTree>
@@ -16286,7 +16217,7 @@
               <a:pPr>
                 <a:defRPr/>
               </a:pPr>
-              <a:t>17</a:t>
+              <a:t>16</a:t>
             </a:fld>
             <a:endParaRPr lang="en-US"/>
           </a:p>
@@ -17256,7 +17187,7 @@
 </p:sld>
 </file>
 
-<file path=ppt/slides/slide18.xml><?xml version="1.0" encoding="utf-8"?>
+<file path=ppt/slides/slide17.xml><?xml version="1.0" encoding="utf-8"?>
 <p:sld xmlns:a="http://schemas.openxmlformats.org/drawingml/2006/main" xmlns:r="http://schemas.openxmlformats.org/officeDocument/2006/relationships" xmlns:p="http://schemas.openxmlformats.org/presentationml/2006/main">
   <p:cSld>
     <p:spTree>
@@ -17302,7 +17233,7 @@
               <a:pPr>
                 <a:defRPr/>
               </a:pPr>
-              <a:t>18</a:t>
+              <a:t>17</a:t>
             </a:fld>
             <a:endParaRPr lang="en-US"/>
           </a:p>
@@ -18359,7 +18290,7 @@
 </p:sld>
 </file>
 
-<file path=ppt/slides/slide19.xml><?xml version="1.0" encoding="utf-8"?>
+<file path=ppt/slides/slide18.xml><?xml version="1.0" encoding="utf-8"?>
 <p:sld xmlns:a="http://schemas.openxmlformats.org/drawingml/2006/main" xmlns:r="http://schemas.openxmlformats.org/officeDocument/2006/relationships" xmlns:p="http://schemas.openxmlformats.org/presentationml/2006/main">
   <p:cSld>
     <p:spTree>
@@ -18405,7 +18336,7 @@
               <a:pPr>
                 <a:defRPr/>
               </a:pPr>
-              <a:t>19</a:t>
+              <a:t>18</a:t>
             </a:fld>
             <a:endParaRPr lang="en-US"/>
           </a:p>
@@ -19516,151 +19447,7 @@
 </p:sld>
 </file>
 
-<file path=ppt/slides/slide2.xml><?xml version="1.0" encoding="utf-8"?>
-<p:sld xmlns:a="http://schemas.openxmlformats.org/drawingml/2006/main" xmlns:r="http://schemas.openxmlformats.org/officeDocument/2006/relationships" xmlns:p="http://schemas.openxmlformats.org/presentationml/2006/main">
-  <p:cSld>
-    <p:spTree>
-      <p:nvGrpSpPr>
-        <p:cNvPr id="1" name=""/>
-        <p:cNvGrpSpPr/>
-        <p:nvPr/>
-      </p:nvGrpSpPr>
-      <p:grpSpPr>
-        <a:xfrm>
-          <a:off x="0" y="0"/>
-          <a:ext cx="0" cy="0"/>
-          <a:chOff x="0" y="0"/>
-          <a:chExt cx="0" cy="0"/>
-        </a:xfrm>
-      </p:grpSpPr>
-      <p:sp>
-        <p:nvSpPr>
-          <p:cNvPr id="2" name="Content Placeholder 1">
-            <a:extLst>
-              <a:ext uri="{FF2B5EF4-FFF2-40B4-BE49-F238E27FC236}">
-                <a16:creationId xmlns:a16="http://schemas.microsoft.com/office/drawing/2014/main" id="{9C72414A-810A-484C-878C-29258D203819}"/>
-              </a:ext>
-            </a:extLst>
-          </p:cNvPr>
-          <p:cNvSpPr>
-            <a:spLocks noGrp="1"/>
-          </p:cNvSpPr>
-          <p:nvPr>
-            <p:ph idx="1"/>
-          </p:nvPr>
-        </p:nvSpPr>
-        <p:spPr>
-          <a:xfrm>
-            <a:off x="1828799" y="4336564"/>
-            <a:ext cx="34177357" cy="13577889"/>
-          </a:xfrm>
-        </p:spPr>
-        <p:txBody>
-          <a:bodyPr>
-            <a:normAutofit/>
-          </a:bodyPr>
-          <a:lstStyle/>
-          <a:p>
-            <a:r>
-              <a:rPr lang="en-US" sz="8800" b="1" dirty="0"/>
-              <a:t>Loss function for classification</a:t>
-            </a:r>
-          </a:p>
-          <a:p>
-            <a:r>
-              <a:rPr lang="en-US" sz="8800" dirty="0"/>
-              <a:t>Gradient descent</a:t>
-            </a:r>
-          </a:p>
-          <a:p>
-            <a:r>
-              <a:rPr lang="en-US" sz="8800" dirty="0"/>
-              <a:t>Bias and variance</a:t>
-            </a:r>
-          </a:p>
-          <a:p>
-            <a:endParaRPr lang="en-US" sz="8800" dirty="0"/>
-          </a:p>
-        </p:txBody>
-      </p:sp>
-      <p:sp>
-        <p:nvSpPr>
-          <p:cNvPr id="3" name="Slide Number Placeholder 2">
-            <a:extLst>
-              <a:ext uri="{FF2B5EF4-FFF2-40B4-BE49-F238E27FC236}">
-                <a16:creationId xmlns:a16="http://schemas.microsoft.com/office/drawing/2014/main" id="{E025D67F-33EE-416E-9660-011DD86B0E88}"/>
-              </a:ext>
-            </a:extLst>
-          </p:cNvPr>
-          <p:cNvSpPr>
-            <a:spLocks noGrp="1"/>
-          </p:cNvSpPr>
-          <p:nvPr>
-            <p:ph type="sldNum" sz="quarter" idx="4"/>
-          </p:nvPr>
-        </p:nvSpPr>
-        <p:spPr/>
-        <p:txBody>
-          <a:bodyPr/>
-          <a:lstStyle/>
-          <a:p>
-            <a:pPr>
-              <a:defRPr/>
-            </a:pPr>
-            <a:fld id="{49C0EE74-1F2C-4D2D-91EC-B282DFC749DA}" type="slidenum">
-              <a:rPr lang="en-US" smtClean="0"/>
-              <a:pPr>
-                <a:defRPr/>
-              </a:pPr>
-              <a:t>2</a:t>
-            </a:fld>
-            <a:endParaRPr lang="en-US"/>
-          </a:p>
-        </p:txBody>
-      </p:sp>
-      <p:sp>
-        <p:nvSpPr>
-          <p:cNvPr id="4" name="Title 3">
-            <a:extLst>
-              <a:ext uri="{FF2B5EF4-FFF2-40B4-BE49-F238E27FC236}">
-                <a16:creationId xmlns:a16="http://schemas.microsoft.com/office/drawing/2014/main" id="{3FCC3235-F57C-407F-95A9-1C1521783AD0}"/>
-              </a:ext>
-            </a:extLst>
-          </p:cNvPr>
-          <p:cNvSpPr>
-            <a:spLocks noGrp="1"/>
-          </p:cNvSpPr>
-          <p:nvPr>
-            <p:ph type="title"/>
-          </p:nvPr>
-        </p:nvSpPr>
-        <p:spPr/>
-        <p:txBody>
-          <a:bodyPr/>
-          <a:lstStyle/>
-          <a:p>
-            <a:r>
-              <a:rPr lang="en-US" altLang="zh-CN" b="1" dirty="0"/>
-              <a:t>Outline</a:t>
-            </a:r>
-            <a:endParaRPr lang="en-US" dirty="0"/>
-          </a:p>
-        </p:txBody>
-      </p:sp>
-    </p:spTree>
-    <p:extLst>
-      <p:ext uri="{BB962C8B-B14F-4D97-AF65-F5344CB8AC3E}">
-        <p14:creationId xmlns:p14="http://schemas.microsoft.com/office/powerpoint/2010/main" val="1918625755"/>
-      </p:ext>
-    </p:extLst>
-  </p:cSld>
-  <p:clrMapOvr>
-    <a:masterClrMapping/>
-  </p:clrMapOvr>
-</p:sld>
-</file>
-
-<file path=ppt/slides/slide20.xml><?xml version="1.0" encoding="utf-8"?>
+<file path=ppt/slides/slide19.xml><?xml version="1.0" encoding="utf-8"?>
 <p:sld xmlns:a="http://schemas.openxmlformats.org/drawingml/2006/main" xmlns:r="http://schemas.openxmlformats.org/officeDocument/2006/relationships" xmlns:p="http://schemas.openxmlformats.org/presentationml/2006/main">
   <p:cSld>
     <p:spTree>
@@ -19706,7 +19493,7 @@
               <a:pPr>
                 <a:defRPr/>
               </a:pPr>
-              <a:t>20</a:t>
+              <a:t>19</a:t>
             </a:fld>
             <a:endParaRPr lang="en-US"/>
           </a:p>
@@ -20139,7 +19926,7 @@
 </p:sld>
 </file>
 
-<file path=ppt/slides/slide21.xml><?xml version="1.0" encoding="utf-8"?>
+<file path=ppt/slides/slide2.xml><?xml version="1.0" encoding="utf-8"?>
 <p:sld xmlns:a="http://schemas.openxmlformats.org/drawingml/2006/main" xmlns:r="http://schemas.openxmlformats.org/officeDocument/2006/relationships" xmlns:p="http://schemas.openxmlformats.org/presentationml/2006/main">
   <p:cSld>
     <p:spTree>
@@ -20185,7 +19972,7 @@
           <a:lstStyle/>
           <a:p>
             <a:r>
-              <a:rPr lang="en-US" sz="8800" dirty="0"/>
+              <a:rPr lang="en-US" sz="8800" b="1" dirty="0"/>
               <a:t>Loss function for classification</a:t>
             </a:r>
           </a:p>
@@ -20197,7 +19984,7 @@
           </a:p>
           <a:p>
             <a:r>
-              <a:rPr lang="en-US" sz="8800" b="1" dirty="0"/>
+              <a:rPr lang="en-US" sz="8800" dirty="0"/>
               <a:t>Bias and variance</a:t>
             </a:r>
           </a:p>
@@ -20235,7 +20022,7 @@
               <a:pPr>
                 <a:defRPr/>
               </a:pPr>
-              <a:t>21</a:t>
+              <a:t>2</a:t>
             </a:fld>
             <a:endParaRPr lang="en-US"/>
           </a:p>
@@ -20273,7 +20060,7 @@
     </p:spTree>
     <p:extLst>
       <p:ext uri="{BB962C8B-B14F-4D97-AF65-F5344CB8AC3E}">
-        <p14:creationId xmlns:p14="http://schemas.microsoft.com/office/powerpoint/2010/main" val="965544"/>
+        <p14:creationId xmlns:p14="http://schemas.microsoft.com/office/powerpoint/2010/main" val="1918625755"/>
       </p:ext>
     </p:extLst>
   </p:cSld>
@@ -20283,7 +20070,7 @@
 </p:sld>
 </file>
 
-<file path=ppt/slides/slide22.xml><?xml version="1.0" encoding="utf-8"?>
+<file path=ppt/slides/slide20.xml><?xml version="1.0" encoding="utf-8"?>
 <p:sld xmlns:a="http://schemas.openxmlformats.org/drawingml/2006/main" xmlns:r="http://schemas.openxmlformats.org/officeDocument/2006/relationships" xmlns:p="http://schemas.openxmlformats.org/presentationml/2006/main">
   <p:cSld>
     <p:spTree>
@@ -20329,7 +20116,7 @@
               <a:pPr>
                 <a:defRPr/>
               </a:pPr>
-              <a:t>22</a:t>
+              <a:t>20</a:t>
             </a:fld>
             <a:endParaRPr lang="en-US"/>
           </a:p>
@@ -21188,7 +20975,7 @@
 </p:sld>
 </file>
 
-<file path=ppt/slides/slide23.xml><?xml version="1.0" encoding="utf-8"?>
+<file path=ppt/slides/slide21.xml><?xml version="1.0" encoding="utf-8"?>
 <p:sld xmlns:a="http://schemas.openxmlformats.org/drawingml/2006/main" xmlns:r="http://schemas.openxmlformats.org/officeDocument/2006/relationships" xmlns:p="http://schemas.openxmlformats.org/presentationml/2006/main">
   <p:cSld>
     <p:spTree>
@@ -21234,7 +21021,7 @@
               <a:pPr>
                 <a:defRPr/>
               </a:pPr>
-              <a:t>23</a:t>
+              <a:t>21</a:t>
             </a:fld>
             <a:endParaRPr lang="en-US"/>
           </a:p>
@@ -22706,7 +22493,7 @@
 </p:sld>
 </file>
 
-<file path=ppt/slides/slide24.xml><?xml version="1.0" encoding="utf-8"?>
+<file path=ppt/slides/slide22.xml><?xml version="1.0" encoding="utf-8"?>
 <p:sld xmlns:a="http://schemas.openxmlformats.org/drawingml/2006/main" xmlns:r="http://schemas.openxmlformats.org/officeDocument/2006/relationships" xmlns:p="http://schemas.openxmlformats.org/presentationml/2006/main">
   <p:cSld>
     <p:spTree>
@@ -22752,7 +22539,7 @@
               <a:pPr>
                 <a:defRPr/>
               </a:pPr>
-              <a:t>24</a:t>
+              <a:t>22</a:t>
             </a:fld>
             <a:endParaRPr lang="en-US"/>
           </a:p>
@@ -24196,7 +23983,7 @@
 </p:sld>
 </file>
 
-<file path=ppt/slides/slide25.xml><?xml version="1.0" encoding="utf-8"?>
+<file path=ppt/slides/slide23.xml><?xml version="1.0" encoding="utf-8"?>
 <p:sld xmlns:a="http://schemas.openxmlformats.org/drawingml/2006/main" xmlns:r="http://schemas.openxmlformats.org/officeDocument/2006/relationships" xmlns:p="http://schemas.openxmlformats.org/presentationml/2006/main">
   <p:cSld>
     <p:spTree>
@@ -24242,7 +24029,7 @@
               <a:pPr>
                 <a:defRPr/>
               </a:pPr>
-              <a:t>25</a:t>
+              <a:t>23</a:t>
             </a:fld>
             <a:endParaRPr lang="en-US"/>
           </a:p>
@@ -24458,7 +24245,7 @@
 </p:sld>
 </file>
 
-<file path=ppt/slides/slide26.xml><?xml version="1.0" encoding="utf-8"?>
+<file path=ppt/slides/slide24.xml><?xml version="1.0" encoding="utf-8"?>
 <p:sld xmlns:a="http://schemas.openxmlformats.org/drawingml/2006/main" xmlns:r="http://schemas.openxmlformats.org/officeDocument/2006/relationships" xmlns:p="http://schemas.openxmlformats.org/presentationml/2006/main">
   <p:cSld>
     <p:spTree>
@@ -24504,7 +24291,7 @@
               <a:pPr>
                 <a:defRPr/>
               </a:pPr>
-              <a:t>26</a:t>
+              <a:t>24</a:t>
             </a:fld>
             <a:endParaRPr lang="en-US"/>
           </a:p>
@@ -24704,7 +24491,7 @@
 </p:sld>
 </file>
 
-<file path=ppt/slides/slide27.xml><?xml version="1.0" encoding="utf-8"?>
+<file path=ppt/slides/slide25.xml><?xml version="1.0" encoding="utf-8"?>
 <p:sld xmlns:a="http://schemas.openxmlformats.org/drawingml/2006/main" xmlns:r="http://schemas.openxmlformats.org/officeDocument/2006/relationships" xmlns:p="http://schemas.openxmlformats.org/presentationml/2006/main">
   <p:cSld>
     <p:spTree>
@@ -24750,7 +24537,7 @@
               <a:pPr>
                 <a:defRPr/>
               </a:pPr>
-              <a:t>27</a:t>
+              <a:t>25</a:t>
             </a:fld>
             <a:endParaRPr lang="en-US"/>
           </a:p>
@@ -24919,7 +24706,7 @@
 </p:sld>
 </file>
 
-<file path=ppt/slides/slide28.xml><?xml version="1.0" encoding="utf-8"?>
+<file path=ppt/slides/slide26.xml><?xml version="1.0" encoding="utf-8"?>
 <p:sld xmlns:a="http://schemas.openxmlformats.org/drawingml/2006/main" xmlns:r="http://schemas.openxmlformats.org/officeDocument/2006/relationships" xmlns:p="http://schemas.openxmlformats.org/presentationml/2006/main">
   <p:cSld>
     <p:spTree>
@@ -24965,7 +24752,7 @@
               <a:pPr>
                 <a:defRPr/>
               </a:pPr>
-              <a:t>28</a:t>
+              <a:t>26</a:t>
             </a:fld>
             <a:endParaRPr lang="en-US"/>
           </a:p>
@@ -26197,7 +25984,7 @@
 </p:sld>
 </file>
 
-<file path=ppt/slides/slide29.xml><?xml version="1.0" encoding="utf-8"?>
+<file path=ppt/slides/slide27.xml><?xml version="1.0" encoding="utf-8"?>
 <p:sld xmlns:a="http://schemas.openxmlformats.org/drawingml/2006/main" xmlns:r="http://schemas.openxmlformats.org/officeDocument/2006/relationships" xmlns:p="http://schemas.openxmlformats.org/presentationml/2006/main">
   <p:cSld>
     <p:spTree>
@@ -26243,7 +26030,7 @@
               <a:pPr>
                 <a:defRPr/>
               </a:pPr>
-              <a:t>29</a:t>
+              <a:t>27</a:t>
             </a:fld>
             <a:endParaRPr lang="en-US"/>
           </a:p>
@@ -26736,6 +26523,2783 @@
     <p:extLst>
       <p:ext uri="{BB962C8B-B14F-4D97-AF65-F5344CB8AC3E}">
         <p14:creationId xmlns:p14="http://schemas.microsoft.com/office/powerpoint/2010/main" val="2123592866"/>
+      </p:ext>
+    </p:extLst>
+  </p:cSld>
+  <p:clrMapOvr>
+    <a:masterClrMapping/>
+  </p:clrMapOvr>
+</p:sld>
+</file>
+
+<file path=ppt/slides/slide28.xml><?xml version="1.0" encoding="utf-8"?>
+<p:sld xmlns:a="http://schemas.openxmlformats.org/drawingml/2006/main" xmlns:r="http://schemas.openxmlformats.org/officeDocument/2006/relationships" xmlns:p="http://schemas.openxmlformats.org/presentationml/2006/main">
+  <p:cSld>
+    <p:spTree>
+      <p:nvGrpSpPr>
+        <p:cNvPr id="1" name=""/>
+        <p:cNvGrpSpPr/>
+        <p:nvPr/>
+      </p:nvGrpSpPr>
+      <p:grpSpPr>
+        <a:xfrm>
+          <a:off x="0" y="0"/>
+          <a:ext cx="0" cy="0"/>
+          <a:chOff x="0" y="0"/>
+          <a:chExt cx="0" cy="0"/>
+        </a:xfrm>
+      </p:grpSpPr>
+      <p:sp>
+        <p:nvSpPr>
+          <p:cNvPr id="3" name="Slide Number Placeholder 2">
+            <a:extLst>
+              <a:ext uri="{FF2B5EF4-FFF2-40B4-BE49-F238E27FC236}">
+                <a16:creationId xmlns:a16="http://schemas.microsoft.com/office/drawing/2014/main" id="{2775A7A5-BE09-4B16-9B7E-76739EAC8746}"/>
+              </a:ext>
+            </a:extLst>
+          </p:cNvPr>
+          <p:cNvSpPr>
+            <a:spLocks noGrp="1"/>
+          </p:cNvSpPr>
+          <p:nvPr>
+            <p:ph type="sldNum" sz="quarter" idx="4"/>
+          </p:nvPr>
+        </p:nvSpPr>
+        <p:spPr/>
+        <p:txBody>
+          <a:bodyPr/>
+          <a:lstStyle/>
+          <a:p>
+            <a:pPr>
+              <a:defRPr/>
+            </a:pPr>
+            <a:fld id="{49C0EE74-1F2C-4D2D-91EC-B282DFC749DA}" type="slidenum">
+              <a:rPr lang="en-US" smtClean="0"/>
+              <a:pPr>
+                <a:defRPr/>
+              </a:pPr>
+              <a:t>28</a:t>
+            </a:fld>
+            <a:endParaRPr lang="en-US"/>
+          </a:p>
+        </p:txBody>
+      </p:sp>
+      <p:sp>
+        <p:nvSpPr>
+          <p:cNvPr id="4" name="Title 3">
+            <a:extLst>
+              <a:ext uri="{FF2B5EF4-FFF2-40B4-BE49-F238E27FC236}">
+                <a16:creationId xmlns:a16="http://schemas.microsoft.com/office/drawing/2014/main" id="{06F036A1-6E39-480B-95CC-54046C834CD5}"/>
+              </a:ext>
+            </a:extLst>
+          </p:cNvPr>
+          <p:cNvSpPr>
+            <a:spLocks noGrp="1"/>
+          </p:cNvSpPr>
+          <p:nvPr>
+            <p:ph type="title"/>
+          </p:nvPr>
+        </p:nvSpPr>
+        <p:spPr>
+          <a:xfrm>
+            <a:off x="1686822" y="433395"/>
+            <a:ext cx="25465778" cy="2538411"/>
+          </a:xfrm>
+        </p:spPr>
+        <p:txBody>
+          <a:bodyPr/>
+          <a:lstStyle/>
+          <a:p>
+            <a:r>
+              <a:rPr lang="en-US" dirty="0"/>
+              <a:t>L2 Regularization, weight decay</a:t>
+            </a:r>
+          </a:p>
+        </p:txBody>
+      </p:sp>
+      <mc:AlternateContent xmlns:mc="http://schemas.openxmlformats.org/markup-compatibility/2006" xmlns:a14="http://schemas.microsoft.com/office/drawing/2010/main">
+        <mc:Choice Requires="a14">
+          <p:sp>
+            <p:nvSpPr>
+              <p:cNvPr id="38" name="Rectangle 37">
+                <a:extLst>
+                  <a:ext uri="{FF2B5EF4-FFF2-40B4-BE49-F238E27FC236}">
+                    <a16:creationId xmlns:a16="http://schemas.microsoft.com/office/drawing/2014/main" id="{325FB88C-D1C7-4449-A8EC-BE11D05D0AD5}"/>
+                  </a:ext>
+                </a:extLst>
+              </p:cNvPr>
+              <p:cNvSpPr/>
+              <p:nvPr/>
+            </p:nvSpPr>
+            <p:spPr>
+              <a:xfrm>
+                <a:off x="12147589" y="4577983"/>
+                <a:ext cx="11303287" cy="3554948"/>
+              </a:xfrm>
+              <a:prstGeom prst="rect">
+                <a:avLst/>
+              </a:prstGeom>
+            </p:spPr>
+            <p:txBody>
+              <a:bodyPr wrap="none">
+                <a:spAutoFit/>
+              </a:bodyPr>
+              <a:lstStyle/>
+              <a:p>
+                <a:pPr/>
+                <a14:m>
+                  <m:oMathPara xmlns:m="http://schemas.openxmlformats.org/officeDocument/2006/math">
+                    <m:oMathParaPr>
+                      <m:jc m:val="centerGroup"/>
+                    </m:oMathParaPr>
+                    <m:oMath xmlns:m="http://schemas.openxmlformats.org/officeDocument/2006/math">
+                      <m:r>
+                        <a:rPr lang="en-US" sz="8000" i="1" smtClean="0">
+                          <a:latin typeface="Cambria Math" panose="02040503050406030204" pitchFamily="18" charset="0"/>
+                        </a:rPr>
+                        <m:t>𝐿</m:t>
+                      </m:r>
+                      <m:r>
+                        <a:rPr lang="en-US" sz="8000">
+                          <a:latin typeface="Cambria Math" panose="02040503050406030204" pitchFamily="18" charset="0"/>
+                        </a:rPr>
+                        <m:t>=</m:t>
+                      </m:r>
+                      <m:f>
+                        <m:fPr>
+                          <m:ctrlPr>
+                            <a:rPr lang="en-US" sz="8000" i="1">
+                              <a:latin typeface="Cambria Math" panose="02040503050406030204" pitchFamily="18" charset="0"/>
+                            </a:rPr>
+                          </m:ctrlPr>
+                        </m:fPr>
+                        <m:num>
+                          <m:r>
+                            <a:rPr lang="en-US" sz="8000" i="1">
+                              <a:latin typeface="Cambria Math" panose="02040503050406030204" pitchFamily="18" charset="0"/>
+                            </a:rPr>
+                            <m:t>1</m:t>
+                          </m:r>
+                        </m:num>
+                        <m:den>
+                          <m:r>
+                            <a:rPr lang="en-US" sz="8000" i="1">
+                              <a:latin typeface="Cambria Math" panose="02040503050406030204" pitchFamily="18" charset="0"/>
+                            </a:rPr>
+                            <m:t>𝐵</m:t>
+                          </m:r>
+                        </m:den>
+                      </m:f>
+                      <m:nary>
+                        <m:naryPr>
+                          <m:chr m:val="∑"/>
+                          <m:ctrlPr>
+                            <a:rPr lang="en-US" sz="8000" b="1" i="1">
+                              <a:latin typeface="Cambria Math" panose="02040503050406030204" pitchFamily="18" charset="0"/>
+                            </a:rPr>
+                          </m:ctrlPr>
+                        </m:naryPr>
+                        <m:sub>
+                          <m:r>
+                            <m:rPr>
+                              <m:brk m:alnAt="23"/>
+                            </m:rPr>
+                            <a:rPr lang="en-US" sz="8000" i="1">
+                              <a:latin typeface="Cambria Math" panose="02040503050406030204" pitchFamily="18" charset="0"/>
+                            </a:rPr>
+                            <m:t>𝑖</m:t>
+                          </m:r>
+                          <m:r>
+                            <a:rPr lang="en-US" sz="8000" i="1">
+                              <a:latin typeface="Cambria Math" panose="02040503050406030204" pitchFamily="18" charset="0"/>
+                            </a:rPr>
+                            <m:t>=0</m:t>
+                          </m:r>
+                        </m:sub>
+                        <m:sup>
+                          <m:r>
+                            <a:rPr lang="en-US" sz="8000" i="1">
+                              <a:latin typeface="Cambria Math" panose="02040503050406030204" pitchFamily="18" charset="0"/>
+                            </a:rPr>
+                            <m:t>𝐵</m:t>
+                          </m:r>
+                          <m:r>
+                            <a:rPr lang="en-US" sz="8000" i="1">
+                              <a:latin typeface="Cambria Math" panose="02040503050406030204" pitchFamily="18" charset="0"/>
+                            </a:rPr>
+                            <m:t>−1</m:t>
+                          </m:r>
+                        </m:sup>
+                        <m:e>
+                          <m:sSup>
+                            <m:sSupPr>
+                              <m:ctrlPr>
+                                <a:rPr lang="en-US" sz="8000" b="1" i="1">
+                                  <a:latin typeface="Cambria Math" panose="02040503050406030204" pitchFamily="18" charset="0"/>
+                                </a:rPr>
+                              </m:ctrlPr>
+                            </m:sSupPr>
+                            <m:e>
+                              <m:r>
+                                <a:rPr lang="en-US" sz="8000" b="0" i="1" smtClean="0">
+                                  <a:latin typeface="Cambria Math" panose="02040503050406030204" pitchFamily="18" charset="0"/>
+                                </a:rPr>
+                                <m:t>𝐿</m:t>
+                              </m:r>
+                            </m:e>
+                            <m:sup>
+                              <m:d>
+                                <m:dPr>
+                                  <m:ctrlPr>
+                                    <a:rPr lang="en-US" sz="8000" b="1" i="1">
+                                      <a:latin typeface="Cambria Math" panose="02040503050406030204" pitchFamily="18" charset="0"/>
+                                    </a:rPr>
+                                  </m:ctrlPr>
+                                </m:dPr>
+                                <m:e>
+                                  <m:r>
+                                    <a:rPr lang="en-US" sz="8000" b="1" i="1">
+                                      <a:latin typeface="Cambria Math" panose="02040503050406030204" pitchFamily="18" charset="0"/>
+                                    </a:rPr>
+                                    <m:t>𝒊</m:t>
+                                  </m:r>
+                                </m:e>
+                              </m:d>
+                            </m:sup>
+                          </m:sSup>
+                        </m:e>
+                      </m:nary>
+                      <m:r>
+                        <a:rPr lang="en-US" sz="8000" b="1" i="1" smtClean="0">
+                          <a:latin typeface="Cambria Math" panose="02040503050406030204" pitchFamily="18" charset="0"/>
+                        </a:rPr>
+                        <m:t>+</m:t>
+                      </m:r>
+                      <m:f>
+                        <m:fPr>
+                          <m:ctrlPr>
+                            <a:rPr lang="en-US" sz="8000" i="1" smtClean="0">
+                              <a:latin typeface="Cambria Math" panose="02040503050406030204" pitchFamily="18" charset="0"/>
+                            </a:rPr>
+                          </m:ctrlPr>
+                        </m:fPr>
+                        <m:num>
+                          <m:r>
+                            <a:rPr lang="en-US" sz="8000" b="0" i="1">
+                              <a:latin typeface="Cambria Math" panose="02040503050406030204" pitchFamily="18" charset="0"/>
+                              <a:ea typeface="Cambria Math" panose="02040503050406030204" pitchFamily="18" charset="0"/>
+                            </a:rPr>
+                            <m:t>𝜆</m:t>
+                          </m:r>
+                        </m:num>
+                        <m:den>
+                          <m:r>
+                            <a:rPr lang="en-US" sz="8000" b="0" i="1" smtClean="0">
+                              <a:latin typeface="Cambria Math" panose="02040503050406030204" pitchFamily="18" charset="0"/>
+                            </a:rPr>
+                            <m:t>2</m:t>
+                          </m:r>
+                        </m:den>
+                      </m:f>
+                      <m:sSubSup>
+                        <m:sSubSupPr>
+                          <m:ctrlPr>
+                            <a:rPr lang="en-US" sz="8000" b="0" i="1" smtClean="0">
+                              <a:latin typeface="Cambria Math" panose="02040503050406030204" pitchFamily="18" charset="0"/>
+                              <a:ea typeface="Cambria Math" panose="02040503050406030204" pitchFamily="18" charset="0"/>
+                            </a:rPr>
+                          </m:ctrlPr>
+                        </m:sSubSupPr>
+                        <m:e>
+                          <m:d>
+                            <m:dPr>
+                              <m:begChr m:val="‖"/>
+                              <m:endChr m:val="‖"/>
+                              <m:ctrlPr>
+                                <a:rPr lang="en-US" sz="8000" i="1">
+                                  <a:latin typeface="Cambria Math" panose="02040503050406030204" pitchFamily="18" charset="0"/>
+                                  <a:ea typeface="Cambria Math" panose="02040503050406030204" pitchFamily="18" charset="0"/>
+                                </a:rPr>
+                              </m:ctrlPr>
+                            </m:dPr>
+                            <m:e>
+                              <m:r>
+                                <a:rPr lang="en-US" sz="8000" b="1" i="1">
+                                  <a:latin typeface="Cambria Math" panose="02040503050406030204" pitchFamily="18" charset="0"/>
+                                  <a:ea typeface="Cambria Math" panose="02040503050406030204" pitchFamily="18" charset="0"/>
+                                </a:rPr>
+                                <m:t>𝑾</m:t>
+                              </m:r>
+                            </m:e>
+                          </m:d>
+                        </m:e>
+                        <m:sub>
+                          <m:r>
+                            <a:rPr lang="en-US" sz="8000" b="0" i="1" smtClean="0">
+                              <a:latin typeface="Cambria Math" panose="02040503050406030204" pitchFamily="18" charset="0"/>
+                              <a:ea typeface="Cambria Math" panose="02040503050406030204" pitchFamily="18" charset="0"/>
+                            </a:rPr>
+                            <m:t>2</m:t>
+                          </m:r>
+                        </m:sub>
+                        <m:sup>
+                          <m:r>
+                            <a:rPr lang="en-US" sz="8000" b="0" i="1" smtClean="0">
+                              <a:latin typeface="Cambria Math" panose="02040503050406030204" pitchFamily="18" charset="0"/>
+                              <a:ea typeface="Cambria Math" panose="02040503050406030204" pitchFamily="18" charset="0"/>
+                            </a:rPr>
+                            <m:t>2</m:t>
+                          </m:r>
+                        </m:sup>
+                      </m:sSubSup>
+                    </m:oMath>
+                  </m:oMathPara>
+                </a14:m>
+                <a:endParaRPr lang="en-US" sz="8000" dirty="0"/>
+              </a:p>
+            </p:txBody>
+          </p:sp>
+        </mc:Choice>
+        <mc:Fallback xmlns="">
+          <p:sp>
+            <p:nvSpPr>
+              <p:cNvPr id="38" name="Rectangle 37">
+                <a:extLst>
+                  <a:ext uri="{FF2B5EF4-FFF2-40B4-BE49-F238E27FC236}">
+                    <a16:creationId xmlns:a16="http://schemas.microsoft.com/office/drawing/2014/main" id="{325FB88C-D1C7-4449-A8EC-BE11D05D0AD5}"/>
+                  </a:ext>
+                </a:extLst>
+              </p:cNvPr>
+              <p:cNvSpPr>
+                <a:spLocks noRot="1" noChangeAspect="1" noMove="1" noResize="1" noEditPoints="1" noAdjustHandles="1" noChangeArrowheads="1" noChangeShapeType="1" noTextEdit="1"/>
+              </p:cNvSpPr>
+              <p:nvPr/>
+            </p:nvSpPr>
+            <p:spPr>
+              <a:xfrm>
+                <a:off x="12147589" y="4577983"/>
+                <a:ext cx="11303287" cy="3554948"/>
+              </a:xfrm>
+              <a:prstGeom prst="rect">
+                <a:avLst/>
+              </a:prstGeom>
+              <a:blipFill>
+                <a:blip r:embed="rId2"/>
+                <a:stretch>
+                  <a:fillRect/>
+                </a:stretch>
+              </a:blipFill>
+            </p:spPr>
+            <p:txBody>
+              <a:bodyPr/>
+              <a:lstStyle/>
+              <a:p>
+                <a:r>
+                  <a:rPr lang="en-US">
+                    <a:noFill/>
+                  </a:rPr>
+                  <a:t> </a:t>
+                </a:r>
+              </a:p>
+            </p:txBody>
+          </p:sp>
+        </mc:Fallback>
+      </mc:AlternateContent>
+      <p:sp>
+        <p:nvSpPr>
+          <p:cNvPr id="10" name="TextBox 9">
+            <a:extLst>
+              <a:ext uri="{FF2B5EF4-FFF2-40B4-BE49-F238E27FC236}">
+                <a16:creationId xmlns:a16="http://schemas.microsoft.com/office/drawing/2014/main" id="{37DECE8D-4B49-4DB8-8543-1B16CF4B7087}"/>
+              </a:ext>
+            </a:extLst>
+          </p:cNvPr>
+          <p:cNvSpPr txBox="1"/>
+          <p:nvPr/>
+        </p:nvSpPr>
+        <p:spPr>
+          <a:xfrm>
+            <a:off x="10287000" y="10697865"/>
+            <a:ext cx="22021804" cy="1754326"/>
+          </a:xfrm>
+          <a:prstGeom prst="rect">
+            <a:avLst/>
+          </a:prstGeom>
+          <a:noFill/>
+        </p:spPr>
+        <p:txBody>
+          <a:bodyPr wrap="square" rtlCol="0">
+            <a:spAutoFit/>
+          </a:bodyPr>
+          <a:lstStyle/>
+          <a:p>
+            <a:r>
+              <a:rPr lang="en-US" dirty="0"/>
+              <a:t>For all parameters in the model, flatten them and computing the element-wise L2 norm</a:t>
+            </a:r>
+          </a:p>
+        </p:txBody>
+      </p:sp>
+      <mc:AlternateContent xmlns:mc="http://schemas.openxmlformats.org/markup-compatibility/2006" xmlns:a14="http://schemas.microsoft.com/office/drawing/2010/main">
+        <mc:Choice Requires="a14">
+          <p:sp>
+            <p:nvSpPr>
+              <p:cNvPr id="2" name="Rectangle 1">
+                <a:extLst>
+                  <a:ext uri="{FF2B5EF4-FFF2-40B4-BE49-F238E27FC236}">
+                    <a16:creationId xmlns:a16="http://schemas.microsoft.com/office/drawing/2014/main" id="{B2305C26-FFEA-44A0-8736-257ED013F09A}"/>
+                  </a:ext>
+                </a:extLst>
+              </p:cNvPr>
+              <p:cNvSpPr/>
+              <p:nvPr/>
+            </p:nvSpPr>
+            <p:spPr>
+              <a:xfrm>
+                <a:off x="4267196" y="9829801"/>
+                <a:ext cx="5332614" cy="2429639"/>
+              </a:xfrm>
+              <a:prstGeom prst="rect">
+                <a:avLst/>
+              </a:prstGeom>
+            </p:spPr>
+            <p:txBody>
+              <a:bodyPr wrap="none">
+                <a:spAutoFit/>
+              </a:bodyPr>
+              <a:lstStyle/>
+              <a:p>
+                <a:pPr/>
+                <a14:m>
+                  <m:oMathPara xmlns:m="http://schemas.openxmlformats.org/officeDocument/2006/math">
+                    <m:oMathParaPr>
+                      <m:jc m:val="centerGroup"/>
+                    </m:oMathParaPr>
+                    <m:oMath xmlns:m="http://schemas.openxmlformats.org/officeDocument/2006/math">
+                      <m:sSubSup>
+                        <m:sSubSupPr>
+                          <m:ctrlPr>
+                            <a:rPr lang="en-US" i="1" smtClean="0">
+                              <a:latin typeface="Cambria Math" panose="02040503050406030204" pitchFamily="18" charset="0"/>
+                              <a:ea typeface="Cambria Math" panose="02040503050406030204" pitchFamily="18" charset="0"/>
+                            </a:rPr>
+                          </m:ctrlPr>
+                        </m:sSubSupPr>
+                        <m:e>
+                          <m:d>
+                            <m:dPr>
+                              <m:begChr m:val="‖"/>
+                              <m:endChr m:val="‖"/>
+                              <m:ctrlPr>
+                                <a:rPr lang="en-US" i="1">
+                                  <a:latin typeface="Cambria Math" panose="02040503050406030204" pitchFamily="18" charset="0"/>
+                                  <a:ea typeface="Cambria Math" panose="02040503050406030204" pitchFamily="18" charset="0"/>
+                                </a:rPr>
+                              </m:ctrlPr>
+                            </m:dPr>
+                            <m:e>
+                              <m:r>
+                                <a:rPr lang="en-US" b="1" i="1">
+                                  <a:latin typeface="Cambria Math" panose="02040503050406030204" pitchFamily="18" charset="0"/>
+                                  <a:ea typeface="Cambria Math" panose="02040503050406030204" pitchFamily="18" charset="0"/>
+                                </a:rPr>
+                                <m:t>𝑾</m:t>
+                              </m:r>
+                            </m:e>
+                          </m:d>
+                        </m:e>
+                        <m:sub>
+                          <m:r>
+                            <a:rPr lang="en-US" i="1">
+                              <a:latin typeface="Cambria Math" panose="02040503050406030204" pitchFamily="18" charset="0"/>
+                              <a:ea typeface="Cambria Math" panose="02040503050406030204" pitchFamily="18" charset="0"/>
+                            </a:rPr>
+                            <m:t>2</m:t>
+                          </m:r>
+                        </m:sub>
+                        <m:sup>
+                          <m:r>
+                            <a:rPr lang="en-US" i="1">
+                              <a:latin typeface="Cambria Math" panose="02040503050406030204" pitchFamily="18" charset="0"/>
+                              <a:ea typeface="Cambria Math" panose="02040503050406030204" pitchFamily="18" charset="0"/>
+                            </a:rPr>
+                            <m:t>2</m:t>
+                          </m:r>
+                        </m:sup>
+                      </m:sSubSup>
+                      <m:r>
+                        <a:rPr lang="en-US" b="0" i="1" smtClean="0">
+                          <a:latin typeface="Cambria Math" panose="02040503050406030204" pitchFamily="18" charset="0"/>
+                          <a:ea typeface="Cambria Math" panose="02040503050406030204" pitchFamily="18" charset="0"/>
+                        </a:rPr>
+                        <m:t>=</m:t>
+                      </m:r>
+                      <m:nary>
+                        <m:naryPr>
+                          <m:chr m:val="∑"/>
+                          <m:ctrlPr>
+                            <a:rPr lang="en-US" b="0" i="1" smtClean="0">
+                              <a:latin typeface="Cambria Math" panose="02040503050406030204" pitchFamily="18" charset="0"/>
+                              <a:ea typeface="Cambria Math" panose="02040503050406030204" pitchFamily="18" charset="0"/>
+                            </a:rPr>
+                          </m:ctrlPr>
+                        </m:naryPr>
+                        <m:sub>
+                          <m:r>
+                            <m:rPr>
+                              <m:brk m:alnAt="23"/>
+                            </m:rPr>
+                            <a:rPr lang="en-US" b="0" i="1" smtClean="0">
+                              <a:latin typeface="Cambria Math" panose="02040503050406030204" pitchFamily="18" charset="0"/>
+                              <a:ea typeface="Cambria Math" panose="02040503050406030204" pitchFamily="18" charset="0"/>
+                            </a:rPr>
+                            <m:t>𝑘</m:t>
+                          </m:r>
+                          <m:r>
+                            <a:rPr lang="en-US" b="0" i="1" smtClean="0">
+                              <a:latin typeface="Cambria Math" panose="02040503050406030204" pitchFamily="18" charset="0"/>
+                              <a:ea typeface="Cambria Math" panose="02040503050406030204" pitchFamily="18" charset="0"/>
+                            </a:rPr>
+                            <m:t>=0</m:t>
+                          </m:r>
+                        </m:sub>
+                        <m:sup>
+                          <m:r>
+                            <a:rPr lang="en-US" b="0" i="1" smtClean="0">
+                              <a:latin typeface="Cambria Math" panose="02040503050406030204" pitchFamily="18" charset="0"/>
+                              <a:ea typeface="Cambria Math" panose="02040503050406030204" pitchFamily="18" charset="0"/>
+                            </a:rPr>
+                            <m:t>𝑃</m:t>
+                          </m:r>
+                          <m:r>
+                            <a:rPr lang="en-US" b="0" i="1" smtClean="0">
+                              <a:latin typeface="Cambria Math" panose="02040503050406030204" pitchFamily="18" charset="0"/>
+                              <a:ea typeface="Cambria Math" panose="02040503050406030204" pitchFamily="18" charset="0"/>
+                            </a:rPr>
+                            <m:t>−1</m:t>
+                          </m:r>
+                        </m:sup>
+                        <m:e>
+                          <m:sSup>
+                            <m:sSupPr>
+                              <m:ctrlPr>
+                                <a:rPr lang="en-US" b="0" i="1" smtClean="0">
+                                  <a:latin typeface="Cambria Math" panose="02040503050406030204" pitchFamily="18" charset="0"/>
+                                  <a:ea typeface="Cambria Math" panose="02040503050406030204" pitchFamily="18" charset="0"/>
+                                </a:rPr>
+                              </m:ctrlPr>
+                            </m:sSupPr>
+                            <m:e>
+                              <m:sSub>
+                                <m:sSubPr>
+                                  <m:ctrlPr>
+                                    <a:rPr lang="en-US" i="1">
+                                      <a:latin typeface="Cambria Math" panose="02040503050406030204" pitchFamily="18" charset="0"/>
+                                      <a:ea typeface="Cambria Math" panose="02040503050406030204" pitchFamily="18" charset="0"/>
+                                    </a:rPr>
+                                  </m:ctrlPr>
+                                </m:sSubPr>
+                                <m:e>
+                                  <m:r>
+                                    <a:rPr lang="en-US" i="1">
+                                      <a:latin typeface="Cambria Math" panose="02040503050406030204" pitchFamily="18" charset="0"/>
+                                      <a:ea typeface="Cambria Math" panose="02040503050406030204" pitchFamily="18" charset="0"/>
+                                    </a:rPr>
+                                    <m:t>𝑤</m:t>
+                                  </m:r>
+                                </m:e>
+                                <m:sub>
+                                  <m:r>
+                                    <a:rPr lang="en-US" b="0" i="1" smtClean="0">
+                                      <a:latin typeface="Cambria Math" panose="02040503050406030204" pitchFamily="18" charset="0"/>
+                                      <a:ea typeface="Cambria Math" panose="02040503050406030204" pitchFamily="18" charset="0"/>
+                                    </a:rPr>
+                                    <m:t>𝑘</m:t>
+                                  </m:r>
+                                </m:sub>
+                              </m:sSub>
+                            </m:e>
+                            <m:sup>
+                              <m:r>
+                                <a:rPr lang="en-US" b="0" i="1" smtClean="0">
+                                  <a:latin typeface="Cambria Math" panose="02040503050406030204" pitchFamily="18" charset="0"/>
+                                  <a:ea typeface="Cambria Math" panose="02040503050406030204" pitchFamily="18" charset="0"/>
+                                </a:rPr>
+                                <m:t>2</m:t>
+                              </m:r>
+                            </m:sup>
+                          </m:sSup>
+                        </m:e>
+                      </m:nary>
+                    </m:oMath>
+                  </m:oMathPara>
+                </a14:m>
+                <a:endParaRPr lang="en-US" dirty="0"/>
+              </a:p>
+            </p:txBody>
+          </p:sp>
+        </mc:Choice>
+        <mc:Fallback xmlns="">
+          <p:sp>
+            <p:nvSpPr>
+              <p:cNvPr id="2" name="Rectangle 1">
+                <a:extLst>
+                  <a:ext uri="{FF2B5EF4-FFF2-40B4-BE49-F238E27FC236}">
+                    <a16:creationId xmlns:a16="http://schemas.microsoft.com/office/drawing/2014/main" id="{B2305C26-FFEA-44A0-8736-257ED013F09A}"/>
+                  </a:ext>
+                </a:extLst>
+              </p:cNvPr>
+              <p:cNvSpPr>
+                <a:spLocks noRot="1" noChangeAspect="1" noMove="1" noResize="1" noEditPoints="1" noAdjustHandles="1" noChangeArrowheads="1" noChangeShapeType="1" noTextEdit="1"/>
+              </p:cNvSpPr>
+              <p:nvPr/>
+            </p:nvSpPr>
+            <p:spPr>
+              <a:xfrm>
+                <a:off x="4267196" y="9829801"/>
+                <a:ext cx="5332614" cy="2429639"/>
+              </a:xfrm>
+              <a:prstGeom prst="rect">
+                <a:avLst/>
+              </a:prstGeom>
+              <a:blipFill>
+                <a:blip r:embed="rId3"/>
+                <a:stretch>
+                  <a:fillRect/>
+                </a:stretch>
+              </a:blipFill>
+            </p:spPr>
+            <p:txBody>
+              <a:bodyPr/>
+              <a:lstStyle/>
+              <a:p>
+                <a:r>
+                  <a:rPr lang="en-US">
+                    <a:noFill/>
+                  </a:rPr>
+                  <a:t> </a:t>
+                </a:r>
+              </a:p>
+            </p:txBody>
+          </p:sp>
+        </mc:Fallback>
+      </mc:AlternateContent>
+      <mc:AlternateContent xmlns:mc="http://schemas.openxmlformats.org/markup-compatibility/2006" xmlns:a14="http://schemas.microsoft.com/office/drawing/2010/main">
+        <mc:Choice Requires="a14">
+          <p:sp>
+            <p:nvSpPr>
+              <p:cNvPr id="11" name="Rectangle 10">
+                <a:extLst>
+                  <a:ext uri="{FF2B5EF4-FFF2-40B4-BE49-F238E27FC236}">
+                    <a16:creationId xmlns:a16="http://schemas.microsoft.com/office/drawing/2014/main" id="{659E3DDE-3958-4693-83A1-01FC950D5670}"/>
+                  </a:ext>
+                </a:extLst>
+              </p:cNvPr>
+              <p:cNvSpPr/>
+              <p:nvPr/>
+            </p:nvSpPr>
+            <p:spPr>
+              <a:xfrm>
+                <a:off x="4918094" y="13832964"/>
+                <a:ext cx="11292515" cy="3554948"/>
+              </a:xfrm>
+              <a:prstGeom prst="rect">
+                <a:avLst/>
+              </a:prstGeom>
+            </p:spPr>
+            <p:txBody>
+              <a:bodyPr wrap="none">
+                <a:spAutoFit/>
+              </a:bodyPr>
+              <a:lstStyle/>
+              <a:p>
+                <a:pPr/>
+                <a14:m>
+                  <m:oMathPara xmlns:m="http://schemas.openxmlformats.org/officeDocument/2006/math">
+                    <m:oMathParaPr>
+                      <m:jc m:val="centerGroup"/>
+                    </m:oMathParaPr>
+                    <m:oMath xmlns:m="http://schemas.openxmlformats.org/officeDocument/2006/math">
+                      <m:f>
+                        <m:fPr>
+                          <m:ctrlPr>
+                            <a:rPr lang="en-US" sz="8000" i="1" smtClean="0">
+                              <a:latin typeface="Cambria Math" panose="02040503050406030204" pitchFamily="18" charset="0"/>
+                            </a:rPr>
+                          </m:ctrlPr>
+                        </m:fPr>
+                        <m:num>
+                          <m:r>
+                            <a:rPr lang="en-US" sz="8000" i="1" smtClean="0">
+                              <a:latin typeface="Cambria Math" panose="02040503050406030204" pitchFamily="18" charset="0"/>
+                              <a:ea typeface="Cambria Math" panose="02040503050406030204" pitchFamily="18" charset="0"/>
+                            </a:rPr>
+                            <m:t>𝜕</m:t>
+                          </m:r>
+                          <m:r>
+                            <a:rPr lang="en-US" sz="8000" i="1">
+                              <a:latin typeface="Cambria Math" panose="02040503050406030204" pitchFamily="18" charset="0"/>
+                            </a:rPr>
+                            <m:t>𝐿</m:t>
+                          </m:r>
+                        </m:num>
+                        <m:den>
+                          <m:r>
+                            <a:rPr lang="en-US" sz="8000" i="1">
+                              <a:latin typeface="Cambria Math" panose="02040503050406030204" pitchFamily="18" charset="0"/>
+                              <a:ea typeface="Cambria Math" panose="02040503050406030204" pitchFamily="18" charset="0"/>
+                            </a:rPr>
+                            <m:t>𝜕</m:t>
+                          </m:r>
+                          <m:sSub>
+                            <m:sSubPr>
+                              <m:ctrlPr>
+                                <a:rPr lang="en-US" sz="8000" i="1" smtClean="0">
+                                  <a:latin typeface="Cambria Math" panose="02040503050406030204" pitchFamily="18" charset="0"/>
+                                  <a:ea typeface="Cambria Math" panose="02040503050406030204" pitchFamily="18" charset="0"/>
+                                </a:rPr>
+                              </m:ctrlPr>
+                            </m:sSubPr>
+                            <m:e>
+                              <m:r>
+                                <a:rPr lang="en-US" sz="8000" b="0" i="1" smtClean="0">
+                                  <a:latin typeface="Cambria Math" panose="02040503050406030204" pitchFamily="18" charset="0"/>
+                                  <a:ea typeface="Cambria Math" panose="02040503050406030204" pitchFamily="18" charset="0"/>
+                                </a:rPr>
+                                <m:t>𝑤</m:t>
+                              </m:r>
+                            </m:e>
+                            <m:sub>
+                              <m:r>
+                                <a:rPr lang="en-US" sz="8000" b="0" i="1" smtClean="0">
+                                  <a:latin typeface="Cambria Math" panose="02040503050406030204" pitchFamily="18" charset="0"/>
+                                  <a:ea typeface="Cambria Math" panose="02040503050406030204" pitchFamily="18" charset="0"/>
+                                </a:rPr>
+                                <m:t>𝑘</m:t>
+                              </m:r>
+                            </m:sub>
+                          </m:sSub>
+                        </m:den>
+                      </m:f>
+                      <m:r>
+                        <a:rPr lang="en-US" sz="8000">
+                          <a:latin typeface="Cambria Math" panose="02040503050406030204" pitchFamily="18" charset="0"/>
+                        </a:rPr>
+                        <m:t>=</m:t>
+                      </m:r>
+                      <m:f>
+                        <m:fPr>
+                          <m:ctrlPr>
+                            <a:rPr lang="en-US" sz="8000" i="1">
+                              <a:latin typeface="Cambria Math" panose="02040503050406030204" pitchFamily="18" charset="0"/>
+                            </a:rPr>
+                          </m:ctrlPr>
+                        </m:fPr>
+                        <m:num>
+                          <m:r>
+                            <a:rPr lang="en-US" sz="8000" i="1">
+                              <a:latin typeface="Cambria Math" panose="02040503050406030204" pitchFamily="18" charset="0"/>
+                            </a:rPr>
+                            <m:t>1</m:t>
+                          </m:r>
+                        </m:num>
+                        <m:den>
+                          <m:r>
+                            <a:rPr lang="en-US" sz="8000" i="1">
+                              <a:latin typeface="Cambria Math" panose="02040503050406030204" pitchFamily="18" charset="0"/>
+                            </a:rPr>
+                            <m:t>𝐵</m:t>
+                          </m:r>
+                        </m:den>
+                      </m:f>
+                      <m:nary>
+                        <m:naryPr>
+                          <m:chr m:val="∑"/>
+                          <m:ctrlPr>
+                            <a:rPr lang="en-US" sz="8000" b="1" i="1">
+                              <a:latin typeface="Cambria Math" panose="02040503050406030204" pitchFamily="18" charset="0"/>
+                            </a:rPr>
+                          </m:ctrlPr>
+                        </m:naryPr>
+                        <m:sub>
+                          <m:r>
+                            <m:rPr>
+                              <m:brk m:alnAt="23"/>
+                            </m:rPr>
+                            <a:rPr lang="en-US" sz="8000" i="1">
+                              <a:latin typeface="Cambria Math" panose="02040503050406030204" pitchFamily="18" charset="0"/>
+                            </a:rPr>
+                            <m:t>𝑖</m:t>
+                          </m:r>
+                          <m:r>
+                            <a:rPr lang="en-US" sz="8000" i="1">
+                              <a:latin typeface="Cambria Math" panose="02040503050406030204" pitchFamily="18" charset="0"/>
+                            </a:rPr>
+                            <m:t>=0</m:t>
+                          </m:r>
+                        </m:sub>
+                        <m:sup>
+                          <m:r>
+                            <a:rPr lang="en-US" sz="8000" i="1">
+                              <a:latin typeface="Cambria Math" panose="02040503050406030204" pitchFamily="18" charset="0"/>
+                            </a:rPr>
+                            <m:t>𝐵</m:t>
+                          </m:r>
+                          <m:r>
+                            <a:rPr lang="en-US" sz="8000" i="1">
+                              <a:latin typeface="Cambria Math" panose="02040503050406030204" pitchFamily="18" charset="0"/>
+                            </a:rPr>
+                            <m:t>−1</m:t>
+                          </m:r>
+                        </m:sup>
+                        <m:e>
+                          <m:f>
+                            <m:fPr>
+                              <m:ctrlPr>
+                                <a:rPr lang="en-US" sz="8000" i="1">
+                                  <a:latin typeface="Cambria Math" panose="02040503050406030204" pitchFamily="18" charset="0"/>
+                                </a:rPr>
+                              </m:ctrlPr>
+                            </m:fPr>
+                            <m:num>
+                              <m:r>
+                                <a:rPr lang="en-US" sz="8000" i="1">
+                                  <a:latin typeface="Cambria Math" panose="02040503050406030204" pitchFamily="18" charset="0"/>
+                                  <a:ea typeface="Cambria Math" panose="02040503050406030204" pitchFamily="18" charset="0"/>
+                                </a:rPr>
+                                <m:t>𝜕</m:t>
+                              </m:r>
+                              <m:sSup>
+                                <m:sSupPr>
+                                  <m:ctrlPr>
+                                    <a:rPr lang="en-US" sz="8000" i="1" smtClean="0">
+                                      <a:latin typeface="Cambria Math" panose="02040503050406030204" pitchFamily="18" charset="0"/>
+                                      <a:ea typeface="Cambria Math" panose="02040503050406030204" pitchFamily="18" charset="0"/>
+                                    </a:rPr>
+                                  </m:ctrlPr>
+                                </m:sSupPr>
+                                <m:e>
+                                  <m:r>
+                                    <a:rPr lang="en-US" sz="8000" b="0" i="1" smtClean="0">
+                                      <a:latin typeface="Cambria Math" panose="02040503050406030204" pitchFamily="18" charset="0"/>
+                                      <a:ea typeface="Cambria Math" panose="02040503050406030204" pitchFamily="18" charset="0"/>
+                                    </a:rPr>
+                                    <m:t>𝐿</m:t>
+                                  </m:r>
+                                </m:e>
+                                <m:sup>
+                                  <m:r>
+                                    <a:rPr lang="en-US" sz="8000" b="0" i="1" smtClean="0">
+                                      <a:latin typeface="Cambria Math" panose="02040503050406030204" pitchFamily="18" charset="0"/>
+                                      <a:ea typeface="Cambria Math" panose="02040503050406030204" pitchFamily="18" charset="0"/>
+                                    </a:rPr>
+                                    <m:t>(</m:t>
+                                  </m:r>
+                                  <m:r>
+                                    <a:rPr lang="en-US" sz="8000" b="0" i="1" smtClean="0">
+                                      <a:latin typeface="Cambria Math" panose="02040503050406030204" pitchFamily="18" charset="0"/>
+                                      <a:ea typeface="Cambria Math" panose="02040503050406030204" pitchFamily="18" charset="0"/>
+                                    </a:rPr>
+                                    <m:t>𝑖</m:t>
+                                  </m:r>
+                                  <m:r>
+                                    <a:rPr lang="en-US" sz="8000" b="0" i="1" smtClean="0">
+                                      <a:latin typeface="Cambria Math" panose="02040503050406030204" pitchFamily="18" charset="0"/>
+                                      <a:ea typeface="Cambria Math" panose="02040503050406030204" pitchFamily="18" charset="0"/>
+                                    </a:rPr>
+                                    <m:t>)</m:t>
+                                  </m:r>
+                                </m:sup>
+                              </m:sSup>
+                            </m:num>
+                            <m:den>
+                              <m:r>
+                                <a:rPr lang="en-US" sz="8000" i="1">
+                                  <a:latin typeface="Cambria Math" panose="02040503050406030204" pitchFamily="18" charset="0"/>
+                                  <a:ea typeface="Cambria Math" panose="02040503050406030204" pitchFamily="18" charset="0"/>
+                                </a:rPr>
+                                <m:t>𝜕</m:t>
+                              </m:r>
+                              <m:sSub>
+                                <m:sSubPr>
+                                  <m:ctrlPr>
+                                    <a:rPr lang="en-US" sz="8000" i="1">
+                                      <a:latin typeface="Cambria Math" panose="02040503050406030204" pitchFamily="18" charset="0"/>
+                                      <a:ea typeface="Cambria Math" panose="02040503050406030204" pitchFamily="18" charset="0"/>
+                                    </a:rPr>
+                                  </m:ctrlPr>
+                                </m:sSubPr>
+                                <m:e>
+                                  <m:r>
+                                    <a:rPr lang="en-US" sz="8000" i="1">
+                                      <a:latin typeface="Cambria Math" panose="02040503050406030204" pitchFamily="18" charset="0"/>
+                                      <a:ea typeface="Cambria Math" panose="02040503050406030204" pitchFamily="18" charset="0"/>
+                                    </a:rPr>
+                                    <m:t>𝑤</m:t>
+                                  </m:r>
+                                </m:e>
+                                <m:sub>
+                                  <m:r>
+                                    <a:rPr lang="en-US" sz="8000" i="1">
+                                      <a:latin typeface="Cambria Math" panose="02040503050406030204" pitchFamily="18" charset="0"/>
+                                      <a:ea typeface="Cambria Math" panose="02040503050406030204" pitchFamily="18" charset="0"/>
+                                    </a:rPr>
+                                    <m:t>𝑘</m:t>
+                                  </m:r>
+                                </m:sub>
+                              </m:sSub>
+                            </m:den>
+                          </m:f>
+                        </m:e>
+                      </m:nary>
+                      <m:r>
+                        <a:rPr lang="en-US" sz="8000" b="1" i="1" smtClean="0">
+                          <a:latin typeface="Cambria Math" panose="02040503050406030204" pitchFamily="18" charset="0"/>
+                        </a:rPr>
+                        <m:t>+</m:t>
+                      </m:r>
+                      <m:r>
+                        <a:rPr lang="en-US" sz="8000" b="0" i="1" smtClean="0">
+                          <a:latin typeface="Cambria Math" panose="02040503050406030204" pitchFamily="18" charset="0"/>
+                          <a:ea typeface="Cambria Math" panose="02040503050406030204" pitchFamily="18" charset="0"/>
+                        </a:rPr>
+                        <m:t>𝜆</m:t>
+                      </m:r>
+                      <m:sSub>
+                        <m:sSubPr>
+                          <m:ctrlPr>
+                            <a:rPr lang="en-US" sz="8000" i="1">
+                              <a:latin typeface="Cambria Math" panose="02040503050406030204" pitchFamily="18" charset="0"/>
+                              <a:ea typeface="Cambria Math" panose="02040503050406030204" pitchFamily="18" charset="0"/>
+                            </a:rPr>
+                          </m:ctrlPr>
+                        </m:sSubPr>
+                        <m:e>
+                          <m:r>
+                            <a:rPr lang="en-US" sz="8000" i="1">
+                              <a:latin typeface="Cambria Math" panose="02040503050406030204" pitchFamily="18" charset="0"/>
+                              <a:ea typeface="Cambria Math" panose="02040503050406030204" pitchFamily="18" charset="0"/>
+                            </a:rPr>
+                            <m:t>𝑤</m:t>
+                          </m:r>
+                        </m:e>
+                        <m:sub>
+                          <m:r>
+                            <a:rPr lang="en-US" sz="8000" i="1">
+                              <a:latin typeface="Cambria Math" panose="02040503050406030204" pitchFamily="18" charset="0"/>
+                              <a:ea typeface="Cambria Math" panose="02040503050406030204" pitchFamily="18" charset="0"/>
+                            </a:rPr>
+                            <m:t>𝑘</m:t>
+                          </m:r>
+                        </m:sub>
+                      </m:sSub>
+                    </m:oMath>
+                  </m:oMathPara>
+                </a14:m>
+                <a:endParaRPr lang="en-US" sz="8000" dirty="0"/>
+              </a:p>
+            </p:txBody>
+          </p:sp>
+        </mc:Choice>
+        <mc:Fallback xmlns="">
+          <p:sp>
+            <p:nvSpPr>
+              <p:cNvPr id="11" name="Rectangle 10">
+                <a:extLst>
+                  <a:ext uri="{FF2B5EF4-FFF2-40B4-BE49-F238E27FC236}">
+                    <a16:creationId xmlns:a16="http://schemas.microsoft.com/office/drawing/2014/main" id="{659E3DDE-3958-4693-83A1-01FC950D5670}"/>
+                  </a:ext>
+                </a:extLst>
+              </p:cNvPr>
+              <p:cNvSpPr>
+                <a:spLocks noRot="1" noChangeAspect="1" noMove="1" noResize="1" noEditPoints="1" noAdjustHandles="1" noChangeArrowheads="1" noChangeShapeType="1" noTextEdit="1"/>
+              </p:cNvSpPr>
+              <p:nvPr/>
+            </p:nvSpPr>
+            <p:spPr>
+              <a:xfrm>
+                <a:off x="4918094" y="13832964"/>
+                <a:ext cx="11292515" cy="3554948"/>
+              </a:xfrm>
+              <a:prstGeom prst="rect">
+                <a:avLst/>
+              </a:prstGeom>
+              <a:blipFill>
+                <a:blip r:embed="rId4"/>
+                <a:stretch>
+                  <a:fillRect/>
+                </a:stretch>
+              </a:blipFill>
+            </p:spPr>
+            <p:txBody>
+              <a:bodyPr/>
+              <a:lstStyle/>
+              <a:p>
+                <a:r>
+                  <a:rPr lang="en-US">
+                    <a:noFill/>
+                  </a:rPr>
+                  <a:t> </a:t>
+                </a:r>
+              </a:p>
+            </p:txBody>
+          </p:sp>
+        </mc:Fallback>
+      </mc:AlternateContent>
+      <mc:AlternateContent xmlns:mc="http://schemas.openxmlformats.org/markup-compatibility/2006" xmlns:a14="http://schemas.microsoft.com/office/drawing/2010/main">
+        <mc:Choice Requires="a14">
+          <p:sp>
+            <p:nvSpPr>
+              <p:cNvPr id="12" name="Rectangle 11">
+                <a:extLst>
+                  <a:ext uri="{FF2B5EF4-FFF2-40B4-BE49-F238E27FC236}">
+                    <a16:creationId xmlns:a16="http://schemas.microsoft.com/office/drawing/2014/main" id="{210C0A75-3159-4E05-B62A-A10C57B2E31E}"/>
+                  </a:ext>
+                </a:extLst>
+              </p:cNvPr>
+              <p:cNvSpPr/>
+              <p:nvPr/>
+            </p:nvSpPr>
+            <p:spPr>
+              <a:xfrm>
+                <a:off x="17526000" y="13832964"/>
+                <a:ext cx="15275079" cy="3554948"/>
+              </a:xfrm>
+              <a:prstGeom prst="rect">
+                <a:avLst/>
+              </a:prstGeom>
+            </p:spPr>
+            <p:txBody>
+              <a:bodyPr wrap="none">
+                <a:spAutoFit/>
+              </a:bodyPr>
+              <a:lstStyle/>
+              <a:p>
+                <a:pPr/>
+                <a14:m>
+                  <m:oMathPara xmlns:m="http://schemas.openxmlformats.org/officeDocument/2006/math">
+                    <m:oMathParaPr>
+                      <m:jc m:val="centerGroup"/>
+                    </m:oMathParaPr>
+                    <m:oMath xmlns:m="http://schemas.openxmlformats.org/officeDocument/2006/math">
+                      <m:sSub>
+                        <m:sSubPr>
+                          <m:ctrlPr>
+                            <a:rPr lang="en-US" sz="8000" i="1" smtClean="0">
+                              <a:latin typeface="Cambria Math" panose="02040503050406030204" pitchFamily="18" charset="0"/>
+                              <a:ea typeface="Cambria Math" panose="02040503050406030204" pitchFamily="18" charset="0"/>
+                            </a:rPr>
+                          </m:ctrlPr>
+                        </m:sSubPr>
+                        <m:e>
+                          <m:r>
+                            <a:rPr lang="en-US" sz="8000" i="1">
+                              <a:latin typeface="Cambria Math" panose="02040503050406030204" pitchFamily="18" charset="0"/>
+                              <a:ea typeface="Cambria Math" panose="02040503050406030204" pitchFamily="18" charset="0"/>
+                            </a:rPr>
+                            <m:t>𝑤</m:t>
+                          </m:r>
+                        </m:e>
+                        <m:sub>
+                          <m:r>
+                            <a:rPr lang="en-US" sz="8000" i="1">
+                              <a:latin typeface="Cambria Math" panose="02040503050406030204" pitchFamily="18" charset="0"/>
+                              <a:ea typeface="Cambria Math" panose="02040503050406030204" pitchFamily="18" charset="0"/>
+                            </a:rPr>
+                            <m:t>𝑘</m:t>
+                          </m:r>
+                        </m:sub>
+                      </m:sSub>
+                      <m:r>
+                        <a:rPr lang="en-US" sz="8000" b="0" i="1" smtClean="0">
+                          <a:latin typeface="Cambria Math" panose="02040503050406030204" pitchFamily="18" charset="0"/>
+                          <a:ea typeface="Cambria Math" panose="02040503050406030204" pitchFamily="18" charset="0"/>
+                        </a:rPr>
+                        <m:t>=</m:t>
+                      </m:r>
+                      <m:sSub>
+                        <m:sSubPr>
+                          <m:ctrlPr>
+                            <a:rPr lang="en-US" sz="8000" i="1">
+                              <a:latin typeface="Cambria Math" panose="02040503050406030204" pitchFamily="18" charset="0"/>
+                              <a:ea typeface="Cambria Math" panose="02040503050406030204" pitchFamily="18" charset="0"/>
+                            </a:rPr>
+                          </m:ctrlPr>
+                        </m:sSubPr>
+                        <m:e>
+                          <m:r>
+                            <a:rPr lang="en-US" sz="8000" i="1">
+                              <a:latin typeface="Cambria Math" panose="02040503050406030204" pitchFamily="18" charset="0"/>
+                              <a:ea typeface="Cambria Math" panose="02040503050406030204" pitchFamily="18" charset="0"/>
+                            </a:rPr>
+                            <m:t>𝑤</m:t>
+                          </m:r>
+                        </m:e>
+                        <m:sub>
+                          <m:r>
+                            <a:rPr lang="en-US" sz="8000" i="1">
+                              <a:latin typeface="Cambria Math" panose="02040503050406030204" pitchFamily="18" charset="0"/>
+                              <a:ea typeface="Cambria Math" panose="02040503050406030204" pitchFamily="18" charset="0"/>
+                            </a:rPr>
+                            <m:t>𝑘</m:t>
+                          </m:r>
+                        </m:sub>
+                      </m:sSub>
+                      <m:r>
+                        <a:rPr lang="en-US" sz="8000" b="0" i="1" smtClean="0">
+                          <a:latin typeface="Cambria Math" panose="02040503050406030204" pitchFamily="18" charset="0"/>
+                          <a:ea typeface="Cambria Math" panose="02040503050406030204" pitchFamily="18" charset="0"/>
+                        </a:rPr>
+                        <m:t>−</m:t>
+                      </m:r>
+                      <m:r>
+                        <a:rPr lang="en-US" sz="8000" b="0" i="1" smtClean="0">
+                          <a:latin typeface="Cambria Math" panose="02040503050406030204" pitchFamily="18" charset="0"/>
+                          <a:ea typeface="Cambria Math" panose="02040503050406030204" pitchFamily="18" charset="0"/>
+                        </a:rPr>
+                        <m:t>𝛼</m:t>
+                      </m:r>
+                      <m:r>
+                        <a:rPr lang="en-US" sz="8000" b="0" i="1" smtClean="0">
+                          <a:latin typeface="Cambria Math" panose="02040503050406030204" pitchFamily="18" charset="0"/>
+                          <a:ea typeface="Cambria Math" panose="02040503050406030204" pitchFamily="18" charset="0"/>
+                        </a:rPr>
+                        <m:t>(</m:t>
+                      </m:r>
+                      <m:f>
+                        <m:fPr>
+                          <m:ctrlPr>
+                            <a:rPr lang="en-US" sz="8000" i="1">
+                              <a:latin typeface="Cambria Math" panose="02040503050406030204" pitchFamily="18" charset="0"/>
+                            </a:rPr>
+                          </m:ctrlPr>
+                        </m:fPr>
+                        <m:num>
+                          <m:r>
+                            <a:rPr lang="en-US" sz="8000" i="1">
+                              <a:latin typeface="Cambria Math" panose="02040503050406030204" pitchFamily="18" charset="0"/>
+                            </a:rPr>
+                            <m:t>1</m:t>
+                          </m:r>
+                        </m:num>
+                        <m:den>
+                          <m:r>
+                            <a:rPr lang="en-US" sz="8000" i="1">
+                              <a:latin typeface="Cambria Math" panose="02040503050406030204" pitchFamily="18" charset="0"/>
+                            </a:rPr>
+                            <m:t>𝐵</m:t>
+                          </m:r>
+                        </m:den>
+                      </m:f>
+                      <m:nary>
+                        <m:naryPr>
+                          <m:chr m:val="∑"/>
+                          <m:ctrlPr>
+                            <a:rPr lang="en-US" sz="8000" b="1" i="1">
+                              <a:latin typeface="Cambria Math" panose="02040503050406030204" pitchFamily="18" charset="0"/>
+                            </a:rPr>
+                          </m:ctrlPr>
+                        </m:naryPr>
+                        <m:sub>
+                          <m:r>
+                            <m:rPr>
+                              <m:brk m:alnAt="23"/>
+                            </m:rPr>
+                            <a:rPr lang="en-US" sz="8000" i="1">
+                              <a:latin typeface="Cambria Math" panose="02040503050406030204" pitchFamily="18" charset="0"/>
+                            </a:rPr>
+                            <m:t>𝑖</m:t>
+                          </m:r>
+                          <m:r>
+                            <a:rPr lang="en-US" sz="8000" i="1">
+                              <a:latin typeface="Cambria Math" panose="02040503050406030204" pitchFamily="18" charset="0"/>
+                            </a:rPr>
+                            <m:t>=0</m:t>
+                          </m:r>
+                        </m:sub>
+                        <m:sup>
+                          <m:r>
+                            <a:rPr lang="en-US" sz="8000" i="1">
+                              <a:latin typeface="Cambria Math" panose="02040503050406030204" pitchFamily="18" charset="0"/>
+                            </a:rPr>
+                            <m:t>𝐵</m:t>
+                          </m:r>
+                          <m:r>
+                            <a:rPr lang="en-US" sz="8000" i="1">
+                              <a:latin typeface="Cambria Math" panose="02040503050406030204" pitchFamily="18" charset="0"/>
+                            </a:rPr>
+                            <m:t>−1</m:t>
+                          </m:r>
+                        </m:sup>
+                        <m:e>
+                          <m:f>
+                            <m:fPr>
+                              <m:ctrlPr>
+                                <a:rPr lang="en-US" sz="8000" i="1">
+                                  <a:latin typeface="Cambria Math" panose="02040503050406030204" pitchFamily="18" charset="0"/>
+                                </a:rPr>
+                              </m:ctrlPr>
+                            </m:fPr>
+                            <m:num>
+                              <m:r>
+                                <a:rPr lang="en-US" sz="8000" i="1">
+                                  <a:latin typeface="Cambria Math" panose="02040503050406030204" pitchFamily="18" charset="0"/>
+                                  <a:ea typeface="Cambria Math" panose="02040503050406030204" pitchFamily="18" charset="0"/>
+                                </a:rPr>
+                                <m:t>𝜕</m:t>
+                              </m:r>
+                              <m:sSup>
+                                <m:sSupPr>
+                                  <m:ctrlPr>
+                                    <a:rPr lang="en-US" sz="8000" i="1" smtClean="0">
+                                      <a:latin typeface="Cambria Math" panose="02040503050406030204" pitchFamily="18" charset="0"/>
+                                      <a:ea typeface="Cambria Math" panose="02040503050406030204" pitchFamily="18" charset="0"/>
+                                    </a:rPr>
+                                  </m:ctrlPr>
+                                </m:sSupPr>
+                                <m:e>
+                                  <m:r>
+                                    <a:rPr lang="en-US" sz="8000" b="0" i="1" smtClean="0">
+                                      <a:latin typeface="Cambria Math" panose="02040503050406030204" pitchFamily="18" charset="0"/>
+                                      <a:ea typeface="Cambria Math" panose="02040503050406030204" pitchFamily="18" charset="0"/>
+                                    </a:rPr>
+                                    <m:t>𝐿</m:t>
+                                  </m:r>
+                                </m:e>
+                                <m:sup>
+                                  <m:d>
+                                    <m:dPr>
+                                      <m:ctrlPr>
+                                        <a:rPr lang="en-US" sz="8000" b="0" i="1" smtClean="0">
+                                          <a:latin typeface="Cambria Math" panose="02040503050406030204" pitchFamily="18" charset="0"/>
+                                          <a:ea typeface="Cambria Math" panose="02040503050406030204" pitchFamily="18" charset="0"/>
+                                        </a:rPr>
+                                      </m:ctrlPr>
+                                    </m:dPr>
+                                    <m:e>
+                                      <m:r>
+                                        <a:rPr lang="en-US" sz="8000" b="0" i="1" smtClean="0">
+                                          <a:latin typeface="Cambria Math" panose="02040503050406030204" pitchFamily="18" charset="0"/>
+                                          <a:ea typeface="Cambria Math" panose="02040503050406030204" pitchFamily="18" charset="0"/>
+                                        </a:rPr>
+                                        <m:t>𝑖</m:t>
+                                      </m:r>
+                                    </m:e>
+                                  </m:d>
+                                </m:sup>
+                              </m:sSup>
+                            </m:num>
+                            <m:den>
+                              <m:r>
+                                <a:rPr lang="en-US" sz="8000" i="1">
+                                  <a:latin typeface="Cambria Math" panose="02040503050406030204" pitchFamily="18" charset="0"/>
+                                  <a:ea typeface="Cambria Math" panose="02040503050406030204" pitchFamily="18" charset="0"/>
+                                </a:rPr>
+                                <m:t>𝜕</m:t>
+                              </m:r>
+                              <m:sSub>
+                                <m:sSubPr>
+                                  <m:ctrlPr>
+                                    <a:rPr lang="en-US" sz="8000" i="1">
+                                      <a:latin typeface="Cambria Math" panose="02040503050406030204" pitchFamily="18" charset="0"/>
+                                      <a:ea typeface="Cambria Math" panose="02040503050406030204" pitchFamily="18" charset="0"/>
+                                    </a:rPr>
+                                  </m:ctrlPr>
+                                </m:sSubPr>
+                                <m:e>
+                                  <m:r>
+                                    <a:rPr lang="en-US" sz="8000" i="1">
+                                      <a:latin typeface="Cambria Math" panose="02040503050406030204" pitchFamily="18" charset="0"/>
+                                      <a:ea typeface="Cambria Math" panose="02040503050406030204" pitchFamily="18" charset="0"/>
+                                    </a:rPr>
+                                    <m:t>𝑤</m:t>
+                                  </m:r>
+                                </m:e>
+                                <m:sub>
+                                  <m:r>
+                                    <a:rPr lang="en-US" sz="8000" i="1">
+                                      <a:latin typeface="Cambria Math" panose="02040503050406030204" pitchFamily="18" charset="0"/>
+                                      <a:ea typeface="Cambria Math" panose="02040503050406030204" pitchFamily="18" charset="0"/>
+                                    </a:rPr>
+                                    <m:t>𝑘</m:t>
+                                  </m:r>
+                                </m:sub>
+                              </m:sSub>
+                            </m:den>
+                          </m:f>
+                          <m:r>
+                            <a:rPr lang="en-US" sz="8000" b="1" i="1" smtClean="0">
+                              <a:latin typeface="Cambria Math" panose="02040503050406030204" pitchFamily="18" charset="0"/>
+                              <a:ea typeface="Cambria Math" panose="02040503050406030204" pitchFamily="18" charset="0"/>
+                            </a:rPr>
+                            <m:t>)</m:t>
+                          </m:r>
+                        </m:e>
+                      </m:nary>
+                      <m:r>
+                        <a:rPr lang="en-US" sz="8000" b="1" i="1" smtClean="0">
+                          <a:latin typeface="Cambria Math" panose="02040503050406030204" pitchFamily="18" charset="0"/>
+                        </a:rPr>
+                        <m:t>−</m:t>
+                      </m:r>
+                      <m:r>
+                        <a:rPr lang="en-US" sz="8000" i="1">
+                          <a:latin typeface="Cambria Math" panose="02040503050406030204" pitchFamily="18" charset="0"/>
+                          <a:ea typeface="Cambria Math" panose="02040503050406030204" pitchFamily="18" charset="0"/>
+                        </a:rPr>
+                        <m:t>𝛼</m:t>
+                      </m:r>
+                      <m:r>
+                        <a:rPr lang="en-US" sz="8000" b="0" i="1" smtClean="0">
+                          <a:latin typeface="Cambria Math" panose="02040503050406030204" pitchFamily="18" charset="0"/>
+                          <a:ea typeface="Cambria Math" panose="02040503050406030204" pitchFamily="18" charset="0"/>
+                        </a:rPr>
+                        <m:t>𝜆</m:t>
+                      </m:r>
+                      <m:sSub>
+                        <m:sSubPr>
+                          <m:ctrlPr>
+                            <a:rPr lang="en-US" sz="8000" i="1">
+                              <a:latin typeface="Cambria Math" panose="02040503050406030204" pitchFamily="18" charset="0"/>
+                              <a:ea typeface="Cambria Math" panose="02040503050406030204" pitchFamily="18" charset="0"/>
+                            </a:rPr>
+                          </m:ctrlPr>
+                        </m:sSubPr>
+                        <m:e>
+                          <m:r>
+                            <a:rPr lang="en-US" sz="8000" i="1">
+                              <a:latin typeface="Cambria Math" panose="02040503050406030204" pitchFamily="18" charset="0"/>
+                              <a:ea typeface="Cambria Math" panose="02040503050406030204" pitchFamily="18" charset="0"/>
+                            </a:rPr>
+                            <m:t>𝑤</m:t>
+                          </m:r>
+                        </m:e>
+                        <m:sub>
+                          <m:r>
+                            <a:rPr lang="en-US" sz="8000" i="1">
+                              <a:latin typeface="Cambria Math" panose="02040503050406030204" pitchFamily="18" charset="0"/>
+                              <a:ea typeface="Cambria Math" panose="02040503050406030204" pitchFamily="18" charset="0"/>
+                            </a:rPr>
+                            <m:t>𝑘</m:t>
+                          </m:r>
+                        </m:sub>
+                      </m:sSub>
+                    </m:oMath>
+                  </m:oMathPara>
+                </a14:m>
+                <a:endParaRPr lang="en-US" sz="8000" dirty="0"/>
+              </a:p>
+            </p:txBody>
+          </p:sp>
+        </mc:Choice>
+        <mc:Fallback xmlns="">
+          <p:sp>
+            <p:nvSpPr>
+              <p:cNvPr id="12" name="Rectangle 11">
+                <a:extLst>
+                  <a:ext uri="{FF2B5EF4-FFF2-40B4-BE49-F238E27FC236}">
+                    <a16:creationId xmlns:a16="http://schemas.microsoft.com/office/drawing/2014/main" id="{210C0A75-3159-4E05-B62A-A10C57B2E31E}"/>
+                  </a:ext>
+                </a:extLst>
+              </p:cNvPr>
+              <p:cNvSpPr>
+                <a:spLocks noRot="1" noChangeAspect="1" noMove="1" noResize="1" noEditPoints="1" noAdjustHandles="1" noChangeArrowheads="1" noChangeShapeType="1" noTextEdit="1"/>
+              </p:cNvSpPr>
+              <p:nvPr/>
+            </p:nvSpPr>
+            <p:spPr>
+              <a:xfrm>
+                <a:off x="17526000" y="13832964"/>
+                <a:ext cx="15275079" cy="3554948"/>
+              </a:xfrm>
+              <a:prstGeom prst="rect">
+                <a:avLst/>
+              </a:prstGeom>
+              <a:blipFill>
+                <a:blip r:embed="rId5"/>
+                <a:stretch>
+                  <a:fillRect/>
+                </a:stretch>
+              </a:blipFill>
+            </p:spPr>
+            <p:txBody>
+              <a:bodyPr/>
+              <a:lstStyle/>
+              <a:p>
+                <a:r>
+                  <a:rPr lang="en-US">
+                    <a:noFill/>
+                  </a:rPr>
+                  <a:t> </a:t>
+                </a:r>
+              </a:p>
+            </p:txBody>
+          </p:sp>
+        </mc:Fallback>
+      </mc:AlternateContent>
+      <p:sp>
+        <p:nvSpPr>
+          <p:cNvPr id="6" name="Rectangle 5">
+            <a:extLst>
+              <a:ext uri="{FF2B5EF4-FFF2-40B4-BE49-F238E27FC236}">
+                <a16:creationId xmlns:a16="http://schemas.microsoft.com/office/drawing/2014/main" id="{A9A4F262-85E5-4868-82E0-63BA90EE02E0}"/>
+              </a:ext>
+            </a:extLst>
+          </p:cNvPr>
+          <p:cNvSpPr/>
+          <p:nvPr/>
+        </p:nvSpPr>
+        <p:spPr>
+          <a:xfrm>
+            <a:off x="28576846" y="16926247"/>
+            <a:ext cx="4224233" cy="923330"/>
+          </a:xfrm>
+          <a:prstGeom prst="rect">
+            <a:avLst/>
+          </a:prstGeom>
+        </p:spPr>
+        <p:txBody>
+          <a:bodyPr wrap="none">
+            <a:spAutoFit/>
+          </a:bodyPr>
+          <a:lstStyle/>
+          <a:p>
+            <a:r>
+              <a:rPr lang="en-US" dirty="0"/>
+              <a:t>weight decay</a:t>
+            </a:r>
+          </a:p>
+        </p:txBody>
+      </p:sp>
+    </p:spTree>
+    <p:extLst>
+      <p:ext uri="{BB962C8B-B14F-4D97-AF65-F5344CB8AC3E}">
+        <p14:creationId xmlns:p14="http://schemas.microsoft.com/office/powerpoint/2010/main" val="3424829221"/>
+      </p:ext>
+    </p:extLst>
+  </p:cSld>
+  <p:clrMapOvr>
+    <a:masterClrMapping/>
+  </p:clrMapOvr>
+</p:sld>
+</file>
+
+<file path=ppt/slides/slide29.xml><?xml version="1.0" encoding="utf-8"?>
+<p:sld xmlns:a="http://schemas.openxmlformats.org/drawingml/2006/main" xmlns:r="http://schemas.openxmlformats.org/officeDocument/2006/relationships" xmlns:p="http://schemas.openxmlformats.org/presentationml/2006/main">
+  <p:cSld>
+    <p:spTree>
+      <p:nvGrpSpPr>
+        <p:cNvPr id="1" name=""/>
+        <p:cNvGrpSpPr/>
+        <p:nvPr/>
+      </p:nvGrpSpPr>
+      <p:grpSpPr>
+        <a:xfrm>
+          <a:off x="0" y="0"/>
+          <a:ext cx="0" cy="0"/>
+          <a:chOff x="0" y="0"/>
+          <a:chExt cx="0" cy="0"/>
+        </a:xfrm>
+      </p:grpSpPr>
+      <p:sp>
+        <p:nvSpPr>
+          <p:cNvPr id="3" name="Slide Number Placeholder 2">
+            <a:extLst>
+              <a:ext uri="{FF2B5EF4-FFF2-40B4-BE49-F238E27FC236}">
+                <a16:creationId xmlns:a16="http://schemas.microsoft.com/office/drawing/2014/main" id="{2775A7A5-BE09-4B16-9B7E-76739EAC8746}"/>
+              </a:ext>
+            </a:extLst>
+          </p:cNvPr>
+          <p:cNvSpPr>
+            <a:spLocks noGrp="1"/>
+          </p:cNvSpPr>
+          <p:nvPr>
+            <p:ph type="sldNum" sz="quarter" idx="4"/>
+          </p:nvPr>
+        </p:nvSpPr>
+        <p:spPr/>
+        <p:txBody>
+          <a:bodyPr/>
+          <a:lstStyle/>
+          <a:p>
+            <a:pPr>
+              <a:defRPr/>
+            </a:pPr>
+            <a:fld id="{49C0EE74-1F2C-4D2D-91EC-B282DFC749DA}" type="slidenum">
+              <a:rPr lang="en-US" smtClean="0"/>
+              <a:pPr>
+                <a:defRPr/>
+              </a:pPr>
+              <a:t>29</a:t>
+            </a:fld>
+            <a:endParaRPr lang="en-US"/>
+          </a:p>
+        </p:txBody>
+      </p:sp>
+      <p:sp>
+        <p:nvSpPr>
+          <p:cNvPr id="4" name="Title 3">
+            <a:extLst>
+              <a:ext uri="{FF2B5EF4-FFF2-40B4-BE49-F238E27FC236}">
+                <a16:creationId xmlns:a16="http://schemas.microsoft.com/office/drawing/2014/main" id="{06F036A1-6E39-480B-95CC-54046C834CD5}"/>
+              </a:ext>
+            </a:extLst>
+          </p:cNvPr>
+          <p:cNvSpPr>
+            <a:spLocks noGrp="1"/>
+          </p:cNvSpPr>
+          <p:nvPr>
+            <p:ph type="title"/>
+          </p:nvPr>
+        </p:nvSpPr>
+        <p:spPr>
+          <a:xfrm>
+            <a:off x="1686822" y="433395"/>
+            <a:ext cx="25465778" cy="2538411"/>
+          </a:xfrm>
+        </p:spPr>
+        <p:txBody>
+          <a:bodyPr/>
+          <a:lstStyle/>
+          <a:p>
+            <a:r>
+              <a:rPr lang="en-US" dirty="0"/>
+              <a:t>L1 Regularization</a:t>
+            </a:r>
+          </a:p>
+        </p:txBody>
+      </p:sp>
+      <mc:AlternateContent xmlns:mc="http://schemas.openxmlformats.org/markup-compatibility/2006" xmlns:a14="http://schemas.microsoft.com/office/drawing/2010/main">
+        <mc:Choice Requires="a14">
+          <p:sp>
+            <p:nvSpPr>
+              <p:cNvPr id="38" name="Rectangle 37">
+                <a:extLst>
+                  <a:ext uri="{FF2B5EF4-FFF2-40B4-BE49-F238E27FC236}">
+                    <a16:creationId xmlns:a16="http://schemas.microsoft.com/office/drawing/2014/main" id="{325FB88C-D1C7-4449-A8EC-BE11D05D0AD5}"/>
+                  </a:ext>
+                </a:extLst>
+              </p:cNvPr>
+              <p:cNvSpPr/>
+              <p:nvPr/>
+            </p:nvSpPr>
+            <p:spPr>
+              <a:xfrm>
+                <a:off x="12147589" y="4577983"/>
+                <a:ext cx="11229549" cy="3554948"/>
+              </a:xfrm>
+              <a:prstGeom prst="rect">
+                <a:avLst/>
+              </a:prstGeom>
+            </p:spPr>
+            <p:txBody>
+              <a:bodyPr wrap="none">
+                <a:spAutoFit/>
+              </a:bodyPr>
+              <a:lstStyle/>
+              <a:p>
+                <a:pPr/>
+                <a14:m>
+                  <m:oMathPara xmlns:m="http://schemas.openxmlformats.org/officeDocument/2006/math">
+                    <m:oMathParaPr>
+                      <m:jc m:val="centerGroup"/>
+                    </m:oMathParaPr>
+                    <m:oMath xmlns:m="http://schemas.openxmlformats.org/officeDocument/2006/math">
+                      <m:r>
+                        <a:rPr lang="en-US" sz="8000" i="1" smtClean="0">
+                          <a:latin typeface="Cambria Math" panose="02040503050406030204" pitchFamily="18" charset="0"/>
+                        </a:rPr>
+                        <m:t>𝐿</m:t>
+                      </m:r>
+                      <m:r>
+                        <a:rPr lang="en-US" sz="8000">
+                          <a:latin typeface="Cambria Math" panose="02040503050406030204" pitchFamily="18" charset="0"/>
+                        </a:rPr>
+                        <m:t>=</m:t>
+                      </m:r>
+                      <m:f>
+                        <m:fPr>
+                          <m:ctrlPr>
+                            <a:rPr lang="en-US" sz="8000" i="1">
+                              <a:latin typeface="Cambria Math" panose="02040503050406030204" pitchFamily="18" charset="0"/>
+                            </a:rPr>
+                          </m:ctrlPr>
+                        </m:fPr>
+                        <m:num>
+                          <m:r>
+                            <a:rPr lang="en-US" sz="8000" i="1">
+                              <a:latin typeface="Cambria Math" panose="02040503050406030204" pitchFamily="18" charset="0"/>
+                            </a:rPr>
+                            <m:t>1</m:t>
+                          </m:r>
+                        </m:num>
+                        <m:den>
+                          <m:r>
+                            <a:rPr lang="en-US" sz="8000" i="1">
+                              <a:latin typeface="Cambria Math" panose="02040503050406030204" pitchFamily="18" charset="0"/>
+                            </a:rPr>
+                            <m:t>𝐵</m:t>
+                          </m:r>
+                        </m:den>
+                      </m:f>
+                      <m:nary>
+                        <m:naryPr>
+                          <m:chr m:val="∑"/>
+                          <m:ctrlPr>
+                            <a:rPr lang="en-US" sz="8000" b="1" i="1">
+                              <a:latin typeface="Cambria Math" panose="02040503050406030204" pitchFamily="18" charset="0"/>
+                            </a:rPr>
+                          </m:ctrlPr>
+                        </m:naryPr>
+                        <m:sub>
+                          <m:r>
+                            <m:rPr>
+                              <m:brk m:alnAt="23"/>
+                            </m:rPr>
+                            <a:rPr lang="en-US" sz="8000" i="1">
+                              <a:latin typeface="Cambria Math" panose="02040503050406030204" pitchFamily="18" charset="0"/>
+                            </a:rPr>
+                            <m:t>𝑖</m:t>
+                          </m:r>
+                          <m:r>
+                            <a:rPr lang="en-US" sz="8000" i="1">
+                              <a:latin typeface="Cambria Math" panose="02040503050406030204" pitchFamily="18" charset="0"/>
+                            </a:rPr>
+                            <m:t>=0</m:t>
+                          </m:r>
+                        </m:sub>
+                        <m:sup>
+                          <m:r>
+                            <a:rPr lang="en-US" sz="8000" i="1">
+                              <a:latin typeface="Cambria Math" panose="02040503050406030204" pitchFamily="18" charset="0"/>
+                            </a:rPr>
+                            <m:t>𝐵</m:t>
+                          </m:r>
+                          <m:r>
+                            <a:rPr lang="en-US" sz="8000" i="1">
+                              <a:latin typeface="Cambria Math" panose="02040503050406030204" pitchFamily="18" charset="0"/>
+                            </a:rPr>
+                            <m:t>−1</m:t>
+                          </m:r>
+                        </m:sup>
+                        <m:e>
+                          <m:sSup>
+                            <m:sSupPr>
+                              <m:ctrlPr>
+                                <a:rPr lang="en-US" sz="8000" b="1" i="1">
+                                  <a:latin typeface="Cambria Math" panose="02040503050406030204" pitchFamily="18" charset="0"/>
+                                </a:rPr>
+                              </m:ctrlPr>
+                            </m:sSupPr>
+                            <m:e>
+                              <m:r>
+                                <a:rPr lang="en-US" sz="8000" b="0" i="1" smtClean="0">
+                                  <a:latin typeface="Cambria Math" panose="02040503050406030204" pitchFamily="18" charset="0"/>
+                                </a:rPr>
+                                <m:t>𝐿</m:t>
+                              </m:r>
+                            </m:e>
+                            <m:sup>
+                              <m:d>
+                                <m:dPr>
+                                  <m:ctrlPr>
+                                    <a:rPr lang="en-US" sz="8000" b="1" i="1">
+                                      <a:latin typeface="Cambria Math" panose="02040503050406030204" pitchFamily="18" charset="0"/>
+                                    </a:rPr>
+                                  </m:ctrlPr>
+                                </m:dPr>
+                                <m:e>
+                                  <m:r>
+                                    <a:rPr lang="en-US" sz="8000" b="1" i="1">
+                                      <a:latin typeface="Cambria Math" panose="02040503050406030204" pitchFamily="18" charset="0"/>
+                                    </a:rPr>
+                                    <m:t>𝒊</m:t>
+                                  </m:r>
+                                </m:e>
+                              </m:d>
+                            </m:sup>
+                          </m:sSup>
+                        </m:e>
+                      </m:nary>
+                      <m:r>
+                        <a:rPr lang="en-US" sz="8000" b="1" i="1" smtClean="0">
+                          <a:latin typeface="Cambria Math" panose="02040503050406030204" pitchFamily="18" charset="0"/>
+                        </a:rPr>
+                        <m:t>+</m:t>
+                      </m:r>
+                      <m:f>
+                        <m:fPr>
+                          <m:ctrlPr>
+                            <a:rPr lang="en-US" sz="8000" i="1" smtClean="0">
+                              <a:latin typeface="Cambria Math" panose="02040503050406030204" pitchFamily="18" charset="0"/>
+                            </a:rPr>
+                          </m:ctrlPr>
+                        </m:fPr>
+                        <m:num>
+                          <m:r>
+                            <a:rPr lang="en-US" sz="8000" b="0" i="1">
+                              <a:latin typeface="Cambria Math" panose="02040503050406030204" pitchFamily="18" charset="0"/>
+                              <a:ea typeface="Cambria Math" panose="02040503050406030204" pitchFamily="18" charset="0"/>
+                            </a:rPr>
+                            <m:t>𝜆</m:t>
+                          </m:r>
+                        </m:num>
+                        <m:den>
+                          <m:r>
+                            <a:rPr lang="en-US" sz="8000" b="0" i="1" smtClean="0">
+                              <a:latin typeface="Cambria Math" panose="02040503050406030204" pitchFamily="18" charset="0"/>
+                            </a:rPr>
+                            <m:t>2</m:t>
+                          </m:r>
+                        </m:den>
+                      </m:f>
+                      <m:sSub>
+                        <m:sSubPr>
+                          <m:ctrlPr>
+                            <a:rPr lang="en-US" sz="8000" b="1" i="1" smtClean="0">
+                              <a:latin typeface="Cambria Math" panose="02040503050406030204" pitchFamily="18" charset="0"/>
+                            </a:rPr>
+                          </m:ctrlPr>
+                        </m:sSubPr>
+                        <m:e>
+                          <m:d>
+                            <m:dPr>
+                              <m:begChr m:val="‖"/>
+                              <m:endChr m:val="‖"/>
+                              <m:ctrlPr>
+                                <a:rPr lang="en-US" sz="8000" i="1">
+                                  <a:latin typeface="Cambria Math" panose="02040503050406030204" pitchFamily="18" charset="0"/>
+                                  <a:ea typeface="Cambria Math" panose="02040503050406030204" pitchFamily="18" charset="0"/>
+                                </a:rPr>
+                              </m:ctrlPr>
+                            </m:dPr>
+                            <m:e>
+                              <m:r>
+                                <a:rPr lang="en-US" sz="8000" b="1" i="1">
+                                  <a:latin typeface="Cambria Math" panose="02040503050406030204" pitchFamily="18" charset="0"/>
+                                  <a:ea typeface="Cambria Math" panose="02040503050406030204" pitchFamily="18" charset="0"/>
+                                </a:rPr>
+                                <m:t>𝑾</m:t>
+                              </m:r>
+                            </m:e>
+                          </m:d>
+                        </m:e>
+                        <m:sub>
+                          <m:r>
+                            <a:rPr lang="en-US" sz="8000" b="1" i="1" smtClean="0">
+                              <a:latin typeface="Cambria Math" panose="02040503050406030204" pitchFamily="18" charset="0"/>
+                            </a:rPr>
+                            <m:t>𝟏</m:t>
+                          </m:r>
+                        </m:sub>
+                      </m:sSub>
+                    </m:oMath>
+                  </m:oMathPara>
+                </a14:m>
+                <a:endParaRPr lang="en-US" sz="8000" dirty="0"/>
+              </a:p>
+            </p:txBody>
+          </p:sp>
+        </mc:Choice>
+        <mc:Fallback xmlns="">
+          <p:sp>
+            <p:nvSpPr>
+              <p:cNvPr id="38" name="Rectangle 37">
+                <a:extLst>
+                  <a:ext uri="{FF2B5EF4-FFF2-40B4-BE49-F238E27FC236}">
+                    <a16:creationId xmlns:a16="http://schemas.microsoft.com/office/drawing/2014/main" id="{325FB88C-D1C7-4449-A8EC-BE11D05D0AD5}"/>
+                  </a:ext>
+                </a:extLst>
+              </p:cNvPr>
+              <p:cNvSpPr>
+                <a:spLocks noRot="1" noChangeAspect="1" noMove="1" noResize="1" noEditPoints="1" noAdjustHandles="1" noChangeArrowheads="1" noChangeShapeType="1" noTextEdit="1"/>
+              </p:cNvSpPr>
+              <p:nvPr/>
+            </p:nvSpPr>
+            <p:spPr>
+              <a:xfrm>
+                <a:off x="12147589" y="4577983"/>
+                <a:ext cx="11229549" cy="3554948"/>
+              </a:xfrm>
+              <a:prstGeom prst="rect">
+                <a:avLst/>
+              </a:prstGeom>
+              <a:blipFill>
+                <a:blip r:embed="rId2"/>
+                <a:stretch>
+                  <a:fillRect/>
+                </a:stretch>
+              </a:blipFill>
+            </p:spPr>
+            <p:txBody>
+              <a:bodyPr/>
+              <a:lstStyle/>
+              <a:p>
+                <a:r>
+                  <a:rPr lang="en-US">
+                    <a:noFill/>
+                  </a:rPr>
+                  <a:t> </a:t>
+                </a:r>
+              </a:p>
+            </p:txBody>
+          </p:sp>
+        </mc:Fallback>
+      </mc:AlternateContent>
+      <p:sp>
+        <p:nvSpPr>
+          <p:cNvPr id="10" name="TextBox 9">
+            <a:extLst>
+              <a:ext uri="{FF2B5EF4-FFF2-40B4-BE49-F238E27FC236}">
+                <a16:creationId xmlns:a16="http://schemas.microsoft.com/office/drawing/2014/main" id="{37DECE8D-4B49-4DB8-8543-1B16CF4B7087}"/>
+              </a:ext>
+            </a:extLst>
+          </p:cNvPr>
+          <p:cNvSpPr txBox="1"/>
+          <p:nvPr/>
+        </p:nvSpPr>
+        <p:spPr>
+          <a:xfrm>
+            <a:off x="10287000" y="10697865"/>
+            <a:ext cx="22021804" cy="1754326"/>
+          </a:xfrm>
+          <a:prstGeom prst="rect">
+            <a:avLst/>
+          </a:prstGeom>
+          <a:noFill/>
+        </p:spPr>
+        <p:txBody>
+          <a:bodyPr wrap="square" rtlCol="0">
+            <a:spAutoFit/>
+          </a:bodyPr>
+          <a:lstStyle/>
+          <a:p>
+            <a:r>
+              <a:rPr lang="en-US" dirty="0"/>
+              <a:t>For all parameters in the model, flatten them and computing the element-wise absolute value</a:t>
+            </a:r>
+          </a:p>
+        </p:txBody>
+      </p:sp>
+      <mc:AlternateContent xmlns:mc="http://schemas.openxmlformats.org/markup-compatibility/2006" xmlns:a14="http://schemas.microsoft.com/office/drawing/2010/main">
+        <mc:Choice Requires="a14">
+          <p:sp>
+            <p:nvSpPr>
+              <p:cNvPr id="2" name="Rectangle 1">
+                <a:extLst>
+                  <a:ext uri="{FF2B5EF4-FFF2-40B4-BE49-F238E27FC236}">
+                    <a16:creationId xmlns:a16="http://schemas.microsoft.com/office/drawing/2014/main" id="{B2305C26-FFEA-44A0-8736-257ED013F09A}"/>
+                  </a:ext>
+                </a:extLst>
+              </p:cNvPr>
+              <p:cNvSpPr/>
+              <p:nvPr/>
+            </p:nvSpPr>
+            <p:spPr>
+              <a:xfrm>
+                <a:off x="4267196" y="9829801"/>
+                <a:ext cx="5298822" cy="2429639"/>
+              </a:xfrm>
+              <a:prstGeom prst="rect">
+                <a:avLst/>
+              </a:prstGeom>
+            </p:spPr>
+            <p:txBody>
+              <a:bodyPr wrap="none">
+                <a:spAutoFit/>
+              </a:bodyPr>
+              <a:lstStyle/>
+              <a:p>
+                <a:pPr/>
+                <a14:m>
+                  <m:oMathPara xmlns:m="http://schemas.openxmlformats.org/officeDocument/2006/math">
+                    <m:oMathParaPr>
+                      <m:jc m:val="centerGroup"/>
+                    </m:oMathParaPr>
+                    <m:oMath xmlns:m="http://schemas.openxmlformats.org/officeDocument/2006/math">
+                      <m:sSub>
+                        <m:sSubPr>
+                          <m:ctrlPr>
+                            <a:rPr lang="en-US" b="1" i="1">
+                              <a:latin typeface="Cambria Math" panose="02040503050406030204" pitchFamily="18" charset="0"/>
+                            </a:rPr>
+                          </m:ctrlPr>
+                        </m:sSubPr>
+                        <m:e>
+                          <m:d>
+                            <m:dPr>
+                              <m:begChr m:val="‖"/>
+                              <m:endChr m:val="‖"/>
+                              <m:ctrlPr>
+                                <a:rPr lang="en-US" i="1">
+                                  <a:latin typeface="Cambria Math" panose="02040503050406030204" pitchFamily="18" charset="0"/>
+                                  <a:ea typeface="Cambria Math" panose="02040503050406030204" pitchFamily="18" charset="0"/>
+                                </a:rPr>
+                              </m:ctrlPr>
+                            </m:dPr>
+                            <m:e>
+                              <m:r>
+                                <a:rPr lang="en-US" b="1" i="1">
+                                  <a:latin typeface="Cambria Math" panose="02040503050406030204" pitchFamily="18" charset="0"/>
+                                  <a:ea typeface="Cambria Math" panose="02040503050406030204" pitchFamily="18" charset="0"/>
+                                </a:rPr>
+                                <m:t>𝑾</m:t>
+                              </m:r>
+                            </m:e>
+                          </m:d>
+                        </m:e>
+                        <m:sub>
+                          <m:r>
+                            <a:rPr lang="en-US" b="1" i="1">
+                              <a:latin typeface="Cambria Math" panose="02040503050406030204" pitchFamily="18" charset="0"/>
+                            </a:rPr>
+                            <m:t>𝟏</m:t>
+                          </m:r>
+                        </m:sub>
+                      </m:sSub>
+                      <m:r>
+                        <a:rPr lang="en-US" b="0" i="1" smtClean="0">
+                          <a:latin typeface="Cambria Math" panose="02040503050406030204" pitchFamily="18" charset="0"/>
+                          <a:ea typeface="Cambria Math" panose="02040503050406030204" pitchFamily="18" charset="0"/>
+                        </a:rPr>
+                        <m:t>=</m:t>
+                      </m:r>
+                      <m:nary>
+                        <m:naryPr>
+                          <m:chr m:val="∑"/>
+                          <m:ctrlPr>
+                            <a:rPr lang="en-US" b="0" i="1" smtClean="0">
+                              <a:latin typeface="Cambria Math" panose="02040503050406030204" pitchFamily="18" charset="0"/>
+                              <a:ea typeface="Cambria Math" panose="02040503050406030204" pitchFamily="18" charset="0"/>
+                            </a:rPr>
+                          </m:ctrlPr>
+                        </m:naryPr>
+                        <m:sub>
+                          <m:r>
+                            <m:rPr>
+                              <m:brk m:alnAt="23"/>
+                            </m:rPr>
+                            <a:rPr lang="en-US" b="0" i="1" smtClean="0">
+                              <a:latin typeface="Cambria Math" panose="02040503050406030204" pitchFamily="18" charset="0"/>
+                              <a:ea typeface="Cambria Math" panose="02040503050406030204" pitchFamily="18" charset="0"/>
+                            </a:rPr>
+                            <m:t>𝑘</m:t>
+                          </m:r>
+                          <m:r>
+                            <a:rPr lang="en-US" b="0" i="1" smtClean="0">
+                              <a:latin typeface="Cambria Math" panose="02040503050406030204" pitchFamily="18" charset="0"/>
+                              <a:ea typeface="Cambria Math" panose="02040503050406030204" pitchFamily="18" charset="0"/>
+                            </a:rPr>
+                            <m:t>=0</m:t>
+                          </m:r>
+                        </m:sub>
+                        <m:sup>
+                          <m:r>
+                            <a:rPr lang="en-US" b="0" i="1" smtClean="0">
+                              <a:latin typeface="Cambria Math" panose="02040503050406030204" pitchFamily="18" charset="0"/>
+                              <a:ea typeface="Cambria Math" panose="02040503050406030204" pitchFamily="18" charset="0"/>
+                            </a:rPr>
+                            <m:t>𝑃</m:t>
+                          </m:r>
+                          <m:r>
+                            <a:rPr lang="en-US" b="0" i="1" smtClean="0">
+                              <a:latin typeface="Cambria Math" panose="02040503050406030204" pitchFamily="18" charset="0"/>
+                              <a:ea typeface="Cambria Math" panose="02040503050406030204" pitchFamily="18" charset="0"/>
+                            </a:rPr>
+                            <m:t>−1</m:t>
+                          </m:r>
+                        </m:sup>
+                        <m:e>
+                          <m:d>
+                            <m:dPr>
+                              <m:begChr m:val="|"/>
+                              <m:endChr m:val="|"/>
+                              <m:ctrlPr>
+                                <a:rPr lang="en-US" b="0" i="1" smtClean="0">
+                                  <a:latin typeface="Cambria Math" panose="02040503050406030204" pitchFamily="18" charset="0"/>
+                                  <a:ea typeface="Cambria Math" panose="02040503050406030204" pitchFamily="18" charset="0"/>
+                                </a:rPr>
+                              </m:ctrlPr>
+                            </m:dPr>
+                            <m:e>
+                              <m:sSub>
+                                <m:sSubPr>
+                                  <m:ctrlPr>
+                                    <a:rPr lang="en-US" i="1">
+                                      <a:latin typeface="Cambria Math" panose="02040503050406030204" pitchFamily="18" charset="0"/>
+                                      <a:ea typeface="Cambria Math" panose="02040503050406030204" pitchFamily="18" charset="0"/>
+                                    </a:rPr>
+                                  </m:ctrlPr>
+                                </m:sSubPr>
+                                <m:e>
+                                  <m:r>
+                                    <a:rPr lang="en-US" i="1">
+                                      <a:latin typeface="Cambria Math" panose="02040503050406030204" pitchFamily="18" charset="0"/>
+                                      <a:ea typeface="Cambria Math" panose="02040503050406030204" pitchFamily="18" charset="0"/>
+                                    </a:rPr>
+                                    <m:t>𝑤</m:t>
+                                  </m:r>
+                                </m:e>
+                                <m:sub>
+                                  <m:r>
+                                    <a:rPr lang="en-US" i="1">
+                                      <a:latin typeface="Cambria Math" panose="02040503050406030204" pitchFamily="18" charset="0"/>
+                                      <a:ea typeface="Cambria Math" panose="02040503050406030204" pitchFamily="18" charset="0"/>
+                                    </a:rPr>
+                                    <m:t>𝑘</m:t>
+                                  </m:r>
+                                </m:sub>
+                              </m:sSub>
+                            </m:e>
+                          </m:d>
+                        </m:e>
+                      </m:nary>
+                    </m:oMath>
+                  </m:oMathPara>
+                </a14:m>
+                <a:endParaRPr lang="en-US" dirty="0"/>
+              </a:p>
+            </p:txBody>
+          </p:sp>
+        </mc:Choice>
+        <mc:Fallback xmlns="">
+          <p:sp>
+            <p:nvSpPr>
+              <p:cNvPr id="2" name="Rectangle 1">
+                <a:extLst>
+                  <a:ext uri="{FF2B5EF4-FFF2-40B4-BE49-F238E27FC236}">
+                    <a16:creationId xmlns:a16="http://schemas.microsoft.com/office/drawing/2014/main" id="{B2305C26-FFEA-44A0-8736-257ED013F09A}"/>
+                  </a:ext>
+                </a:extLst>
+              </p:cNvPr>
+              <p:cNvSpPr>
+                <a:spLocks noRot="1" noChangeAspect="1" noMove="1" noResize="1" noEditPoints="1" noAdjustHandles="1" noChangeArrowheads="1" noChangeShapeType="1" noTextEdit="1"/>
+              </p:cNvSpPr>
+              <p:nvPr/>
+            </p:nvSpPr>
+            <p:spPr>
+              <a:xfrm>
+                <a:off x="4267196" y="9829801"/>
+                <a:ext cx="5298822" cy="2429639"/>
+              </a:xfrm>
+              <a:prstGeom prst="rect">
+                <a:avLst/>
+              </a:prstGeom>
+              <a:blipFill>
+                <a:blip r:embed="rId3"/>
+                <a:stretch>
+                  <a:fillRect/>
+                </a:stretch>
+              </a:blipFill>
+            </p:spPr>
+            <p:txBody>
+              <a:bodyPr/>
+              <a:lstStyle/>
+              <a:p>
+                <a:r>
+                  <a:rPr lang="en-US">
+                    <a:noFill/>
+                  </a:rPr>
+                  <a:t> </a:t>
+                </a:r>
+              </a:p>
+            </p:txBody>
+          </p:sp>
+        </mc:Fallback>
+      </mc:AlternateContent>
+      <mc:AlternateContent xmlns:mc="http://schemas.openxmlformats.org/markup-compatibility/2006" xmlns:a14="http://schemas.microsoft.com/office/drawing/2010/main">
+        <mc:Choice Requires="a14">
+          <p:sp>
+            <p:nvSpPr>
+              <p:cNvPr id="11" name="Rectangle 10">
+                <a:extLst>
+                  <a:ext uri="{FF2B5EF4-FFF2-40B4-BE49-F238E27FC236}">
+                    <a16:creationId xmlns:a16="http://schemas.microsoft.com/office/drawing/2014/main" id="{659E3DDE-3958-4693-83A1-01FC950D5670}"/>
+                  </a:ext>
+                </a:extLst>
+              </p:cNvPr>
+              <p:cNvSpPr/>
+              <p:nvPr/>
+            </p:nvSpPr>
+            <p:spPr>
+              <a:xfrm>
+                <a:off x="4918094" y="13832964"/>
+                <a:ext cx="14161890" cy="3554948"/>
+              </a:xfrm>
+              <a:prstGeom prst="rect">
+                <a:avLst/>
+              </a:prstGeom>
+            </p:spPr>
+            <p:txBody>
+              <a:bodyPr wrap="none">
+                <a:spAutoFit/>
+              </a:bodyPr>
+              <a:lstStyle/>
+              <a:p>
+                <a:pPr/>
+                <a14:m>
+                  <m:oMathPara xmlns:m="http://schemas.openxmlformats.org/officeDocument/2006/math">
+                    <m:oMathParaPr>
+                      <m:jc m:val="centerGroup"/>
+                    </m:oMathParaPr>
+                    <m:oMath xmlns:m="http://schemas.openxmlformats.org/officeDocument/2006/math">
+                      <m:f>
+                        <m:fPr>
+                          <m:ctrlPr>
+                            <a:rPr lang="en-US" sz="8000" i="1" smtClean="0">
+                              <a:latin typeface="Cambria Math" panose="02040503050406030204" pitchFamily="18" charset="0"/>
+                            </a:rPr>
+                          </m:ctrlPr>
+                        </m:fPr>
+                        <m:num>
+                          <m:r>
+                            <a:rPr lang="en-US" sz="8000" i="1" smtClean="0">
+                              <a:latin typeface="Cambria Math" panose="02040503050406030204" pitchFamily="18" charset="0"/>
+                              <a:ea typeface="Cambria Math" panose="02040503050406030204" pitchFamily="18" charset="0"/>
+                            </a:rPr>
+                            <m:t>𝜕</m:t>
+                          </m:r>
+                          <m:r>
+                            <a:rPr lang="en-US" sz="8000" i="1">
+                              <a:latin typeface="Cambria Math" panose="02040503050406030204" pitchFamily="18" charset="0"/>
+                            </a:rPr>
+                            <m:t>𝐿</m:t>
+                          </m:r>
+                        </m:num>
+                        <m:den>
+                          <m:r>
+                            <a:rPr lang="en-US" sz="8000" i="1">
+                              <a:latin typeface="Cambria Math" panose="02040503050406030204" pitchFamily="18" charset="0"/>
+                              <a:ea typeface="Cambria Math" panose="02040503050406030204" pitchFamily="18" charset="0"/>
+                            </a:rPr>
+                            <m:t>𝜕</m:t>
+                          </m:r>
+                          <m:sSub>
+                            <m:sSubPr>
+                              <m:ctrlPr>
+                                <a:rPr lang="en-US" sz="8000" i="1" smtClean="0">
+                                  <a:latin typeface="Cambria Math" panose="02040503050406030204" pitchFamily="18" charset="0"/>
+                                  <a:ea typeface="Cambria Math" panose="02040503050406030204" pitchFamily="18" charset="0"/>
+                                </a:rPr>
+                              </m:ctrlPr>
+                            </m:sSubPr>
+                            <m:e>
+                              <m:r>
+                                <a:rPr lang="en-US" sz="8000" b="0" i="1" smtClean="0">
+                                  <a:latin typeface="Cambria Math" panose="02040503050406030204" pitchFamily="18" charset="0"/>
+                                  <a:ea typeface="Cambria Math" panose="02040503050406030204" pitchFamily="18" charset="0"/>
+                                </a:rPr>
+                                <m:t>𝑤</m:t>
+                              </m:r>
+                            </m:e>
+                            <m:sub>
+                              <m:r>
+                                <a:rPr lang="en-US" sz="8000" b="0" i="1" smtClean="0">
+                                  <a:latin typeface="Cambria Math" panose="02040503050406030204" pitchFamily="18" charset="0"/>
+                                  <a:ea typeface="Cambria Math" panose="02040503050406030204" pitchFamily="18" charset="0"/>
+                                </a:rPr>
+                                <m:t>𝑘</m:t>
+                              </m:r>
+                            </m:sub>
+                          </m:sSub>
+                        </m:den>
+                      </m:f>
+                      <m:r>
+                        <a:rPr lang="en-US" sz="8000">
+                          <a:latin typeface="Cambria Math" panose="02040503050406030204" pitchFamily="18" charset="0"/>
+                        </a:rPr>
+                        <m:t>=</m:t>
+                      </m:r>
+                      <m:f>
+                        <m:fPr>
+                          <m:ctrlPr>
+                            <a:rPr lang="en-US" sz="8000" i="1">
+                              <a:latin typeface="Cambria Math" panose="02040503050406030204" pitchFamily="18" charset="0"/>
+                            </a:rPr>
+                          </m:ctrlPr>
+                        </m:fPr>
+                        <m:num>
+                          <m:r>
+                            <a:rPr lang="en-US" sz="8000" i="1">
+                              <a:latin typeface="Cambria Math" panose="02040503050406030204" pitchFamily="18" charset="0"/>
+                            </a:rPr>
+                            <m:t>1</m:t>
+                          </m:r>
+                        </m:num>
+                        <m:den>
+                          <m:r>
+                            <a:rPr lang="en-US" sz="8000" i="1">
+                              <a:latin typeface="Cambria Math" panose="02040503050406030204" pitchFamily="18" charset="0"/>
+                            </a:rPr>
+                            <m:t>𝐵</m:t>
+                          </m:r>
+                        </m:den>
+                      </m:f>
+                      <m:nary>
+                        <m:naryPr>
+                          <m:chr m:val="∑"/>
+                          <m:ctrlPr>
+                            <a:rPr lang="en-US" sz="8000" b="1" i="1">
+                              <a:latin typeface="Cambria Math" panose="02040503050406030204" pitchFamily="18" charset="0"/>
+                            </a:rPr>
+                          </m:ctrlPr>
+                        </m:naryPr>
+                        <m:sub>
+                          <m:r>
+                            <m:rPr>
+                              <m:brk m:alnAt="23"/>
+                            </m:rPr>
+                            <a:rPr lang="en-US" sz="8000" i="1">
+                              <a:latin typeface="Cambria Math" panose="02040503050406030204" pitchFamily="18" charset="0"/>
+                            </a:rPr>
+                            <m:t>𝑖</m:t>
+                          </m:r>
+                          <m:r>
+                            <a:rPr lang="en-US" sz="8000" i="1">
+                              <a:latin typeface="Cambria Math" panose="02040503050406030204" pitchFamily="18" charset="0"/>
+                            </a:rPr>
+                            <m:t>=0</m:t>
+                          </m:r>
+                        </m:sub>
+                        <m:sup>
+                          <m:r>
+                            <a:rPr lang="en-US" sz="8000" i="1">
+                              <a:latin typeface="Cambria Math" panose="02040503050406030204" pitchFamily="18" charset="0"/>
+                            </a:rPr>
+                            <m:t>𝐵</m:t>
+                          </m:r>
+                          <m:r>
+                            <a:rPr lang="en-US" sz="8000" i="1">
+                              <a:latin typeface="Cambria Math" panose="02040503050406030204" pitchFamily="18" charset="0"/>
+                            </a:rPr>
+                            <m:t>−1</m:t>
+                          </m:r>
+                        </m:sup>
+                        <m:e>
+                          <m:f>
+                            <m:fPr>
+                              <m:ctrlPr>
+                                <a:rPr lang="en-US" sz="8000" i="1">
+                                  <a:latin typeface="Cambria Math" panose="02040503050406030204" pitchFamily="18" charset="0"/>
+                                </a:rPr>
+                              </m:ctrlPr>
+                            </m:fPr>
+                            <m:num>
+                              <m:r>
+                                <a:rPr lang="en-US" sz="8000" i="1">
+                                  <a:latin typeface="Cambria Math" panose="02040503050406030204" pitchFamily="18" charset="0"/>
+                                  <a:ea typeface="Cambria Math" panose="02040503050406030204" pitchFamily="18" charset="0"/>
+                                </a:rPr>
+                                <m:t>𝜕</m:t>
+                              </m:r>
+                              <m:sSup>
+                                <m:sSupPr>
+                                  <m:ctrlPr>
+                                    <a:rPr lang="en-US" sz="8000" i="1" smtClean="0">
+                                      <a:latin typeface="Cambria Math" panose="02040503050406030204" pitchFamily="18" charset="0"/>
+                                      <a:ea typeface="Cambria Math" panose="02040503050406030204" pitchFamily="18" charset="0"/>
+                                    </a:rPr>
+                                  </m:ctrlPr>
+                                </m:sSupPr>
+                                <m:e>
+                                  <m:r>
+                                    <a:rPr lang="en-US" sz="8000" b="0" i="1" smtClean="0">
+                                      <a:latin typeface="Cambria Math" panose="02040503050406030204" pitchFamily="18" charset="0"/>
+                                      <a:ea typeface="Cambria Math" panose="02040503050406030204" pitchFamily="18" charset="0"/>
+                                    </a:rPr>
+                                    <m:t>𝐿</m:t>
+                                  </m:r>
+                                </m:e>
+                                <m:sup>
+                                  <m:r>
+                                    <a:rPr lang="en-US" sz="8000" b="0" i="1" smtClean="0">
+                                      <a:latin typeface="Cambria Math" panose="02040503050406030204" pitchFamily="18" charset="0"/>
+                                      <a:ea typeface="Cambria Math" panose="02040503050406030204" pitchFamily="18" charset="0"/>
+                                    </a:rPr>
+                                    <m:t>(</m:t>
+                                  </m:r>
+                                  <m:r>
+                                    <a:rPr lang="en-US" sz="8000" b="0" i="1" smtClean="0">
+                                      <a:latin typeface="Cambria Math" panose="02040503050406030204" pitchFamily="18" charset="0"/>
+                                      <a:ea typeface="Cambria Math" panose="02040503050406030204" pitchFamily="18" charset="0"/>
+                                    </a:rPr>
+                                    <m:t>𝑖</m:t>
+                                  </m:r>
+                                  <m:r>
+                                    <a:rPr lang="en-US" sz="8000" b="0" i="1" smtClean="0">
+                                      <a:latin typeface="Cambria Math" panose="02040503050406030204" pitchFamily="18" charset="0"/>
+                                      <a:ea typeface="Cambria Math" panose="02040503050406030204" pitchFamily="18" charset="0"/>
+                                    </a:rPr>
+                                    <m:t>)</m:t>
+                                  </m:r>
+                                </m:sup>
+                              </m:sSup>
+                            </m:num>
+                            <m:den>
+                              <m:r>
+                                <a:rPr lang="en-US" sz="8000" i="1">
+                                  <a:latin typeface="Cambria Math" panose="02040503050406030204" pitchFamily="18" charset="0"/>
+                                  <a:ea typeface="Cambria Math" panose="02040503050406030204" pitchFamily="18" charset="0"/>
+                                </a:rPr>
+                                <m:t>𝜕</m:t>
+                              </m:r>
+                              <m:sSub>
+                                <m:sSubPr>
+                                  <m:ctrlPr>
+                                    <a:rPr lang="en-US" sz="8000" i="1">
+                                      <a:latin typeface="Cambria Math" panose="02040503050406030204" pitchFamily="18" charset="0"/>
+                                      <a:ea typeface="Cambria Math" panose="02040503050406030204" pitchFamily="18" charset="0"/>
+                                    </a:rPr>
+                                  </m:ctrlPr>
+                                </m:sSubPr>
+                                <m:e>
+                                  <m:r>
+                                    <a:rPr lang="en-US" sz="8000" i="1">
+                                      <a:latin typeface="Cambria Math" panose="02040503050406030204" pitchFamily="18" charset="0"/>
+                                      <a:ea typeface="Cambria Math" panose="02040503050406030204" pitchFamily="18" charset="0"/>
+                                    </a:rPr>
+                                    <m:t>𝑤</m:t>
+                                  </m:r>
+                                </m:e>
+                                <m:sub>
+                                  <m:r>
+                                    <a:rPr lang="en-US" sz="8000" i="1">
+                                      <a:latin typeface="Cambria Math" panose="02040503050406030204" pitchFamily="18" charset="0"/>
+                                      <a:ea typeface="Cambria Math" panose="02040503050406030204" pitchFamily="18" charset="0"/>
+                                    </a:rPr>
+                                    <m:t>𝑘</m:t>
+                                  </m:r>
+                                </m:sub>
+                              </m:sSub>
+                            </m:den>
+                          </m:f>
+                        </m:e>
+                      </m:nary>
+                      <m:r>
+                        <a:rPr lang="en-US" sz="8000" b="1" i="1" smtClean="0">
+                          <a:latin typeface="Cambria Math" panose="02040503050406030204" pitchFamily="18" charset="0"/>
+                        </a:rPr>
+                        <m:t>+</m:t>
+                      </m:r>
+                      <m:r>
+                        <a:rPr lang="en-US" sz="8000" b="0" i="1" smtClean="0">
+                          <a:latin typeface="Cambria Math" panose="02040503050406030204" pitchFamily="18" charset="0"/>
+                          <a:ea typeface="Cambria Math" panose="02040503050406030204" pitchFamily="18" charset="0"/>
+                        </a:rPr>
+                        <m:t>𝜆</m:t>
+                      </m:r>
+                      <m:r>
+                        <a:rPr lang="en-US" sz="8000" b="0" i="1" smtClean="0">
+                          <a:latin typeface="Cambria Math" panose="02040503050406030204" pitchFamily="18" charset="0"/>
+                          <a:ea typeface="Cambria Math" panose="02040503050406030204" pitchFamily="18" charset="0"/>
+                        </a:rPr>
+                        <m:t>𝑠𝑖𝑔𝑛</m:t>
+                      </m:r>
+                      <m:r>
+                        <a:rPr lang="en-US" sz="8000" b="0" i="1" smtClean="0">
+                          <a:latin typeface="Cambria Math" panose="02040503050406030204" pitchFamily="18" charset="0"/>
+                          <a:ea typeface="Cambria Math" panose="02040503050406030204" pitchFamily="18" charset="0"/>
+                        </a:rPr>
+                        <m:t>(</m:t>
+                      </m:r>
+                      <m:sSub>
+                        <m:sSubPr>
+                          <m:ctrlPr>
+                            <a:rPr lang="en-US" sz="8000" i="1">
+                              <a:latin typeface="Cambria Math" panose="02040503050406030204" pitchFamily="18" charset="0"/>
+                              <a:ea typeface="Cambria Math" panose="02040503050406030204" pitchFamily="18" charset="0"/>
+                            </a:rPr>
+                          </m:ctrlPr>
+                        </m:sSubPr>
+                        <m:e>
+                          <m:r>
+                            <a:rPr lang="en-US" sz="8000" i="1">
+                              <a:latin typeface="Cambria Math" panose="02040503050406030204" pitchFamily="18" charset="0"/>
+                              <a:ea typeface="Cambria Math" panose="02040503050406030204" pitchFamily="18" charset="0"/>
+                            </a:rPr>
+                            <m:t>𝑤</m:t>
+                          </m:r>
+                        </m:e>
+                        <m:sub>
+                          <m:r>
+                            <a:rPr lang="en-US" sz="8000" i="1">
+                              <a:latin typeface="Cambria Math" panose="02040503050406030204" pitchFamily="18" charset="0"/>
+                              <a:ea typeface="Cambria Math" panose="02040503050406030204" pitchFamily="18" charset="0"/>
+                            </a:rPr>
+                            <m:t>𝑘</m:t>
+                          </m:r>
+                        </m:sub>
+                      </m:sSub>
+                      <m:r>
+                        <a:rPr lang="en-US" sz="8000" b="0" i="1" smtClean="0">
+                          <a:latin typeface="Cambria Math" panose="02040503050406030204" pitchFamily="18" charset="0"/>
+                          <a:ea typeface="Cambria Math" panose="02040503050406030204" pitchFamily="18" charset="0"/>
+                        </a:rPr>
+                        <m:t>)</m:t>
+                      </m:r>
+                    </m:oMath>
+                  </m:oMathPara>
+                </a14:m>
+                <a:endParaRPr lang="en-US" sz="8000" dirty="0"/>
+              </a:p>
+            </p:txBody>
+          </p:sp>
+        </mc:Choice>
+        <mc:Fallback xmlns="">
+          <p:sp>
+            <p:nvSpPr>
+              <p:cNvPr id="11" name="Rectangle 10">
+                <a:extLst>
+                  <a:ext uri="{FF2B5EF4-FFF2-40B4-BE49-F238E27FC236}">
+                    <a16:creationId xmlns:a16="http://schemas.microsoft.com/office/drawing/2014/main" id="{659E3DDE-3958-4693-83A1-01FC950D5670}"/>
+                  </a:ext>
+                </a:extLst>
+              </p:cNvPr>
+              <p:cNvSpPr>
+                <a:spLocks noRot="1" noChangeAspect="1" noMove="1" noResize="1" noEditPoints="1" noAdjustHandles="1" noChangeArrowheads="1" noChangeShapeType="1" noTextEdit="1"/>
+              </p:cNvSpPr>
+              <p:nvPr/>
+            </p:nvSpPr>
+            <p:spPr>
+              <a:xfrm>
+                <a:off x="4918094" y="13832964"/>
+                <a:ext cx="14161890" cy="3554948"/>
+              </a:xfrm>
+              <a:prstGeom prst="rect">
+                <a:avLst/>
+              </a:prstGeom>
+              <a:blipFill>
+                <a:blip r:embed="rId4"/>
+                <a:stretch>
+                  <a:fillRect/>
+                </a:stretch>
+              </a:blipFill>
+            </p:spPr>
+            <p:txBody>
+              <a:bodyPr/>
+              <a:lstStyle/>
+              <a:p>
+                <a:r>
+                  <a:rPr lang="en-US">
+                    <a:noFill/>
+                  </a:rPr>
+                  <a:t> </a:t>
+                </a:r>
+              </a:p>
+            </p:txBody>
+          </p:sp>
+        </mc:Fallback>
+      </mc:AlternateContent>
+      <mc:AlternateContent xmlns:mc="http://schemas.openxmlformats.org/markup-compatibility/2006" xmlns:a14="http://schemas.microsoft.com/office/drawing/2010/main">
+        <mc:Choice Requires="a14">
+          <p:sp>
+            <p:nvSpPr>
+              <p:cNvPr id="5" name="Rectangle 4">
+                <a:extLst>
+                  <a:ext uri="{FF2B5EF4-FFF2-40B4-BE49-F238E27FC236}">
+                    <a16:creationId xmlns:a16="http://schemas.microsoft.com/office/drawing/2014/main" id="{21A4324D-6E08-46A4-95E0-89C310932D8B}"/>
+                  </a:ext>
+                </a:extLst>
+              </p:cNvPr>
+              <p:cNvSpPr/>
+              <p:nvPr/>
+            </p:nvSpPr>
+            <p:spPr>
+              <a:xfrm>
+                <a:off x="20434002" y="13837380"/>
+                <a:ext cx="10281661" cy="3629648"/>
+              </a:xfrm>
+              <a:prstGeom prst="rect">
+                <a:avLst/>
+              </a:prstGeom>
+            </p:spPr>
+            <p:txBody>
+              <a:bodyPr wrap="none">
+                <a:spAutoFit/>
+              </a:bodyPr>
+              <a:lstStyle/>
+              <a:p>
+                <a:pPr/>
+                <a14:m>
+                  <m:oMathPara xmlns:m="http://schemas.openxmlformats.org/officeDocument/2006/math">
+                    <m:oMathParaPr>
+                      <m:jc m:val="centerGroup"/>
+                    </m:oMathParaPr>
+                    <m:oMath xmlns:m="http://schemas.openxmlformats.org/officeDocument/2006/math">
+                      <m:r>
+                        <a:rPr lang="en-US" sz="7200" i="1" smtClean="0">
+                          <a:latin typeface="Cambria Math" panose="02040503050406030204" pitchFamily="18" charset="0"/>
+                          <a:ea typeface="Cambria Math" panose="02040503050406030204" pitchFamily="18" charset="0"/>
+                        </a:rPr>
+                        <m:t>𝑠𝑖𝑔𝑛</m:t>
+                      </m:r>
+                      <m:d>
+                        <m:dPr>
+                          <m:ctrlPr>
+                            <a:rPr lang="en-US" sz="7200" i="1">
+                              <a:latin typeface="Cambria Math" panose="02040503050406030204" pitchFamily="18" charset="0"/>
+                              <a:ea typeface="Cambria Math" panose="02040503050406030204" pitchFamily="18" charset="0"/>
+                            </a:rPr>
+                          </m:ctrlPr>
+                        </m:dPr>
+                        <m:e>
+                          <m:sSub>
+                            <m:sSubPr>
+                              <m:ctrlPr>
+                                <a:rPr lang="en-US" sz="7200" i="1">
+                                  <a:latin typeface="Cambria Math" panose="02040503050406030204" pitchFamily="18" charset="0"/>
+                                  <a:ea typeface="Cambria Math" panose="02040503050406030204" pitchFamily="18" charset="0"/>
+                                </a:rPr>
+                              </m:ctrlPr>
+                            </m:sSubPr>
+                            <m:e>
+                              <m:r>
+                                <a:rPr lang="en-US" sz="7200" i="1">
+                                  <a:latin typeface="Cambria Math" panose="02040503050406030204" pitchFamily="18" charset="0"/>
+                                  <a:ea typeface="Cambria Math" panose="02040503050406030204" pitchFamily="18" charset="0"/>
+                                </a:rPr>
+                                <m:t>𝑤</m:t>
+                              </m:r>
+                            </m:e>
+                            <m:sub>
+                              <m:r>
+                                <a:rPr lang="en-US" sz="7200" i="1">
+                                  <a:latin typeface="Cambria Math" panose="02040503050406030204" pitchFamily="18" charset="0"/>
+                                  <a:ea typeface="Cambria Math" panose="02040503050406030204" pitchFamily="18" charset="0"/>
+                                </a:rPr>
+                                <m:t>𝑘</m:t>
+                              </m:r>
+                            </m:sub>
+                          </m:sSub>
+                        </m:e>
+                      </m:d>
+                      <m:r>
+                        <a:rPr lang="en-US" sz="7200" b="0" i="1" smtClean="0">
+                          <a:latin typeface="Cambria Math" panose="02040503050406030204" pitchFamily="18" charset="0"/>
+                          <a:ea typeface="Cambria Math" panose="02040503050406030204" pitchFamily="18" charset="0"/>
+                        </a:rPr>
+                        <m:t>=</m:t>
+                      </m:r>
+                      <m:d>
+                        <m:dPr>
+                          <m:begChr m:val="{"/>
+                          <m:endChr m:val=""/>
+                          <m:ctrlPr>
+                            <a:rPr lang="en-US" sz="7200" b="0" i="1" smtClean="0">
+                              <a:latin typeface="Cambria Math" panose="02040503050406030204" pitchFamily="18" charset="0"/>
+                              <a:ea typeface="Cambria Math" panose="02040503050406030204" pitchFamily="18" charset="0"/>
+                            </a:rPr>
+                          </m:ctrlPr>
+                        </m:dPr>
+                        <m:e>
+                          <m:eqArr>
+                            <m:eqArrPr>
+                              <m:ctrlPr>
+                                <a:rPr lang="en-US" sz="7200" b="0" i="1" smtClean="0">
+                                  <a:latin typeface="Cambria Math" panose="02040503050406030204" pitchFamily="18" charset="0"/>
+                                  <a:ea typeface="Cambria Math" panose="02040503050406030204" pitchFamily="18" charset="0"/>
+                                </a:rPr>
+                              </m:ctrlPr>
+                            </m:eqArrPr>
+                            <m:e>
+                              <m:r>
+                                <a:rPr lang="en-US" sz="7200" b="0" i="1" smtClean="0">
+                                  <a:latin typeface="Cambria Math" panose="02040503050406030204" pitchFamily="18" charset="0"/>
+                                  <a:ea typeface="Cambria Math" panose="02040503050406030204" pitchFamily="18" charset="0"/>
+                                </a:rPr>
+                                <m:t>1,</m:t>
+                              </m:r>
+                              <m:sSub>
+                                <m:sSubPr>
+                                  <m:ctrlPr>
+                                    <a:rPr lang="en-US" sz="7200" i="1">
+                                      <a:latin typeface="Cambria Math" panose="02040503050406030204" pitchFamily="18" charset="0"/>
+                                      <a:ea typeface="Cambria Math" panose="02040503050406030204" pitchFamily="18" charset="0"/>
+                                    </a:rPr>
+                                  </m:ctrlPr>
+                                </m:sSubPr>
+                                <m:e>
+                                  <m:r>
+                                    <a:rPr lang="en-US" sz="7200" i="1">
+                                      <a:latin typeface="Cambria Math" panose="02040503050406030204" pitchFamily="18" charset="0"/>
+                                      <a:ea typeface="Cambria Math" panose="02040503050406030204" pitchFamily="18" charset="0"/>
+                                    </a:rPr>
+                                    <m:t>𝑤</m:t>
+                                  </m:r>
+                                </m:e>
+                                <m:sub>
+                                  <m:r>
+                                    <a:rPr lang="en-US" sz="7200" i="1">
+                                      <a:latin typeface="Cambria Math" panose="02040503050406030204" pitchFamily="18" charset="0"/>
+                                      <a:ea typeface="Cambria Math" panose="02040503050406030204" pitchFamily="18" charset="0"/>
+                                    </a:rPr>
+                                    <m:t>𝑘</m:t>
+                                  </m:r>
+                                </m:sub>
+                              </m:sSub>
+                              <m:r>
+                                <a:rPr lang="en-US" sz="7200" i="1">
+                                  <a:latin typeface="Cambria Math" panose="02040503050406030204" pitchFamily="18" charset="0"/>
+                                  <a:ea typeface="Cambria Math" panose="02040503050406030204" pitchFamily="18" charset="0"/>
+                                </a:rPr>
+                                <m:t>&gt;</m:t>
+                              </m:r>
+                              <m:r>
+                                <a:rPr lang="en-US" sz="7200" b="0" i="1" smtClean="0">
+                                  <a:latin typeface="Cambria Math" panose="02040503050406030204" pitchFamily="18" charset="0"/>
+                                  <a:ea typeface="Cambria Math" panose="02040503050406030204" pitchFamily="18" charset="0"/>
+                                </a:rPr>
+                                <m:t>0</m:t>
+                              </m:r>
+                            </m:e>
+                            <m:e>
+                              <m:r>
+                                <a:rPr lang="en-US" sz="7200" b="0" i="1" smtClean="0">
+                                  <a:latin typeface="Cambria Math" panose="02040503050406030204" pitchFamily="18" charset="0"/>
+                                  <a:ea typeface="Cambria Math" panose="02040503050406030204" pitchFamily="18" charset="0"/>
+                                </a:rPr>
+                                <m:t>0,</m:t>
+                              </m:r>
+                              <m:sSub>
+                                <m:sSubPr>
+                                  <m:ctrlPr>
+                                    <a:rPr lang="en-US" sz="7200" i="1">
+                                      <a:latin typeface="Cambria Math" panose="02040503050406030204" pitchFamily="18" charset="0"/>
+                                      <a:ea typeface="Cambria Math" panose="02040503050406030204" pitchFamily="18" charset="0"/>
+                                    </a:rPr>
+                                  </m:ctrlPr>
+                                </m:sSubPr>
+                                <m:e>
+                                  <m:r>
+                                    <a:rPr lang="en-US" sz="7200" i="1">
+                                      <a:latin typeface="Cambria Math" panose="02040503050406030204" pitchFamily="18" charset="0"/>
+                                      <a:ea typeface="Cambria Math" panose="02040503050406030204" pitchFamily="18" charset="0"/>
+                                    </a:rPr>
+                                    <m:t>𝑤</m:t>
+                                  </m:r>
+                                </m:e>
+                                <m:sub>
+                                  <m:r>
+                                    <a:rPr lang="en-US" sz="7200" i="1">
+                                      <a:latin typeface="Cambria Math" panose="02040503050406030204" pitchFamily="18" charset="0"/>
+                                      <a:ea typeface="Cambria Math" panose="02040503050406030204" pitchFamily="18" charset="0"/>
+                                    </a:rPr>
+                                    <m:t>𝑘</m:t>
+                                  </m:r>
+                                </m:sub>
+                              </m:sSub>
+                              <m:r>
+                                <a:rPr lang="en-US" sz="7200" b="0" i="1" smtClean="0">
+                                  <a:latin typeface="Cambria Math" panose="02040503050406030204" pitchFamily="18" charset="0"/>
+                                  <a:ea typeface="Cambria Math" panose="02040503050406030204" pitchFamily="18" charset="0"/>
+                                </a:rPr>
+                                <m:t>==0</m:t>
+                              </m:r>
+                            </m:e>
+                            <m:e>
+                              <m:r>
+                                <a:rPr lang="en-US" sz="7200" b="0" i="1" smtClean="0">
+                                  <a:latin typeface="Cambria Math" panose="02040503050406030204" pitchFamily="18" charset="0"/>
+                                  <a:ea typeface="Cambria Math" panose="02040503050406030204" pitchFamily="18" charset="0"/>
+                                </a:rPr>
+                                <m:t>−1,</m:t>
+                              </m:r>
+                              <m:sSub>
+                                <m:sSubPr>
+                                  <m:ctrlPr>
+                                    <a:rPr lang="en-US" sz="7200" i="1">
+                                      <a:latin typeface="Cambria Math" panose="02040503050406030204" pitchFamily="18" charset="0"/>
+                                      <a:ea typeface="Cambria Math" panose="02040503050406030204" pitchFamily="18" charset="0"/>
+                                    </a:rPr>
+                                  </m:ctrlPr>
+                                </m:sSubPr>
+                                <m:e>
+                                  <m:r>
+                                    <a:rPr lang="en-US" sz="7200" i="1">
+                                      <a:latin typeface="Cambria Math" panose="02040503050406030204" pitchFamily="18" charset="0"/>
+                                      <a:ea typeface="Cambria Math" panose="02040503050406030204" pitchFamily="18" charset="0"/>
+                                    </a:rPr>
+                                    <m:t>𝑤</m:t>
+                                  </m:r>
+                                </m:e>
+                                <m:sub>
+                                  <m:r>
+                                    <a:rPr lang="en-US" sz="7200" i="1">
+                                      <a:latin typeface="Cambria Math" panose="02040503050406030204" pitchFamily="18" charset="0"/>
+                                      <a:ea typeface="Cambria Math" panose="02040503050406030204" pitchFamily="18" charset="0"/>
+                                    </a:rPr>
+                                    <m:t>𝑘</m:t>
+                                  </m:r>
+                                </m:sub>
+                              </m:sSub>
+                              <m:r>
+                                <a:rPr lang="en-US" sz="7200" b="0" i="1" smtClean="0">
+                                  <a:latin typeface="Cambria Math" panose="02040503050406030204" pitchFamily="18" charset="0"/>
+                                  <a:ea typeface="Cambria Math" panose="02040503050406030204" pitchFamily="18" charset="0"/>
+                                </a:rPr>
+                                <m:t>&lt;0</m:t>
+                              </m:r>
+                            </m:e>
+                          </m:eqArr>
+                        </m:e>
+                      </m:d>
+                    </m:oMath>
+                  </m:oMathPara>
+                </a14:m>
+                <a:endParaRPr lang="en-US" sz="7200" dirty="0"/>
+              </a:p>
+            </p:txBody>
+          </p:sp>
+        </mc:Choice>
+        <mc:Fallback xmlns="">
+          <p:sp>
+            <p:nvSpPr>
+              <p:cNvPr id="5" name="Rectangle 4">
+                <a:extLst>
+                  <a:ext uri="{FF2B5EF4-FFF2-40B4-BE49-F238E27FC236}">
+                    <a16:creationId xmlns:a16="http://schemas.microsoft.com/office/drawing/2014/main" id="{21A4324D-6E08-46A4-95E0-89C310932D8B}"/>
+                  </a:ext>
+                </a:extLst>
+              </p:cNvPr>
+              <p:cNvSpPr>
+                <a:spLocks noRot="1" noChangeAspect="1" noMove="1" noResize="1" noEditPoints="1" noAdjustHandles="1" noChangeArrowheads="1" noChangeShapeType="1" noTextEdit="1"/>
+              </p:cNvSpPr>
+              <p:nvPr/>
+            </p:nvSpPr>
+            <p:spPr>
+              <a:xfrm>
+                <a:off x="20434002" y="13837380"/>
+                <a:ext cx="10281661" cy="3629648"/>
+              </a:xfrm>
+              <a:prstGeom prst="rect">
+                <a:avLst/>
+              </a:prstGeom>
+              <a:blipFill>
+                <a:blip r:embed="rId5"/>
+                <a:stretch>
+                  <a:fillRect/>
+                </a:stretch>
+              </a:blipFill>
+            </p:spPr>
+            <p:txBody>
+              <a:bodyPr/>
+              <a:lstStyle/>
+              <a:p>
+                <a:r>
+                  <a:rPr lang="en-US">
+                    <a:noFill/>
+                  </a:rPr>
+                  <a:t> </a:t>
+                </a:r>
+              </a:p>
+            </p:txBody>
+          </p:sp>
+        </mc:Fallback>
+      </mc:AlternateContent>
+    </p:spTree>
+    <p:extLst>
+      <p:ext uri="{BB962C8B-B14F-4D97-AF65-F5344CB8AC3E}">
+        <p14:creationId xmlns:p14="http://schemas.microsoft.com/office/powerpoint/2010/main" val="4013636931"/>
       </p:ext>
     </p:extLst>
   </p:cSld>
@@ -28529,2783 +31093,6 @@
         <p:spPr>
           <a:xfrm>
             <a:off x="1686822" y="433395"/>
-            <a:ext cx="25465778" cy="2538411"/>
-          </a:xfrm>
-        </p:spPr>
-        <p:txBody>
-          <a:bodyPr/>
-          <a:lstStyle/>
-          <a:p>
-            <a:r>
-              <a:rPr lang="en-US" dirty="0"/>
-              <a:t>L2 Regularization, weight decay</a:t>
-            </a:r>
-          </a:p>
-        </p:txBody>
-      </p:sp>
-      <mc:AlternateContent xmlns:mc="http://schemas.openxmlformats.org/markup-compatibility/2006" xmlns:a14="http://schemas.microsoft.com/office/drawing/2010/main">
-        <mc:Choice Requires="a14">
-          <p:sp>
-            <p:nvSpPr>
-              <p:cNvPr id="38" name="Rectangle 37">
-                <a:extLst>
-                  <a:ext uri="{FF2B5EF4-FFF2-40B4-BE49-F238E27FC236}">
-                    <a16:creationId xmlns:a16="http://schemas.microsoft.com/office/drawing/2014/main" id="{325FB88C-D1C7-4449-A8EC-BE11D05D0AD5}"/>
-                  </a:ext>
-                </a:extLst>
-              </p:cNvPr>
-              <p:cNvSpPr/>
-              <p:nvPr/>
-            </p:nvSpPr>
-            <p:spPr>
-              <a:xfrm>
-                <a:off x="12147589" y="4577983"/>
-                <a:ext cx="11303287" cy="3554948"/>
-              </a:xfrm>
-              <a:prstGeom prst="rect">
-                <a:avLst/>
-              </a:prstGeom>
-            </p:spPr>
-            <p:txBody>
-              <a:bodyPr wrap="none">
-                <a:spAutoFit/>
-              </a:bodyPr>
-              <a:lstStyle/>
-              <a:p>
-                <a:pPr/>
-                <a14:m>
-                  <m:oMathPara xmlns:m="http://schemas.openxmlformats.org/officeDocument/2006/math">
-                    <m:oMathParaPr>
-                      <m:jc m:val="centerGroup"/>
-                    </m:oMathParaPr>
-                    <m:oMath xmlns:m="http://schemas.openxmlformats.org/officeDocument/2006/math">
-                      <m:r>
-                        <a:rPr lang="en-US" sz="8000" i="1" smtClean="0">
-                          <a:latin typeface="Cambria Math" panose="02040503050406030204" pitchFamily="18" charset="0"/>
-                        </a:rPr>
-                        <m:t>𝐿</m:t>
-                      </m:r>
-                      <m:r>
-                        <a:rPr lang="en-US" sz="8000">
-                          <a:latin typeface="Cambria Math" panose="02040503050406030204" pitchFamily="18" charset="0"/>
-                        </a:rPr>
-                        <m:t>=</m:t>
-                      </m:r>
-                      <m:f>
-                        <m:fPr>
-                          <m:ctrlPr>
-                            <a:rPr lang="en-US" sz="8000" i="1">
-                              <a:latin typeface="Cambria Math" panose="02040503050406030204" pitchFamily="18" charset="0"/>
-                            </a:rPr>
-                          </m:ctrlPr>
-                        </m:fPr>
-                        <m:num>
-                          <m:r>
-                            <a:rPr lang="en-US" sz="8000" i="1">
-                              <a:latin typeface="Cambria Math" panose="02040503050406030204" pitchFamily="18" charset="0"/>
-                            </a:rPr>
-                            <m:t>1</m:t>
-                          </m:r>
-                        </m:num>
-                        <m:den>
-                          <m:r>
-                            <a:rPr lang="en-US" sz="8000" i="1">
-                              <a:latin typeface="Cambria Math" panose="02040503050406030204" pitchFamily="18" charset="0"/>
-                            </a:rPr>
-                            <m:t>𝐵</m:t>
-                          </m:r>
-                        </m:den>
-                      </m:f>
-                      <m:nary>
-                        <m:naryPr>
-                          <m:chr m:val="∑"/>
-                          <m:ctrlPr>
-                            <a:rPr lang="en-US" sz="8000" b="1" i="1">
-                              <a:latin typeface="Cambria Math" panose="02040503050406030204" pitchFamily="18" charset="0"/>
-                            </a:rPr>
-                          </m:ctrlPr>
-                        </m:naryPr>
-                        <m:sub>
-                          <m:r>
-                            <m:rPr>
-                              <m:brk m:alnAt="23"/>
-                            </m:rPr>
-                            <a:rPr lang="en-US" sz="8000" i="1">
-                              <a:latin typeface="Cambria Math" panose="02040503050406030204" pitchFamily="18" charset="0"/>
-                            </a:rPr>
-                            <m:t>𝑖</m:t>
-                          </m:r>
-                          <m:r>
-                            <a:rPr lang="en-US" sz="8000" i="1">
-                              <a:latin typeface="Cambria Math" panose="02040503050406030204" pitchFamily="18" charset="0"/>
-                            </a:rPr>
-                            <m:t>=0</m:t>
-                          </m:r>
-                        </m:sub>
-                        <m:sup>
-                          <m:r>
-                            <a:rPr lang="en-US" sz="8000" i="1">
-                              <a:latin typeface="Cambria Math" panose="02040503050406030204" pitchFamily="18" charset="0"/>
-                            </a:rPr>
-                            <m:t>𝐵</m:t>
-                          </m:r>
-                          <m:r>
-                            <a:rPr lang="en-US" sz="8000" i="1">
-                              <a:latin typeface="Cambria Math" panose="02040503050406030204" pitchFamily="18" charset="0"/>
-                            </a:rPr>
-                            <m:t>−1</m:t>
-                          </m:r>
-                        </m:sup>
-                        <m:e>
-                          <m:sSup>
-                            <m:sSupPr>
-                              <m:ctrlPr>
-                                <a:rPr lang="en-US" sz="8000" b="1" i="1">
-                                  <a:latin typeface="Cambria Math" panose="02040503050406030204" pitchFamily="18" charset="0"/>
-                                </a:rPr>
-                              </m:ctrlPr>
-                            </m:sSupPr>
-                            <m:e>
-                              <m:r>
-                                <a:rPr lang="en-US" sz="8000" b="0" i="1" smtClean="0">
-                                  <a:latin typeface="Cambria Math" panose="02040503050406030204" pitchFamily="18" charset="0"/>
-                                </a:rPr>
-                                <m:t>𝐿</m:t>
-                              </m:r>
-                            </m:e>
-                            <m:sup>
-                              <m:d>
-                                <m:dPr>
-                                  <m:ctrlPr>
-                                    <a:rPr lang="en-US" sz="8000" b="1" i="1">
-                                      <a:latin typeface="Cambria Math" panose="02040503050406030204" pitchFamily="18" charset="0"/>
-                                    </a:rPr>
-                                  </m:ctrlPr>
-                                </m:dPr>
-                                <m:e>
-                                  <m:r>
-                                    <a:rPr lang="en-US" sz="8000" b="1" i="1">
-                                      <a:latin typeface="Cambria Math" panose="02040503050406030204" pitchFamily="18" charset="0"/>
-                                    </a:rPr>
-                                    <m:t>𝒊</m:t>
-                                  </m:r>
-                                </m:e>
-                              </m:d>
-                            </m:sup>
-                          </m:sSup>
-                        </m:e>
-                      </m:nary>
-                      <m:r>
-                        <a:rPr lang="en-US" sz="8000" b="1" i="1" smtClean="0">
-                          <a:latin typeface="Cambria Math" panose="02040503050406030204" pitchFamily="18" charset="0"/>
-                        </a:rPr>
-                        <m:t>+</m:t>
-                      </m:r>
-                      <m:f>
-                        <m:fPr>
-                          <m:ctrlPr>
-                            <a:rPr lang="en-US" sz="8000" i="1" smtClean="0">
-                              <a:latin typeface="Cambria Math" panose="02040503050406030204" pitchFamily="18" charset="0"/>
-                            </a:rPr>
-                          </m:ctrlPr>
-                        </m:fPr>
-                        <m:num>
-                          <m:r>
-                            <a:rPr lang="en-US" sz="8000" b="0" i="1">
-                              <a:latin typeface="Cambria Math" panose="02040503050406030204" pitchFamily="18" charset="0"/>
-                              <a:ea typeface="Cambria Math" panose="02040503050406030204" pitchFamily="18" charset="0"/>
-                            </a:rPr>
-                            <m:t>𝜆</m:t>
-                          </m:r>
-                        </m:num>
-                        <m:den>
-                          <m:r>
-                            <a:rPr lang="en-US" sz="8000" b="0" i="1" smtClean="0">
-                              <a:latin typeface="Cambria Math" panose="02040503050406030204" pitchFamily="18" charset="0"/>
-                            </a:rPr>
-                            <m:t>2</m:t>
-                          </m:r>
-                        </m:den>
-                      </m:f>
-                      <m:sSubSup>
-                        <m:sSubSupPr>
-                          <m:ctrlPr>
-                            <a:rPr lang="en-US" sz="8000" b="0" i="1" smtClean="0">
-                              <a:latin typeface="Cambria Math" panose="02040503050406030204" pitchFamily="18" charset="0"/>
-                              <a:ea typeface="Cambria Math" panose="02040503050406030204" pitchFamily="18" charset="0"/>
-                            </a:rPr>
-                          </m:ctrlPr>
-                        </m:sSubSupPr>
-                        <m:e>
-                          <m:d>
-                            <m:dPr>
-                              <m:begChr m:val="‖"/>
-                              <m:endChr m:val="‖"/>
-                              <m:ctrlPr>
-                                <a:rPr lang="en-US" sz="8000" i="1">
-                                  <a:latin typeface="Cambria Math" panose="02040503050406030204" pitchFamily="18" charset="0"/>
-                                  <a:ea typeface="Cambria Math" panose="02040503050406030204" pitchFamily="18" charset="0"/>
-                                </a:rPr>
-                              </m:ctrlPr>
-                            </m:dPr>
-                            <m:e>
-                              <m:r>
-                                <a:rPr lang="en-US" sz="8000" b="1" i="1">
-                                  <a:latin typeface="Cambria Math" panose="02040503050406030204" pitchFamily="18" charset="0"/>
-                                  <a:ea typeface="Cambria Math" panose="02040503050406030204" pitchFamily="18" charset="0"/>
-                                </a:rPr>
-                                <m:t>𝑾</m:t>
-                              </m:r>
-                            </m:e>
-                          </m:d>
-                        </m:e>
-                        <m:sub>
-                          <m:r>
-                            <a:rPr lang="en-US" sz="8000" b="0" i="1" smtClean="0">
-                              <a:latin typeface="Cambria Math" panose="02040503050406030204" pitchFamily="18" charset="0"/>
-                              <a:ea typeface="Cambria Math" panose="02040503050406030204" pitchFamily="18" charset="0"/>
-                            </a:rPr>
-                            <m:t>2</m:t>
-                          </m:r>
-                        </m:sub>
-                        <m:sup>
-                          <m:r>
-                            <a:rPr lang="en-US" sz="8000" b="0" i="1" smtClean="0">
-                              <a:latin typeface="Cambria Math" panose="02040503050406030204" pitchFamily="18" charset="0"/>
-                              <a:ea typeface="Cambria Math" panose="02040503050406030204" pitchFamily="18" charset="0"/>
-                            </a:rPr>
-                            <m:t>2</m:t>
-                          </m:r>
-                        </m:sup>
-                      </m:sSubSup>
-                    </m:oMath>
-                  </m:oMathPara>
-                </a14:m>
-                <a:endParaRPr lang="en-US" sz="8000" dirty="0"/>
-              </a:p>
-            </p:txBody>
-          </p:sp>
-        </mc:Choice>
-        <mc:Fallback xmlns="">
-          <p:sp>
-            <p:nvSpPr>
-              <p:cNvPr id="38" name="Rectangle 37">
-                <a:extLst>
-                  <a:ext uri="{FF2B5EF4-FFF2-40B4-BE49-F238E27FC236}">
-                    <a16:creationId xmlns:a16="http://schemas.microsoft.com/office/drawing/2014/main" id="{325FB88C-D1C7-4449-A8EC-BE11D05D0AD5}"/>
-                  </a:ext>
-                </a:extLst>
-              </p:cNvPr>
-              <p:cNvSpPr>
-                <a:spLocks noRot="1" noChangeAspect="1" noMove="1" noResize="1" noEditPoints="1" noAdjustHandles="1" noChangeArrowheads="1" noChangeShapeType="1" noTextEdit="1"/>
-              </p:cNvSpPr>
-              <p:nvPr/>
-            </p:nvSpPr>
-            <p:spPr>
-              <a:xfrm>
-                <a:off x="12147589" y="4577983"/>
-                <a:ext cx="11303287" cy="3554948"/>
-              </a:xfrm>
-              <a:prstGeom prst="rect">
-                <a:avLst/>
-              </a:prstGeom>
-              <a:blipFill>
-                <a:blip r:embed="rId2"/>
-                <a:stretch>
-                  <a:fillRect/>
-                </a:stretch>
-              </a:blipFill>
-            </p:spPr>
-            <p:txBody>
-              <a:bodyPr/>
-              <a:lstStyle/>
-              <a:p>
-                <a:r>
-                  <a:rPr lang="en-US">
-                    <a:noFill/>
-                  </a:rPr>
-                  <a:t> </a:t>
-                </a:r>
-              </a:p>
-            </p:txBody>
-          </p:sp>
-        </mc:Fallback>
-      </mc:AlternateContent>
-      <p:sp>
-        <p:nvSpPr>
-          <p:cNvPr id="10" name="TextBox 9">
-            <a:extLst>
-              <a:ext uri="{FF2B5EF4-FFF2-40B4-BE49-F238E27FC236}">
-                <a16:creationId xmlns:a16="http://schemas.microsoft.com/office/drawing/2014/main" id="{37DECE8D-4B49-4DB8-8543-1B16CF4B7087}"/>
-              </a:ext>
-            </a:extLst>
-          </p:cNvPr>
-          <p:cNvSpPr txBox="1"/>
-          <p:nvPr/>
-        </p:nvSpPr>
-        <p:spPr>
-          <a:xfrm>
-            <a:off x="10287000" y="10697865"/>
-            <a:ext cx="22021804" cy="1754326"/>
-          </a:xfrm>
-          <a:prstGeom prst="rect">
-            <a:avLst/>
-          </a:prstGeom>
-          <a:noFill/>
-        </p:spPr>
-        <p:txBody>
-          <a:bodyPr wrap="square" rtlCol="0">
-            <a:spAutoFit/>
-          </a:bodyPr>
-          <a:lstStyle/>
-          <a:p>
-            <a:r>
-              <a:rPr lang="en-US" dirty="0"/>
-              <a:t>For all parameters in the model, flatten them and computing the element-wise L2 norm</a:t>
-            </a:r>
-          </a:p>
-        </p:txBody>
-      </p:sp>
-      <mc:AlternateContent xmlns:mc="http://schemas.openxmlformats.org/markup-compatibility/2006" xmlns:a14="http://schemas.microsoft.com/office/drawing/2010/main">
-        <mc:Choice Requires="a14">
-          <p:sp>
-            <p:nvSpPr>
-              <p:cNvPr id="2" name="Rectangle 1">
-                <a:extLst>
-                  <a:ext uri="{FF2B5EF4-FFF2-40B4-BE49-F238E27FC236}">
-                    <a16:creationId xmlns:a16="http://schemas.microsoft.com/office/drawing/2014/main" id="{B2305C26-FFEA-44A0-8736-257ED013F09A}"/>
-                  </a:ext>
-                </a:extLst>
-              </p:cNvPr>
-              <p:cNvSpPr/>
-              <p:nvPr/>
-            </p:nvSpPr>
-            <p:spPr>
-              <a:xfrm>
-                <a:off x="4267196" y="9829801"/>
-                <a:ext cx="5332614" cy="2429639"/>
-              </a:xfrm>
-              <a:prstGeom prst="rect">
-                <a:avLst/>
-              </a:prstGeom>
-            </p:spPr>
-            <p:txBody>
-              <a:bodyPr wrap="none">
-                <a:spAutoFit/>
-              </a:bodyPr>
-              <a:lstStyle/>
-              <a:p>
-                <a:pPr/>
-                <a14:m>
-                  <m:oMathPara xmlns:m="http://schemas.openxmlformats.org/officeDocument/2006/math">
-                    <m:oMathParaPr>
-                      <m:jc m:val="centerGroup"/>
-                    </m:oMathParaPr>
-                    <m:oMath xmlns:m="http://schemas.openxmlformats.org/officeDocument/2006/math">
-                      <m:sSubSup>
-                        <m:sSubSupPr>
-                          <m:ctrlPr>
-                            <a:rPr lang="en-US" i="1" smtClean="0">
-                              <a:latin typeface="Cambria Math" panose="02040503050406030204" pitchFamily="18" charset="0"/>
-                              <a:ea typeface="Cambria Math" panose="02040503050406030204" pitchFamily="18" charset="0"/>
-                            </a:rPr>
-                          </m:ctrlPr>
-                        </m:sSubSupPr>
-                        <m:e>
-                          <m:d>
-                            <m:dPr>
-                              <m:begChr m:val="‖"/>
-                              <m:endChr m:val="‖"/>
-                              <m:ctrlPr>
-                                <a:rPr lang="en-US" i="1">
-                                  <a:latin typeface="Cambria Math" panose="02040503050406030204" pitchFamily="18" charset="0"/>
-                                  <a:ea typeface="Cambria Math" panose="02040503050406030204" pitchFamily="18" charset="0"/>
-                                </a:rPr>
-                              </m:ctrlPr>
-                            </m:dPr>
-                            <m:e>
-                              <m:r>
-                                <a:rPr lang="en-US" b="1" i="1">
-                                  <a:latin typeface="Cambria Math" panose="02040503050406030204" pitchFamily="18" charset="0"/>
-                                  <a:ea typeface="Cambria Math" panose="02040503050406030204" pitchFamily="18" charset="0"/>
-                                </a:rPr>
-                                <m:t>𝑾</m:t>
-                              </m:r>
-                            </m:e>
-                          </m:d>
-                        </m:e>
-                        <m:sub>
-                          <m:r>
-                            <a:rPr lang="en-US" i="1">
-                              <a:latin typeface="Cambria Math" panose="02040503050406030204" pitchFamily="18" charset="0"/>
-                              <a:ea typeface="Cambria Math" panose="02040503050406030204" pitchFamily="18" charset="0"/>
-                            </a:rPr>
-                            <m:t>2</m:t>
-                          </m:r>
-                        </m:sub>
-                        <m:sup>
-                          <m:r>
-                            <a:rPr lang="en-US" i="1">
-                              <a:latin typeface="Cambria Math" panose="02040503050406030204" pitchFamily="18" charset="0"/>
-                              <a:ea typeface="Cambria Math" panose="02040503050406030204" pitchFamily="18" charset="0"/>
-                            </a:rPr>
-                            <m:t>2</m:t>
-                          </m:r>
-                        </m:sup>
-                      </m:sSubSup>
-                      <m:r>
-                        <a:rPr lang="en-US" b="0" i="1" smtClean="0">
-                          <a:latin typeface="Cambria Math" panose="02040503050406030204" pitchFamily="18" charset="0"/>
-                          <a:ea typeface="Cambria Math" panose="02040503050406030204" pitchFamily="18" charset="0"/>
-                        </a:rPr>
-                        <m:t>=</m:t>
-                      </m:r>
-                      <m:nary>
-                        <m:naryPr>
-                          <m:chr m:val="∑"/>
-                          <m:ctrlPr>
-                            <a:rPr lang="en-US" b="0" i="1" smtClean="0">
-                              <a:latin typeface="Cambria Math" panose="02040503050406030204" pitchFamily="18" charset="0"/>
-                              <a:ea typeface="Cambria Math" panose="02040503050406030204" pitchFamily="18" charset="0"/>
-                            </a:rPr>
-                          </m:ctrlPr>
-                        </m:naryPr>
-                        <m:sub>
-                          <m:r>
-                            <m:rPr>
-                              <m:brk m:alnAt="23"/>
-                            </m:rPr>
-                            <a:rPr lang="en-US" b="0" i="1" smtClean="0">
-                              <a:latin typeface="Cambria Math" panose="02040503050406030204" pitchFamily="18" charset="0"/>
-                              <a:ea typeface="Cambria Math" panose="02040503050406030204" pitchFamily="18" charset="0"/>
-                            </a:rPr>
-                            <m:t>𝑘</m:t>
-                          </m:r>
-                          <m:r>
-                            <a:rPr lang="en-US" b="0" i="1" smtClean="0">
-                              <a:latin typeface="Cambria Math" panose="02040503050406030204" pitchFamily="18" charset="0"/>
-                              <a:ea typeface="Cambria Math" panose="02040503050406030204" pitchFamily="18" charset="0"/>
-                            </a:rPr>
-                            <m:t>=0</m:t>
-                          </m:r>
-                        </m:sub>
-                        <m:sup>
-                          <m:r>
-                            <a:rPr lang="en-US" b="0" i="1" smtClean="0">
-                              <a:latin typeface="Cambria Math" panose="02040503050406030204" pitchFamily="18" charset="0"/>
-                              <a:ea typeface="Cambria Math" panose="02040503050406030204" pitchFamily="18" charset="0"/>
-                            </a:rPr>
-                            <m:t>𝑃</m:t>
-                          </m:r>
-                          <m:r>
-                            <a:rPr lang="en-US" b="0" i="1" smtClean="0">
-                              <a:latin typeface="Cambria Math" panose="02040503050406030204" pitchFamily="18" charset="0"/>
-                              <a:ea typeface="Cambria Math" panose="02040503050406030204" pitchFamily="18" charset="0"/>
-                            </a:rPr>
-                            <m:t>−1</m:t>
-                          </m:r>
-                        </m:sup>
-                        <m:e>
-                          <m:sSup>
-                            <m:sSupPr>
-                              <m:ctrlPr>
-                                <a:rPr lang="en-US" b="0" i="1" smtClean="0">
-                                  <a:latin typeface="Cambria Math" panose="02040503050406030204" pitchFamily="18" charset="0"/>
-                                  <a:ea typeface="Cambria Math" panose="02040503050406030204" pitchFamily="18" charset="0"/>
-                                </a:rPr>
-                              </m:ctrlPr>
-                            </m:sSupPr>
-                            <m:e>
-                              <m:sSub>
-                                <m:sSubPr>
-                                  <m:ctrlPr>
-                                    <a:rPr lang="en-US" i="1">
-                                      <a:latin typeface="Cambria Math" panose="02040503050406030204" pitchFamily="18" charset="0"/>
-                                      <a:ea typeface="Cambria Math" panose="02040503050406030204" pitchFamily="18" charset="0"/>
-                                    </a:rPr>
-                                  </m:ctrlPr>
-                                </m:sSubPr>
-                                <m:e>
-                                  <m:r>
-                                    <a:rPr lang="en-US" i="1">
-                                      <a:latin typeface="Cambria Math" panose="02040503050406030204" pitchFamily="18" charset="0"/>
-                                      <a:ea typeface="Cambria Math" panose="02040503050406030204" pitchFamily="18" charset="0"/>
-                                    </a:rPr>
-                                    <m:t>𝑤</m:t>
-                                  </m:r>
-                                </m:e>
-                                <m:sub>
-                                  <m:r>
-                                    <a:rPr lang="en-US" b="0" i="1" smtClean="0">
-                                      <a:latin typeface="Cambria Math" panose="02040503050406030204" pitchFamily="18" charset="0"/>
-                                      <a:ea typeface="Cambria Math" panose="02040503050406030204" pitchFamily="18" charset="0"/>
-                                    </a:rPr>
-                                    <m:t>𝑘</m:t>
-                                  </m:r>
-                                </m:sub>
-                              </m:sSub>
-                            </m:e>
-                            <m:sup>
-                              <m:r>
-                                <a:rPr lang="en-US" b="0" i="1" smtClean="0">
-                                  <a:latin typeface="Cambria Math" panose="02040503050406030204" pitchFamily="18" charset="0"/>
-                                  <a:ea typeface="Cambria Math" panose="02040503050406030204" pitchFamily="18" charset="0"/>
-                                </a:rPr>
-                                <m:t>2</m:t>
-                              </m:r>
-                            </m:sup>
-                          </m:sSup>
-                        </m:e>
-                      </m:nary>
-                    </m:oMath>
-                  </m:oMathPara>
-                </a14:m>
-                <a:endParaRPr lang="en-US" dirty="0"/>
-              </a:p>
-            </p:txBody>
-          </p:sp>
-        </mc:Choice>
-        <mc:Fallback xmlns="">
-          <p:sp>
-            <p:nvSpPr>
-              <p:cNvPr id="2" name="Rectangle 1">
-                <a:extLst>
-                  <a:ext uri="{FF2B5EF4-FFF2-40B4-BE49-F238E27FC236}">
-                    <a16:creationId xmlns:a16="http://schemas.microsoft.com/office/drawing/2014/main" id="{B2305C26-FFEA-44A0-8736-257ED013F09A}"/>
-                  </a:ext>
-                </a:extLst>
-              </p:cNvPr>
-              <p:cNvSpPr>
-                <a:spLocks noRot="1" noChangeAspect="1" noMove="1" noResize="1" noEditPoints="1" noAdjustHandles="1" noChangeArrowheads="1" noChangeShapeType="1" noTextEdit="1"/>
-              </p:cNvSpPr>
-              <p:nvPr/>
-            </p:nvSpPr>
-            <p:spPr>
-              <a:xfrm>
-                <a:off x="4267196" y="9829801"/>
-                <a:ext cx="5332614" cy="2429639"/>
-              </a:xfrm>
-              <a:prstGeom prst="rect">
-                <a:avLst/>
-              </a:prstGeom>
-              <a:blipFill>
-                <a:blip r:embed="rId3"/>
-                <a:stretch>
-                  <a:fillRect/>
-                </a:stretch>
-              </a:blipFill>
-            </p:spPr>
-            <p:txBody>
-              <a:bodyPr/>
-              <a:lstStyle/>
-              <a:p>
-                <a:r>
-                  <a:rPr lang="en-US">
-                    <a:noFill/>
-                  </a:rPr>
-                  <a:t> </a:t>
-                </a:r>
-              </a:p>
-            </p:txBody>
-          </p:sp>
-        </mc:Fallback>
-      </mc:AlternateContent>
-      <mc:AlternateContent xmlns:mc="http://schemas.openxmlformats.org/markup-compatibility/2006" xmlns:a14="http://schemas.microsoft.com/office/drawing/2010/main">
-        <mc:Choice Requires="a14">
-          <p:sp>
-            <p:nvSpPr>
-              <p:cNvPr id="11" name="Rectangle 10">
-                <a:extLst>
-                  <a:ext uri="{FF2B5EF4-FFF2-40B4-BE49-F238E27FC236}">
-                    <a16:creationId xmlns:a16="http://schemas.microsoft.com/office/drawing/2014/main" id="{659E3DDE-3958-4693-83A1-01FC950D5670}"/>
-                  </a:ext>
-                </a:extLst>
-              </p:cNvPr>
-              <p:cNvSpPr/>
-              <p:nvPr/>
-            </p:nvSpPr>
-            <p:spPr>
-              <a:xfrm>
-                <a:off x="4918094" y="13832964"/>
-                <a:ext cx="11292515" cy="3554948"/>
-              </a:xfrm>
-              <a:prstGeom prst="rect">
-                <a:avLst/>
-              </a:prstGeom>
-            </p:spPr>
-            <p:txBody>
-              <a:bodyPr wrap="none">
-                <a:spAutoFit/>
-              </a:bodyPr>
-              <a:lstStyle/>
-              <a:p>
-                <a:pPr/>
-                <a14:m>
-                  <m:oMathPara xmlns:m="http://schemas.openxmlformats.org/officeDocument/2006/math">
-                    <m:oMathParaPr>
-                      <m:jc m:val="centerGroup"/>
-                    </m:oMathParaPr>
-                    <m:oMath xmlns:m="http://schemas.openxmlformats.org/officeDocument/2006/math">
-                      <m:f>
-                        <m:fPr>
-                          <m:ctrlPr>
-                            <a:rPr lang="en-US" sz="8000" i="1" smtClean="0">
-                              <a:latin typeface="Cambria Math" panose="02040503050406030204" pitchFamily="18" charset="0"/>
-                            </a:rPr>
-                          </m:ctrlPr>
-                        </m:fPr>
-                        <m:num>
-                          <m:r>
-                            <a:rPr lang="en-US" sz="8000" i="1" smtClean="0">
-                              <a:latin typeface="Cambria Math" panose="02040503050406030204" pitchFamily="18" charset="0"/>
-                              <a:ea typeface="Cambria Math" panose="02040503050406030204" pitchFamily="18" charset="0"/>
-                            </a:rPr>
-                            <m:t>𝜕</m:t>
-                          </m:r>
-                          <m:r>
-                            <a:rPr lang="en-US" sz="8000" i="1">
-                              <a:latin typeface="Cambria Math" panose="02040503050406030204" pitchFamily="18" charset="0"/>
-                            </a:rPr>
-                            <m:t>𝐿</m:t>
-                          </m:r>
-                        </m:num>
-                        <m:den>
-                          <m:r>
-                            <a:rPr lang="en-US" sz="8000" i="1">
-                              <a:latin typeface="Cambria Math" panose="02040503050406030204" pitchFamily="18" charset="0"/>
-                              <a:ea typeface="Cambria Math" panose="02040503050406030204" pitchFamily="18" charset="0"/>
-                            </a:rPr>
-                            <m:t>𝜕</m:t>
-                          </m:r>
-                          <m:sSub>
-                            <m:sSubPr>
-                              <m:ctrlPr>
-                                <a:rPr lang="en-US" sz="8000" i="1" smtClean="0">
-                                  <a:latin typeface="Cambria Math" panose="02040503050406030204" pitchFamily="18" charset="0"/>
-                                  <a:ea typeface="Cambria Math" panose="02040503050406030204" pitchFamily="18" charset="0"/>
-                                </a:rPr>
-                              </m:ctrlPr>
-                            </m:sSubPr>
-                            <m:e>
-                              <m:r>
-                                <a:rPr lang="en-US" sz="8000" b="0" i="1" smtClean="0">
-                                  <a:latin typeface="Cambria Math" panose="02040503050406030204" pitchFamily="18" charset="0"/>
-                                  <a:ea typeface="Cambria Math" panose="02040503050406030204" pitchFamily="18" charset="0"/>
-                                </a:rPr>
-                                <m:t>𝑤</m:t>
-                              </m:r>
-                            </m:e>
-                            <m:sub>
-                              <m:r>
-                                <a:rPr lang="en-US" sz="8000" b="0" i="1" smtClean="0">
-                                  <a:latin typeface="Cambria Math" panose="02040503050406030204" pitchFamily="18" charset="0"/>
-                                  <a:ea typeface="Cambria Math" panose="02040503050406030204" pitchFamily="18" charset="0"/>
-                                </a:rPr>
-                                <m:t>𝑘</m:t>
-                              </m:r>
-                            </m:sub>
-                          </m:sSub>
-                        </m:den>
-                      </m:f>
-                      <m:r>
-                        <a:rPr lang="en-US" sz="8000">
-                          <a:latin typeface="Cambria Math" panose="02040503050406030204" pitchFamily="18" charset="0"/>
-                        </a:rPr>
-                        <m:t>=</m:t>
-                      </m:r>
-                      <m:f>
-                        <m:fPr>
-                          <m:ctrlPr>
-                            <a:rPr lang="en-US" sz="8000" i="1">
-                              <a:latin typeface="Cambria Math" panose="02040503050406030204" pitchFamily="18" charset="0"/>
-                            </a:rPr>
-                          </m:ctrlPr>
-                        </m:fPr>
-                        <m:num>
-                          <m:r>
-                            <a:rPr lang="en-US" sz="8000" i="1">
-                              <a:latin typeface="Cambria Math" panose="02040503050406030204" pitchFamily="18" charset="0"/>
-                            </a:rPr>
-                            <m:t>1</m:t>
-                          </m:r>
-                        </m:num>
-                        <m:den>
-                          <m:r>
-                            <a:rPr lang="en-US" sz="8000" i="1">
-                              <a:latin typeface="Cambria Math" panose="02040503050406030204" pitchFamily="18" charset="0"/>
-                            </a:rPr>
-                            <m:t>𝐵</m:t>
-                          </m:r>
-                        </m:den>
-                      </m:f>
-                      <m:nary>
-                        <m:naryPr>
-                          <m:chr m:val="∑"/>
-                          <m:ctrlPr>
-                            <a:rPr lang="en-US" sz="8000" b="1" i="1">
-                              <a:latin typeface="Cambria Math" panose="02040503050406030204" pitchFamily="18" charset="0"/>
-                            </a:rPr>
-                          </m:ctrlPr>
-                        </m:naryPr>
-                        <m:sub>
-                          <m:r>
-                            <m:rPr>
-                              <m:brk m:alnAt="23"/>
-                            </m:rPr>
-                            <a:rPr lang="en-US" sz="8000" i="1">
-                              <a:latin typeface="Cambria Math" panose="02040503050406030204" pitchFamily="18" charset="0"/>
-                            </a:rPr>
-                            <m:t>𝑖</m:t>
-                          </m:r>
-                          <m:r>
-                            <a:rPr lang="en-US" sz="8000" i="1">
-                              <a:latin typeface="Cambria Math" panose="02040503050406030204" pitchFamily="18" charset="0"/>
-                            </a:rPr>
-                            <m:t>=0</m:t>
-                          </m:r>
-                        </m:sub>
-                        <m:sup>
-                          <m:r>
-                            <a:rPr lang="en-US" sz="8000" i="1">
-                              <a:latin typeface="Cambria Math" panose="02040503050406030204" pitchFamily="18" charset="0"/>
-                            </a:rPr>
-                            <m:t>𝐵</m:t>
-                          </m:r>
-                          <m:r>
-                            <a:rPr lang="en-US" sz="8000" i="1">
-                              <a:latin typeface="Cambria Math" panose="02040503050406030204" pitchFamily="18" charset="0"/>
-                            </a:rPr>
-                            <m:t>−1</m:t>
-                          </m:r>
-                        </m:sup>
-                        <m:e>
-                          <m:f>
-                            <m:fPr>
-                              <m:ctrlPr>
-                                <a:rPr lang="en-US" sz="8000" i="1">
-                                  <a:latin typeface="Cambria Math" panose="02040503050406030204" pitchFamily="18" charset="0"/>
-                                </a:rPr>
-                              </m:ctrlPr>
-                            </m:fPr>
-                            <m:num>
-                              <m:r>
-                                <a:rPr lang="en-US" sz="8000" i="1">
-                                  <a:latin typeface="Cambria Math" panose="02040503050406030204" pitchFamily="18" charset="0"/>
-                                  <a:ea typeface="Cambria Math" panose="02040503050406030204" pitchFamily="18" charset="0"/>
-                                </a:rPr>
-                                <m:t>𝜕</m:t>
-                              </m:r>
-                              <m:sSup>
-                                <m:sSupPr>
-                                  <m:ctrlPr>
-                                    <a:rPr lang="en-US" sz="8000" i="1" smtClean="0">
-                                      <a:latin typeface="Cambria Math" panose="02040503050406030204" pitchFamily="18" charset="0"/>
-                                      <a:ea typeface="Cambria Math" panose="02040503050406030204" pitchFamily="18" charset="0"/>
-                                    </a:rPr>
-                                  </m:ctrlPr>
-                                </m:sSupPr>
-                                <m:e>
-                                  <m:r>
-                                    <a:rPr lang="en-US" sz="8000" b="0" i="1" smtClean="0">
-                                      <a:latin typeface="Cambria Math" panose="02040503050406030204" pitchFamily="18" charset="0"/>
-                                      <a:ea typeface="Cambria Math" panose="02040503050406030204" pitchFamily="18" charset="0"/>
-                                    </a:rPr>
-                                    <m:t>𝐿</m:t>
-                                  </m:r>
-                                </m:e>
-                                <m:sup>
-                                  <m:r>
-                                    <a:rPr lang="en-US" sz="8000" b="0" i="1" smtClean="0">
-                                      <a:latin typeface="Cambria Math" panose="02040503050406030204" pitchFamily="18" charset="0"/>
-                                      <a:ea typeface="Cambria Math" panose="02040503050406030204" pitchFamily="18" charset="0"/>
-                                    </a:rPr>
-                                    <m:t>(</m:t>
-                                  </m:r>
-                                  <m:r>
-                                    <a:rPr lang="en-US" sz="8000" b="0" i="1" smtClean="0">
-                                      <a:latin typeface="Cambria Math" panose="02040503050406030204" pitchFamily="18" charset="0"/>
-                                      <a:ea typeface="Cambria Math" panose="02040503050406030204" pitchFamily="18" charset="0"/>
-                                    </a:rPr>
-                                    <m:t>𝑖</m:t>
-                                  </m:r>
-                                  <m:r>
-                                    <a:rPr lang="en-US" sz="8000" b="0" i="1" smtClean="0">
-                                      <a:latin typeface="Cambria Math" panose="02040503050406030204" pitchFamily="18" charset="0"/>
-                                      <a:ea typeface="Cambria Math" panose="02040503050406030204" pitchFamily="18" charset="0"/>
-                                    </a:rPr>
-                                    <m:t>)</m:t>
-                                  </m:r>
-                                </m:sup>
-                              </m:sSup>
-                            </m:num>
-                            <m:den>
-                              <m:r>
-                                <a:rPr lang="en-US" sz="8000" i="1">
-                                  <a:latin typeface="Cambria Math" panose="02040503050406030204" pitchFamily="18" charset="0"/>
-                                  <a:ea typeface="Cambria Math" panose="02040503050406030204" pitchFamily="18" charset="0"/>
-                                </a:rPr>
-                                <m:t>𝜕</m:t>
-                              </m:r>
-                              <m:sSub>
-                                <m:sSubPr>
-                                  <m:ctrlPr>
-                                    <a:rPr lang="en-US" sz="8000" i="1">
-                                      <a:latin typeface="Cambria Math" panose="02040503050406030204" pitchFamily="18" charset="0"/>
-                                      <a:ea typeface="Cambria Math" panose="02040503050406030204" pitchFamily="18" charset="0"/>
-                                    </a:rPr>
-                                  </m:ctrlPr>
-                                </m:sSubPr>
-                                <m:e>
-                                  <m:r>
-                                    <a:rPr lang="en-US" sz="8000" i="1">
-                                      <a:latin typeface="Cambria Math" panose="02040503050406030204" pitchFamily="18" charset="0"/>
-                                      <a:ea typeface="Cambria Math" panose="02040503050406030204" pitchFamily="18" charset="0"/>
-                                    </a:rPr>
-                                    <m:t>𝑤</m:t>
-                                  </m:r>
-                                </m:e>
-                                <m:sub>
-                                  <m:r>
-                                    <a:rPr lang="en-US" sz="8000" i="1">
-                                      <a:latin typeface="Cambria Math" panose="02040503050406030204" pitchFamily="18" charset="0"/>
-                                      <a:ea typeface="Cambria Math" panose="02040503050406030204" pitchFamily="18" charset="0"/>
-                                    </a:rPr>
-                                    <m:t>𝑘</m:t>
-                                  </m:r>
-                                </m:sub>
-                              </m:sSub>
-                            </m:den>
-                          </m:f>
-                        </m:e>
-                      </m:nary>
-                      <m:r>
-                        <a:rPr lang="en-US" sz="8000" b="1" i="1" smtClean="0">
-                          <a:latin typeface="Cambria Math" panose="02040503050406030204" pitchFamily="18" charset="0"/>
-                        </a:rPr>
-                        <m:t>+</m:t>
-                      </m:r>
-                      <m:r>
-                        <a:rPr lang="en-US" sz="8000" b="0" i="1" smtClean="0">
-                          <a:latin typeface="Cambria Math" panose="02040503050406030204" pitchFamily="18" charset="0"/>
-                          <a:ea typeface="Cambria Math" panose="02040503050406030204" pitchFamily="18" charset="0"/>
-                        </a:rPr>
-                        <m:t>𝜆</m:t>
-                      </m:r>
-                      <m:sSub>
-                        <m:sSubPr>
-                          <m:ctrlPr>
-                            <a:rPr lang="en-US" sz="8000" i="1">
-                              <a:latin typeface="Cambria Math" panose="02040503050406030204" pitchFamily="18" charset="0"/>
-                              <a:ea typeface="Cambria Math" panose="02040503050406030204" pitchFamily="18" charset="0"/>
-                            </a:rPr>
-                          </m:ctrlPr>
-                        </m:sSubPr>
-                        <m:e>
-                          <m:r>
-                            <a:rPr lang="en-US" sz="8000" i="1">
-                              <a:latin typeface="Cambria Math" panose="02040503050406030204" pitchFamily="18" charset="0"/>
-                              <a:ea typeface="Cambria Math" panose="02040503050406030204" pitchFamily="18" charset="0"/>
-                            </a:rPr>
-                            <m:t>𝑤</m:t>
-                          </m:r>
-                        </m:e>
-                        <m:sub>
-                          <m:r>
-                            <a:rPr lang="en-US" sz="8000" i="1">
-                              <a:latin typeface="Cambria Math" panose="02040503050406030204" pitchFamily="18" charset="0"/>
-                              <a:ea typeface="Cambria Math" panose="02040503050406030204" pitchFamily="18" charset="0"/>
-                            </a:rPr>
-                            <m:t>𝑘</m:t>
-                          </m:r>
-                        </m:sub>
-                      </m:sSub>
-                    </m:oMath>
-                  </m:oMathPara>
-                </a14:m>
-                <a:endParaRPr lang="en-US" sz="8000" dirty="0"/>
-              </a:p>
-            </p:txBody>
-          </p:sp>
-        </mc:Choice>
-        <mc:Fallback xmlns="">
-          <p:sp>
-            <p:nvSpPr>
-              <p:cNvPr id="11" name="Rectangle 10">
-                <a:extLst>
-                  <a:ext uri="{FF2B5EF4-FFF2-40B4-BE49-F238E27FC236}">
-                    <a16:creationId xmlns:a16="http://schemas.microsoft.com/office/drawing/2014/main" id="{659E3DDE-3958-4693-83A1-01FC950D5670}"/>
-                  </a:ext>
-                </a:extLst>
-              </p:cNvPr>
-              <p:cNvSpPr>
-                <a:spLocks noRot="1" noChangeAspect="1" noMove="1" noResize="1" noEditPoints="1" noAdjustHandles="1" noChangeArrowheads="1" noChangeShapeType="1" noTextEdit="1"/>
-              </p:cNvSpPr>
-              <p:nvPr/>
-            </p:nvSpPr>
-            <p:spPr>
-              <a:xfrm>
-                <a:off x="4918094" y="13832964"/>
-                <a:ext cx="11292515" cy="3554948"/>
-              </a:xfrm>
-              <a:prstGeom prst="rect">
-                <a:avLst/>
-              </a:prstGeom>
-              <a:blipFill>
-                <a:blip r:embed="rId4"/>
-                <a:stretch>
-                  <a:fillRect/>
-                </a:stretch>
-              </a:blipFill>
-            </p:spPr>
-            <p:txBody>
-              <a:bodyPr/>
-              <a:lstStyle/>
-              <a:p>
-                <a:r>
-                  <a:rPr lang="en-US">
-                    <a:noFill/>
-                  </a:rPr>
-                  <a:t> </a:t>
-                </a:r>
-              </a:p>
-            </p:txBody>
-          </p:sp>
-        </mc:Fallback>
-      </mc:AlternateContent>
-      <mc:AlternateContent xmlns:mc="http://schemas.openxmlformats.org/markup-compatibility/2006" xmlns:a14="http://schemas.microsoft.com/office/drawing/2010/main">
-        <mc:Choice Requires="a14">
-          <p:sp>
-            <p:nvSpPr>
-              <p:cNvPr id="12" name="Rectangle 11">
-                <a:extLst>
-                  <a:ext uri="{FF2B5EF4-FFF2-40B4-BE49-F238E27FC236}">
-                    <a16:creationId xmlns:a16="http://schemas.microsoft.com/office/drawing/2014/main" id="{210C0A75-3159-4E05-B62A-A10C57B2E31E}"/>
-                  </a:ext>
-                </a:extLst>
-              </p:cNvPr>
-              <p:cNvSpPr/>
-              <p:nvPr/>
-            </p:nvSpPr>
-            <p:spPr>
-              <a:xfrm>
-                <a:off x="17526000" y="13832964"/>
-                <a:ext cx="15275079" cy="3554948"/>
-              </a:xfrm>
-              <a:prstGeom prst="rect">
-                <a:avLst/>
-              </a:prstGeom>
-            </p:spPr>
-            <p:txBody>
-              <a:bodyPr wrap="none">
-                <a:spAutoFit/>
-              </a:bodyPr>
-              <a:lstStyle/>
-              <a:p>
-                <a:pPr/>
-                <a14:m>
-                  <m:oMathPara xmlns:m="http://schemas.openxmlformats.org/officeDocument/2006/math">
-                    <m:oMathParaPr>
-                      <m:jc m:val="centerGroup"/>
-                    </m:oMathParaPr>
-                    <m:oMath xmlns:m="http://schemas.openxmlformats.org/officeDocument/2006/math">
-                      <m:sSub>
-                        <m:sSubPr>
-                          <m:ctrlPr>
-                            <a:rPr lang="en-US" sz="8000" i="1" smtClean="0">
-                              <a:latin typeface="Cambria Math" panose="02040503050406030204" pitchFamily="18" charset="0"/>
-                              <a:ea typeface="Cambria Math" panose="02040503050406030204" pitchFamily="18" charset="0"/>
-                            </a:rPr>
-                          </m:ctrlPr>
-                        </m:sSubPr>
-                        <m:e>
-                          <m:r>
-                            <a:rPr lang="en-US" sz="8000" i="1">
-                              <a:latin typeface="Cambria Math" panose="02040503050406030204" pitchFamily="18" charset="0"/>
-                              <a:ea typeface="Cambria Math" panose="02040503050406030204" pitchFamily="18" charset="0"/>
-                            </a:rPr>
-                            <m:t>𝑤</m:t>
-                          </m:r>
-                        </m:e>
-                        <m:sub>
-                          <m:r>
-                            <a:rPr lang="en-US" sz="8000" i="1">
-                              <a:latin typeface="Cambria Math" panose="02040503050406030204" pitchFamily="18" charset="0"/>
-                              <a:ea typeface="Cambria Math" panose="02040503050406030204" pitchFamily="18" charset="0"/>
-                            </a:rPr>
-                            <m:t>𝑘</m:t>
-                          </m:r>
-                        </m:sub>
-                      </m:sSub>
-                      <m:r>
-                        <a:rPr lang="en-US" sz="8000" b="0" i="1" smtClean="0">
-                          <a:latin typeface="Cambria Math" panose="02040503050406030204" pitchFamily="18" charset="0"/>
-                          <a:ea typeface="Cambria Math" panose="02040503050406030204" pitchFamily="18" charset="0"/>
-                        </a:rPr>
-                        <m:t>=</m:t>
-                      </m:r>
-                      <m:sSub>
-                        <m:sSubPr>
-                          <m:ctrlPr>
-                            <a:rPr lang="en-US" sz="8000" i="1">
-                              <a:latin typeface="Cambria Math" panose="02040503050406030204" pitchFamily="18" charset="0"/>
-                              <a:ea typeface="Cambria Math" panose="02040503050406030204" pitchFamily="18" charset="0"/>
-                            </a:rPr>
-                          </m:ctrlPr>
-                        </m:sSubPr>
-                        <m:e>
-                          <m:r>
-                            <a:rPr lang="en-US" sz="8000" i="1">
-                              <a:latin typeface="Cambria Math" panose="02040503050406030204" pitchFamily="18" charset="0"/>
-                              <a:ea typeface="Cambria Math" panose="02040503050406030204" pitchFamily="18" charset="0"/>
-                            </a:rPr>
-                            <m:t>𝑤</m:t>
-                          </m:r>
-                        </m:e>
-                        <m:sub>
-                          <m:r>
-                            <a:rPr lang="en-US" sz="8000" i="1">
-                              <a:latin typeface="Cambria Math" panose="02040503050406030204" pitchFamily="18" charset="0"/>
-                              <a:ea typeface="Cambria Math" panose="02040503050406030204" pitchFamily="18" charset="0"/>
-                            </a:rPr>
-                            <m:t>𝑘</m:t>
-                          </m:r>
-                        </m:sub>
-                      </m:sSub>
-                      <m:r>
-                        <a:rPr lang="en-US" sz="8000" b="0" i="1" smtClean="0">
-                          <a:latin typeface="Cambria Math" panose="02040503050406030204" pitchFamily="18" charset="0"/>
-                          <a:ea typeface="Cambria Math" panose="02040503050406030204" pitchFamily="18" charset="0"/>
-                        </a:rPr>
-                        <m:t>−</m:t>
-                      </m:r>
-                      <m:r>
-                        <a:rPr lang="en-US" sz="8000" b="0" i="1" smtClean="0">
-                          <a:latin typeface="Cambria Math" panose="02040503050406030204" pitchFamily="18" charset="0"/>
-                          <a:ea typeface="Cambria Math" panose="02040503050406030204" pitchFamily="18" charset="0"/>
-                        </a:rPr>
-                        <m:t>𝛼</m:t>
-                      </m:r>
-                      <m:r>
-                        <a:rPr lang="en-US" sz="8000" b="0" i="1" smtClean="0">
-                          <a:latin typeface="Cambria Math" panose="02040503050406030204" pitchFamily="18" charset="0"/>
-                          <a:ea typeface="Cambria Math" panose="02040503050406030204" pitchFamily="18" charset="0"/>
-                        </a:rPr>
-                        <m:t>(</m:t>
-                      </m:r>
-                      <m:f>
-                        <m:fPr>
-                          <m:ctrlPr>
-                            <a:rPr lang="en-US" sz="8000" i="1">
-                              <a:latin typeface="Cambria Math" panose="02040503050406030204" pitchFamily="18" charset="0"/>
-                            </a:rPr>
-                          </m:ctrlPr>
-                        </m:fPr>
-                        <m:num>
-                          <m:r>
-                            <a:rPr lang="en-US" sz="8000" i="1">
-                              <a:latin typeface="Cambria Math" panose="02040503050406030204" pitchFamily="18" charset="0"/>
-                            </a:rPr>
-                            <m:t>1</m:t>
-                          </m:r>
-                        </m:num>
-                        <m:den>
-                          <m:r>
-                            <a:rPr lang="en-US" sz="8000" i="1">
-                              <a:latin typeface="Cambria Math" panose="02040503050406030204" pitchFamily="18" charset="0"/>
-                            </a:rPr>
-                            <m:t>𝐵</m:t>
-                          </m:r>
-                        </m:den>
-                      </m:f>
-                      <m:nary>
-                        <m:naryPr>
-                          <m:chr m:val="∑"/>
-                          <m:ctrlPr>
-                            <a:rPr lang="en-US" sz="8000" b="1" i="1">
-                              <a:latin typeface="Cambria Math" panose="02040503050406030204" pitchFamily="18" charset="0"/>
-                            </a:rPr>
-                          </m:ctrlPr>
-                        </m:naryPr>
-                        <m:sub>
-                          <m:r>
-                            <m:rPr>
-                              <m:brk m:alnAt="23"/>
-                            </m:rPr>
-                            <a:rPr lang="en-US" sz="8000" i="1">
-                              <a:latin typeface="Cambria Math" panose="02040503050406030204" pitchFamily="18" charset="0"/>
-                            </a:rPr>
-                            <m:t>𝑖</m:t>
-                          </m:r>
-                          <m:r>
-                            <a:rPr lang="en-US" sz="8000" i="1">
-                              <a:latin typeface="Cambria Math" panose="02040503050406030204" pitchFamily="18" charset="0"/>
-                            </a:rPr>
-                            <m:t>=0</m:t>
-                          </m:r>
-                        </m:sub>
-                        <m:sup>
-                          <m:r>
-                            <a:rPr lang="en-US" sz="8000" i="1">
-                              <a:latin typeface="Cambria Math" panose="02040503050406030204" pitchFamily="18" charset="0"/>
-                            </a:rPr>
-                            <m:t>𝐵</m:t>
-                          </m:r>
-                          <m:r>
-                            <a:rPr lang="en-US" sz="8000" i="1">
-                              <a:latin typeface="Cambria Math" panose="02040503050406030204" pitchFamily="18" charset="0"/>
-                            </a:rPr>
-                            <m:t>−1</m:t>
-                          </m:r>
-                        </m:sup>
-                        <m:e>
-                          <m:f>
-                            <m:fPr>
-                              <m:ctrlPr>
-                                <a:rPr lang="en-US" sz="8000" i="1">
-                                  <a:latin typeface="Cambria Math" panose="02040503050406030204" pitchFamily="18" charset="0"/>
-                                </a:rPr>
-                              </m:ctrlPr>
-                            </m:fPr>
-                            <m:num>
-                              <m:r>
-                                <a:rPr lang="en-US" sz="8000" i="1">
-                                  <a:latin typeface="Cambria Math" panose="02040503050406030204" pitchFamily="18" charset="0"/>
-                                  <a:ea typeface="Cambria Math" panose="02040503050406030204" pitchFamily="18" charset="0"/>
-                                </a:rPr>
-                                <m:t>𝜕</m:t>
-                              </m:r>
-                              <m:sSup>
-                                <m:sSupPr>
-                                  <m:ctrlPr>
-                                    <a:rPr lang="en-US" sz="8000" i="1" smtClean="0">
-                                      <a:latin typeface="Cambria Math" panose="02040503050406030204" pitchFamily="18" charset="0"/>
-                                      <a:ea typeface="Cambria Math" panose="02040503050406030204" pitchFamily="18" charset="0"/>
-                                    </a:rPr>
-                                  </m:ctrlPr>
-                                </m:sSupPr>
-                                <m:e>
-                                  <m:r>
-                                    <a:rPr lang="en-US" sz="8000" b="0" i="1" smtClean="0">
-                                      <a:latin typeface="Cambria Math" panose="02040503050406030204" pitchFamily="18" charset="0"/>
-                                      <a:ea typeface="Cambria Math" panose="02040503050406030204" pitchFamily="18" charset="0"/>
-                                    </a:rPr>
-                                    <m:t>𝐿</m:t>
-                                  </m:r>
-                                </m:e>
-                                <m:sup>
-                                  <m:d>
-                                    <m:dPr>
-                                      <m:ctrlPr>
-                                        <a:rPr lang="en-US" sz="8000" b="0" i="1" smtClean="0">
-                                          <a:latin typeface="Cambria Math" panose="02040503050406030204" pitchFamily="18" charset="0"/>
-                                          <a:ea typeface="Cambria Math" panose="02040503050406030204" pitchFamily="18" charset="0"/>
-                                        </a:rPr>
-                                      </m:ctrlPr>
-                                    </m:dPr>
-                                    <m:e>
-                                      <m:r>
-                                        <a:rPr lang="en-US" sz="8000" b="0" i="1" smtClean="0">
-                                          <a:latin typeface="Cambria Math" panose="02040503050406030204" pitchFamily="18" charset="0"/>
-                                          <a:ea typeface="Cambria Math" panose="02040503050406030204" pitchFamily="18" charset="0"/>
-                                        </a:rPr>
-                                        <m:t>𝑖</m:t>
-                                      </m:r>
-                                    </m:e>
-                                  </m:d>
-                                </m:sup>
-                              </m:sSup>
-                            </m:num>
-                            <m:den>
-                              <m:r>
-                                <a:rPr lang="en-US" sz="8000" i="1">
-                                  <a:latin typeface="Cambria Math" panose="02040503050406030204" pitchFamily="18" charset="0"/>
-                                  <a:ea typeface="Cambria Math" panose="02040503050406030204" pitchFamily="18" charset="0"/>
-                                </a:rPr>
-                                <m:t>𝜕</m:t>
-                              </m:r>
-                              <m:sSub>
-                                <m:sSubPr>
-                                  <m:ctrlPr>
-                                    <a:rPr lang="en-US" sz="8000" i="1">
-                                      <a:latin typeface="Cambria Math" panose="02040503050406030204" pitchFamily="18" charset="0"/>
-                                      <a:ea typeface="Cambria Math" panose="02040503050406030204" pitchFamily="18" charset="0"/>
-                                    </a:rPr>
-                                  </m:ctrlPr>
-                                </m:sSubPr>
-                                <m:e>
-                                  <m:r>
-                                    <a:rPr lang="en-US" sz="8000" i="1">
-                                      <a:latin typeface="Cambria Math" panose="02040503050406030204" pitchFamily="18" charset="0"/>
-                                      <a:ea typeface="Cambria Math" panose="02040503050406030204" pitchFamily="18" charset="0"/>
-                                    </a:rPr>
-                                    <m:t>𝑤</m:t>
-                                  </m:r>
-                                </m:e>
-                                <m:sub>
-                                  <m:r>
-                                    <a:rPr lang="en-US" sz="8000" i="1">
-                                      <a:latin typeface="Cambria Math" panose="02040503050406030204" pitchFamily="18" charset="0"/>
-                                      <a:ea typeface="Cambria Math" panose="02040503050406030204" pitchFamily="18" charset="0"/>
-                                    </a:rPr>
-                                    <m:t>𝑘</m:t>
-                                  </m:r>
-                                </m:sub>
-                              </m:sSub>
-                            </m:den>
-                          </m:f>
-                          <m:r>
-                            <a:rPr lang="en-US" sz="8000" b="1" i="1" smtClean="0">
-                              <a:latin typeface="Cambria Math" panose="02040503050406030204" pitchFamily="18" charset="0"/>
-                              <a:ea typeface="Cambria Math" panose="02040503050406030204" pitchFamily="18" charset="0"/>
-                            </a:rPr>
-                            <m:t>)</m:t>
-                          </m:r>
-                        </m:e>
-                      </m:nary>
-                      <m:r>
-                        <a:rPr lang="en-US" sz="8000" b="1" i="1" smtClean="0">
-                          <a:latin typeface="Cambria Math" panose="02040503050406030204" pitchFamily="18" charset="0"/>
-                        </a:rPr>
-                        <m:t>−</m:t>
-                      </m:r>
-                      <m:r>
-                        <a:rPr lang="en-US" sz="8000" i="1">
-                          <a:latin typeface="Cambria Math" panose="02040503050406030204" pitchFamily="18" charset="0"/>
-                          <a:ea typeface="Cambria Math" panose="02040503050406030204" pitchFamily="18" charset="0"/>
-                        </a:rPr>
-                        <m:t>𝛼</m:t>
-                      </m:r>
-                      <m:r>
-                        <a:rPr lang="en-US" sz="8000" b="0" i="1" smtClean="0">
-                          <a:latin typeface="Cambria Math" panose="02040503050406030204" pitchFamily="18" charset="0"/>
-                          <a:ea typeface="Cambria Math" panose="02040503050406030204" pitchFamily="18" charset="0"/>
-                        </a:rPr>
-                        <m:t>𝜆</m:t>
-                      </m:r>
-                      <m:sSub>
-                        <m:sSubPr>
-                          <m:ctrlPr>
-                            <a:rPr lang="en-US" sz="8000" i="1">
-                              <a:latin typeface="Cambria Math" panose="02040503050406030204" pitchFamily="18" charset="0"/>
-                              <a:ea typeface="Cambria Math" panose="02040503050406030204" pitchFamily="18" charset="0"/>
-                            </a:rPr>
-                          </m:ctrlPr>
-                        </m:sSubPr>
-                        <m:e>
-                          <m:r>
-                            <a:rPr lang="en-US" sz="8000" i="1">
-                              <a:latin typeface="Cambria Math" panose="02040503050406030204" pitchFamily="18" charset="0"/>
-                              <a:ea typeface="Cambria Math" panose="02040503050406030204" pitchFamily="18" charset="0"/>
-                            </a:rPr>
-                            <m:t>𝑤</m:t>
-                          </m:r>
-                        </m:e>
-                        <m:sub>
-                          <m:r>
-                            <a:rPr lang="en-US" sz="8000" i="1">
-                              <a:latin typeface="Cambria Math" panose="02040503050406030204" pitchFamily="18" charset="0"/>
-                              <a:ea typeface="Cambria Math" panose="02040503050406030204" pitchFamily="18" charset="0"/>
-                            </a:rPr>
-                            <m:t>𝑘</m:t>
-                          </m:r>
-                        </m:sub>
-                      </m:sSub>
-                    </m:oMath>
-                  </m:oMathPara>
-                </a14:m>
-                <a:endParaRPr lang="en-US" sz="8000" dirty="0"/>
-              </a:p>
-            </p:txBody>
-          </p:sp>
-        </mc:Choice>
-        <mc:Fallback xmlns="">
-          <p:sp>
-            <p:nvSpPr>
-              <p:cNvPr id="12" name="Rectangle 11">
-                <a:extLst>
-                  <a:ext uri="{FF2B5EF4-FFF2-40B4-BE49-F238E27FC236}">
-                    <a16:creationId xmlns:a16="http://schemas.microsoft.com/office/drawing/2014/main" id="{210C0A75-3159-4E05-B62A-A10C57B2E31E}"/>
-                  </a:ext>
-                </a:extLst>
-              </p:cNvPr>
-              <p:cNvSpPr>
-                <a:spLocks noRot="1" noChangeAspect="1" noMove="1" noResize="1" noEditPoints="1" noAdjustHandles="1" noChangeArrowheads="1" noChangeShapeType="1" noTextEdit="1"/>
-              </p:cNvSpPr>
-              <p:nvPr/>
-            </p:nvSpPr>
-            <p:spPr>
-              <a:xfrm>
-                <a:off x="17526000" y="13832964"/>
-                <a:ext cx="15275079" cy="3554948"/>
-              </a:xfrm>
-              <a:prstGeom prst="rect">
-                <a:avLst/>
-              </a:prstGeom>
-              <a:blipFill>
-                <a:blip r:embed="rId5"/>
-                <a:stretch>
-                  <a:fillRect/>
-                </a:stretch>
-              </a:blipFill>
-            </p:spPr>
-            <p:txBody>
-              <a:bodyPr/>
-              <a:lstStyle/>
-              <a:p>
-                <a:r>
-                  <a:rPr lang="en-US">
-                    <a:noFill/>
-                  </a:rPr>
-                  <a:t> </a:t>
-                </a:r>
-              </a:p>
-            </p:txBody>
-          </p:sp>
-        </mc:Fallback>
-      </mc:AlternateContent>
-      <p:sp>
-        <p:nvSpPr>
-          <p:cNvPr id="6" name="Rectangle 5">
-            <a:extLst>
-              <a:ext uri="{FF2B5EF4-FFF2-40B4-BE49-F238E27FC236}">
-                <a16:creationId xmlns:a16="http://schemas.microsoft.com/office/drawing/2014/main" id="{A9A4F262-85E5-4868-82E0-63BA90EE02E0}"/>
-              </a:ext>
-            </a:extLst>
-          </p:cNvPr>
-          <p:cNvSpPr/>
-          <p:nvPr/>
-        </p:nvSpPr>
-        <p:spPr>
-          <a:xfrm>
-            <a:off x="28576846" y="16926247"/>
-            <a:ext cx="4224233" cy="923330"/>
-          </a:xfrm>
-          <a:prstGeom prst="rect">
-            <a:avLst/>
-          </a:prstGeom>
-        </p:spPr>
-        <p:txBody>
-          <a:bodyPr wrap="none">
-            <a:spAutoFit/>
-          </a:bodyPr>
-          <a:lstStyle/>
-          <a:p>
-            <a:r>
-              <a:rPr lang="en-US" dirty="0"/>
-              <a:t>weight decay</a:t>
-            </a:r>
-          </a:p>
-        </p:txBody>
-      </p:sp>
-    </p:spTree>
-    <p:extLst>
-      <p:ext uri="{BB962C8B-B14F-4D97-AF65-F5344CB8AC3E}">
-        <p14:creationId xmlns:p14="http://schemas.microsoft.com/office/powerpoint/2010/main" val="3424829221"/>
-      </p:ext>
-    </p:extLst>
-  </p:cSld>
-  <p:clrMapOvr>
-    <a:masterClrMapping/>
-  </p:clrMapOvr>
-</p:sld>
-</file>
-
-<file path=ppt/slides/slide31.xml><?xml version="1.0" encoding="utf-8"?>
-<p:sld xmlns:a="http://schemas.openxmlformats.org/drawingml/2006/main" xmlns:r="http://schemas.openxmlformats.org/officeDocument/2006/relationships" xmlns:p="http://schemas.openxmlformats.org/presentationml/2006/main">
-  <p:cSld>
-    <p:spTree>
-      <p:nvGrpSpPr>
-        <p:cNvPr id="1" name=""/>
-        <p:cNvGrpSpPr/>
-        <p:nvPr/>
-      </p:nvGrpSpPr>
-      <p:grpSpPr>
-        <a:xfrm>
-          <a:off x="0" y="0"/>
-          <a:ext cx="0" cy="0"/>
-          <a:chOff x="0" y="0"/>
-          <a:chExt cx="0" cy="0"/>
-        </a:xfrm>
-      </p:grpSpPr>
-      <p:sp>
-        <p:nvSpPr>
-          <p:cNvPr id="3" name="Slide Number Placeholder 2">
-            <a:extLst>
-              <a:ext uri="{FF2B5EF4-FFF2-40B4-BE49-F238E27FC236}">
-                <a16:creationId xmlns:a16="http://schemas.microsoft.com/office/drawing/2014/main" id="{2775A7A5-BE09-4B16-9B7E-76739EAC8746}"/>
-              </a:ext>
-            </a:extLst>
-          </p:cNvPr>
-          <p:cNvSpPr>
-            <a:spLocks noGrp="1"/>
-          </p:cNvSpPr>
-          <p:nvPr>
-            <p:ph type="sldNum" sz="quarter" idx="4"/>
-          </p:nvPr>
-        </p:nvSpPr>
-        <p:spPr/>
-        <p:txBody>
-          <a:bodyPr/>
-          <a:lstStyle/>
-          <a:p>
-            <a:pPr>
-              <a:defRPr/>
-            </a:pPr>
-            <a:fld id="{49C0EE74-1F2C-4D2D-91EC-B282DFC749DA}" type="slidenum">
-              <a:rPr lang="en-US" smtClean="0"/>
-              <a:pPr>
-                <a:defRPr/>
-              </a:pPr>
-              <a:t>31</a:t>
-            </a:fld>
-            <a:endParaRPr lang="en-US"/>
-          </a:p>
-        </p:txBody>
-      </p:sp>
-      <p:sp>
-        <p:nvSpPr>
-          <p:cNvPr id="4" name="Title 3">
-            <a:extLst>
-              <a:ext uri="{FF2B5EF4-FFF2-40B4-BE49-F238E27FC236}">
-                <a16:creationId xmlns:a16="http://schemas.microsoft.com/office/drawing/2014/main" id="{06F036A1-6E39-480B-95CC-54046C834CD5}"/>
-              </a:ext>
-            </a:extLst>
-          </p:cNvPr>
-          <p:cNvSpPr>
-            <a:spLocks noGrp="1"/>
-          </p:cNvSpPr>
-          <p:nvPr>
-            <p:ph type="title"/>
-          </p:nvPr>
-        </p:nvSpPr>
-        <p:spPr>
-          <a:xfrm>
-            <a:off x="1686822" y="433395"/>
-            <a:ext cx="25465778" cy="2538411"/>
-          </a:xfrm>
-        </p:spPr>
-        <p:txBody>
-          <a:bodyPr/>
-          <a:lstStyle/>
-          <a:p>
-            <a:r>
-              <a:rPr lang="en-US" dirty="0"/>
-              <a:t>L1 Regularization</a:t>
-            </a:r>
-          </a:p>
-        </p:txBody>
-      </p:sp>
-      <mc:AlternateContent xmlns:mc="http://schemas.openxmlformats.org/markup-compatibility/2006" xmlns:a14="http://schemas.microsoft.com/office/drawing/2010/main">
-        <mc:Choice Requires="a14">
-          <p:sp>
-            <p:nvSpPr>
-              <p:cNvPr id="38" name="Rectangle 37">
-                <a:extLst>
-                  <a:ext uri="{FF2B5EF4-FFF2-40B4-BE49-F238E27FC236}">
-                    <a16:creationId xmlns:a16="http://schemas.microsoft.com/office/drawing/2014/main" id="{325FB88C-D1C7-4449-A8EC-BE11D05D0AD5}"/>
-                  </a:ext>
-                </a:extLst>
-              </p:cNvPr>
-              <p:cNvSpPr/>
-              <p:nvPr/>
-            </p:nvSpPr>
-            <p:spPr>
-              <a:xfrm>
-                <a:off x="12147589" y="4577983"/>
-                <a:ext cx="11229549" cy="3554948"/>
-              </a:xfrm>
-              <a:prstGeom prst="rect">
-                <a:avLst/>
-              </a:prstGeom>
-            </p:spPr>
-            <p:txBody>
-              <a:bodyPr wrap="none">
-                <a:spAutoFit/>
-              </a:bodyPr>
-              <a:lstStyle/>
-              <a:p>
-                <a:pPr/>
-                <a14:m>
-                  <m:oMathPara xmlns:m="http://schemas.openxmlformats.org/officeDocument/2006/math">
-                    <m:oMathParaPr>
-                      <m:jc m:val="centerGroup"/>
-                    </m:oMathParaPr>
-                    <m:oMath xmlns:m="http://schemas.openxmlformats.org/officeDocument/2006/math">
-                      <m:r>
-                        <a:rPr lang="en-US" sz="8000" i="1" smtClean="0">
-                          <a:latin typeface="Cambria Math" panose="02040503050406030204" pitchFamily="18" charset="0"/>
-                        </a:rPr>
-                        <m:t>𝐿</m:t>
-                      </m:r>
-                      <m:r>
-                        <a:rPr lang="en-US" sz="8000">
-                          <a:latin typeface="Cambria Math" panose="02040503050406030204" pitchFamily="18" charset="0"/>
-                        </a:rPr>
-                        <m:t>=</m:t>
-                      </m:r>
-                      <m:f>
-                        <m:fPr>
-                          <m:ctrlPr>
-                            <a:rPr lang="en-US" sz="8000" i="1">
-                              <a:latin typeface="Cambria Math" panose="02040503050406030204" pitchFamily="18" charset="0"/>
-                            </a:rPr>
-                          </m:ctrlPr>
-                        </m:fPr>
-                        <m:num>
-                          <m:r>
-                            <a:rPr lang="en-US" sz="8000" i="1">
-                              <a:latin typeface="Cambria Math" panose="02040503050406030204" pitchFamily="18" charset="0"/>
-                            </a:rPr>
-                            <m:t>1</m:t>
-                          </m:r>
-                        </m:num>
-                        <m:den>
-                          <m:r>
-                            <a:rPr lang="en-US" sz="8000" i="1">
-                              <a:latin typeface="Cambria Math" panose="02040503050406030204" pitchFamily="18" charset="0"/>
-                            </a:rPr>
-                            <m:t>𝐵</m:t>
-                          </m:r>
-                        </m:den>
-                      </m:f>
-                      <m:nary>
-                        <m:naryPr>
-                          <m:chr m:val="∑"/>
-                          <m:ctrlPr>
-                            <a:rPr lang="en-US" sz="8000" b="1" i="1">
-                              <a:latin typeface="Cambria Math" panose="02040503050406030204" pitchFamily="18" charset="0"/>
-                            </a:rPr>
-                          </m:ctrlPr>
-                        </m:naryPr>
-                        <m:sub>
-                          <m:r>
-                            <m:rPr>
-                              <m:brk m:alnAt="23"/>
-                            </m:rPr>
-                            <a:rPr lang="en-US" sz="8000" i="1">
-                              <a:latin typeface="Cambria Math" panose="02040503050406030204" pitchFamily="18" charset="0"/>
-                            </a:rPr>
-                            <m:t>𝑖</m:t>
-                          </m:r>
-                          <m:r>
-                            <a:rPr lang="en-US" sz="8000" i="1">
-                              <a:latin typeface="Cambria Math" panose="02040503050406030204" pitchFamily="18" charset="0"/>
-                            </a:rPr>
-                            <m:t>=0</m:t>
-                          </m:r>
-                        </m:sub>
-                        <m:sup>
-                          <m:r>
-                            <a:rPr lang="en-US" sz="8000" i="1">
-                              <a:latin typeface="Cambria Math" panose="02040503050406030204" pitchFamily="18" charset="0"/>
-                            </a:rPr>
-                            <m:t>𝐵</m:t>
-                          </m:r>
-                          <m:r>
-                            <a:rPr lang="en-US" sz="8000" i="1">
-                              <a:latin typeface="Cambria Math" panose="02040503050406030204" pitchFamily="18" charset="0"/>
-                            </a:rPr>
-                            <m:t>−1</m:t>
-                          </m:r>
-                        </m:sup>
-                        <m:e>
-                          <m:sSup>
-                            <m:sSupPr>
-                              <m:ctrlPr>
-                                <a:rPr lang="en-US" sz="8000" b="1" i="1">
-                                  <a:latin typeface="Cambria Math" panose="02040503050406030204" pitchFamily="18" charset="0"/>
-                                </a:rPr>
-                              </m:ctrlPr>
-                            </m:sSupPr>
-                            <m:e>
-                              <m:r>
-                                <a:rPr lang="en-US" sz="8000" b="0" i="1" smtClean="0">
-                                  <a:latin typeface="Cambria Math" panose="02040503050406030204" pitchFamily="18" charset="0"/>
-                                </a:rPr>
-                                <m:t>𝐿</m:t>
-                              </m:r>
-                            </m:e>
-                            <m:sup>
-                              <m:d>
-                                <m:dPr>
-                                  <m:ctrlPr>
-                                    <a:rPr lang="en-US" sz="8000" b="1" i="1">
-                                      <a:latin typeface="Cambria Math" panose="02040503050406030204" pitchFamily="18" charset="0"/>
-                                    </a:rPr>
-                                  </m:ctrlPr>
-                                </m:dPr>
-                                <m:e>
-                                  <m:r>
-                                    <a:rPr lang="en-US" sz="8000" b="1" i="1">
-                                      <a:latin typeface="Cambria Math" panose="02040503050406030204" pitchFamily="18" charset="0"/>
-                                    </a:rPr>
-                                    <m:t>𝒊</m:t>
-                                  </m:r>
-                                </m:e>
-                              </m:d>
-                            </m:sup>
-                          </m:sSup>
-                        </m:e>
-                      </m:nary>
-                      <m:r>
-                        <a:rPr lang="en-US" sz="8000" b="1" i="1" smtClean="0">
-                          <a:latin typeface="Cambria Math" panose="02040503050406030204" pitchFamily="18" charset="0"/>
-                        </a:rPr>
-                        <m:t>+</m:t>
-                      </m:r>
-                      <m:f>
-                        <m:fPr>
-                          <m:ctrlPr>
-                            <a:rPr lang="en-US" sz="8000" i="1" smtClean="0">
-                              <a:latin typeface="Cambria Math" panose="02040503050406030204" pitchFamily="18" charset="0"/>
-                            </a:rPr>
-                          </m:ctrlPr>
-                        </m:fPr>
-                        <m:num>
-                          <m:r>
-                            <a:rPr lang="en-US" sz="8000" b="0" i="1">
-                              <a:latin typeface="Cambria Math" panose="02040503050406030204" pitchFamily="18" charset="0"/>
-                              <a:ea typeface="Cambria Math" panose="02040503050406030204" pitchFamily="18" charset="0"/>
-                            </a:rPr>
-                            <m:t>𝜆</m:t>
-                          </m:r>
-                        </m:num>
-                        <m:den>
-                          <m:r>
-                            <a:rPr lang="en-US" sz="8000" b="0" i="1" smtClean="0">
-                              <a:latin typeface="Cambria Math" panose="02040503050406030204" pitchFamily="18" charset="0"/>
-                            </a:rPr>
-                            <m:t>2</m:t>
-                          </m:r>
-                        </m:den>
-                      </m:f>
-                      <m:sSub>
-                        <m:sSubPr>
-                          <m:ctrlPr>
-                            <a:rPr lang="en-US" sz="8000" b="1" i="1" smtClean="0">
-                              <a:latin typeface="Cambria Math" panose="02040503050406030204" pitchFamily="18" charset="0"/>
-                            </a:rPr>
-                          </m:ctrlPr>
-                        </m:sSubPr>
-                        <m:e>
-                          <m:d>
-                            <m:dPr>
-                              <m:begChr m:val="‖"/>
-                              <m:endChr m:val="‖"/>
-                              <m:ctrlPr>
-                                <a:rPr lang="en-US" sz="8000" i="1">
-                                  <a:latin typeface="Cambria Math" panose="02040503050406030204" pitchFamily="18" charset="0"/>
-                                  <a:ea typeface="Cambria Math" panose="02040503050406030204" pitchFamily="18" charset="0"/>
-                                </a:rPr>
-                              </m:ctrlPr>
-                            </m:dPr>
-                            <m:e>
-                              <m:r>
-                                <a:rPr lang="en-US" sz="8000" b="1" i="1">
-                                  <a:latin typeface="Cambria Math" panose="02040503050406030204" pitchFamily="18" charset="0"/>
-                                  <a:ea typeface="Cambria Math" panose="02040503050406030204" pitchFamily="18" charset="0"/>
-                                </a:rPr>
-                                <m:t>𝑾</m:t>
-                              </m:r>
-                            </m:e>
-                          </m:d>
-                        </m:e>
-                        <m:sub>
-                          <m:r>
-                            <a:rPr lang="en-US" sz="8000" b="1" i="1" smtClean="0">
-                              <a:latin typeface="Cambria Math" panose="02040503050406030204" pitchFamily="18" charset="0"/>
-                            </a:rPr>
-                            <m:t>𝟏</m:t>
-                          </m:r>
-                        </m:sub>
-                      </m:sSub>
-                    </m:oMath>
-                  </m:oMathPara>
-                </a14:m>
-                <a:endParaRPr lang="en-US" sz="8000" dirty="0"/>
-              </a:p>
-            </p:txBody>
-          </p:sp>
-        </mc:Choice>
-        <mc:Fallback xmlns="">
-          <p:sp>
-            <p:nvSpPr>
-              <p:cNvPr id="38" name="Rectangle 37">
-                <a:extLst>
-                  <a:ext uri="{FF2B5EF4-FFF2-40B4-BE49-F238E27FC236}">
-                    <a16:creationId xmlns:a16="http://schemas.microsoft.com/office/drawing/2014/main" id="{325FB88C-D1C7-4449-A8EC-BE11D05D0AD5}"/>
-                  </a:ext>
-                </a:extLst>
-              </p:cNvPr>
-              <p:cNvSpPr>
-                <a:spLocks noRot="1" noChangeAspect="1" noMove="1" noResize="1" noEditPoints="1" noAdjustHandles="1" noChangeArrowheads="1" noChangeShapeType="1" noTextEdit="1"/>
-              </p:cNvSpPr>
-              <p:nvPr/>
-            </p:nvSpPr>
-            <p:spPr>
-              <a:xfrm>
-                <a:off x="12147589" y="4577983"/>
-                <a:ext cx="11229549" cy="3554948"/>
-              </a:xfrm>
-              <a:prstGeom prst="rect">
-                <a:avLst/>
-              </a:prstGeom>
-              <a:blipFill>
-                <a:blip r:embed="rId2"/>
-                <a:stretch>
-                  <a:fillRect/>
-                </a:stretch>
-              </a:blipFill>
-            </p:spPr>
-            <p:txBody>
-              <a:bodyPr/>
-              <a:lstStyle/>
-              <a:p>
-                <a:r>
-                  <a:rPr lang="en-US">
-                    <a:noFill/>
-                  </a:rPr>
-                  <a:t> </a:t>
-                </a:r>
-              </a:p>
-            </p:txBody>
-          </p:sp>
-        </mc:Fallback>
-      </mc:AlternateContent>
-      <p:sp>
-        <p:nvSpPr>
-          <p:cNvPr id="10" name="TextBox 9">
-            <a:extLst>
-              <a:ext uri="{FF2B5EF4-FFF2-40B4-BE49-F238E27FC236}">
-                <a16:creationId xmlns:a16="http://schemas.microsoft.com/office/drawing/2014/main" id="{37DECE8D-4B49-4DB8-8543-1B16CF4B7087}"/>
-              </a:ext>
-            </a:extLst>
-          </p:cNvPr>
-          <p:cNvSpPr txBox="1"/>
-          <p:nvPr/>
-        </p:nvSpPr>
-        <p:spPr>
-          <a:xfrm>
-            <a:off x="10287000" y="10697865"/>
-            <a:ext cx="22021804" cy="1754326"/>
-          </a:xfrm>
-          <a:prstGeom prst="rect">
-            <a:avLst/>
-          </a:prstGeom>
-          <a:noFill/>
-        </p:spPr>
-        <p:txBody>
-          <a:bodyPr wrap="square" rtlCol="0">
-            <a:spAutoFit/>
-          </a:bodyPr>
-          <a:lstStyle/>
-          <a:p>
-            <a:r>
-              <a:rPr lang="en-US" dirty="0"/>
-              <a:t>For all parameters in the model, flatten them and computing the element-wise absolute value</a:t>
-            </a:r>
-          </a:p>
-        </p:txBody>
-      </p:sp>
-      <mc:AlternateContent xmlns:mc="http://schemas.openxmlformats.org/markup-compatibility/2006" xmlns:a14="http://schemas.microsoft.com/office/drawing/2010/main">
-        <mc:Choice Requires="a14">
-          <p:sp>
-            <p:nvSpPr>
-              <p:cNvPr id="2" name="Rectangle 1">
-                <a:extLst>
-                  <a:ext uri="{FF2B5EF4-FFF2-40B4-BE49-F238E27FC236}">
-                    <a16:creationId xmlns:a16="http://schemas.microsoft.com/office/drawing/2014/main" id="{B2305C26-FFEA-44A0-8736-257ED013F09A}"/>
-                  </a:ext>
-                </a:extLst>
-              </p:cNvPr>
-              <p:cNvSpPr/>
-              <p:nvPr/>
-            </p:nvSpPr>
-            <p:spPr>
-              <a:xfrm>
-                <a:off x="4267196" y="9829801"/>
-                <a:ext cx="5298822" cy="2429639"/>
-              </a:xfrm>
-              <a:prstGeom prst="rect">
-                <a:avLst/>
-              </a:prstGeom>
-            </p:spPr>
-            <p:txBody>
-              <a:bodyPr wrap="none">
-                <a:spAutoFit/>
-              </a:bodyPr>
-              <a:lstStyle/>
-              <a:p>
-                <a:pPr/>
-                <a14:m>
-                  <m:oMathPara xmlns:m="http://schemas.openxmlformats.org/officeDocument/2006/math">
-                    <m:oMathParaPr>
-                      <m:jc m:val="centerGroup"/>
-                    </m:oMathParaPr>
-                    <m:oMath xmlns:m="http://schemas.openxmlformats.org/officeDocument/2006/math">
-                      <m:sSub>
-                        <m:sSubPr>
-                          <m:ctrlPr>
-                            <a:rPr lang="en-US" b="1" i="1">
-                              <a:latin typeface="Cambria Math" panose="02040503050406030204" pitchFamily="18" charset="0"/>
-                            </a:rPr>
-                          </m:ctrlPr>
-                        </m:sSubPr>
-                        <m:e>
-                          <m:d>
-                            <m:dPr>
-                              <m:begChr m:val="‖"/>
-                              <m:endChr m:val="‖"/>
-                              <m:ctrlPr>
-                                <a:rPr lang="en-US" i="1">
-                                  <a:latin typeface="Cambria Math" panose="02040503050406030204" pitchFamily="18" charset="0"/>
-                                  <a:ea typeface="Cambria Math" panose="02040503050406030204" pitchFamily="18" charset="0"/>
-                                </a:rPr>
-                              </m:ctrlPr>
-                            </m:dPr>
-                            <m:e>
-                              <m:r>
-                                <a:rPr lang="en-US" b="1" i="1">
-                                  <a:latin typeface="Cambria Math" panose="02040503050406030204" pitchFamily="18" charset="0"/>
-                                  <a:ea typeface="Cambria Math" panose="02040503050406030204" pitchFamily="18" charset="0"/>
-                                </a:rPr>
-                                <m:t>𝑾</m:t>
-                              </m:r>
-                            </m:e>
-                          </m:d>
-                        </m:e>
-                        <m:sub>
-                          <m:r>
-                            <a:rPr lang="en-US" b="1" i="1">
-                              <a:latin typeface="Cambria Math" panose="02040503050406030204" pitchFamily="18" charset="0"/>
-                            </a:rPr>
-                            <m:t>𝟏</m:t>
-                          </m:r>
-                        </m:sub>
-                      </m:sSub>
-                      <m:r>
-                        <a:rPr lang="en-US" b="0" i="1" smtClean="0">
-                          <a:latin typeface="Cambria Math" panose="02040503050406030204" pitchFamily="18" charset="0"/>
-                          <a:ea typeface="Cambria Math" panose="02040503050406030204" pitchFamily="18" charset="0"/>
-                        </a:rPr>
-                        <m:t>=</m:t>
-                      </m:r>
-                      <m:nary>
-                        <m:naryPr>
-                          <m:chr m:val="∑"/>
-                          <m:ctrlPr>
-                            <a:rPr lang="en-US" b="0" i="1" smtClean="0">
-                              <a:latin typeface="Cambria Math" panose="02040503050406030204" pitchFamily="18" charset="0"/>
-                              <a:ea typeface="Cambria Math" panose="02040503050406030204" pitchFamily="18" charset="0"/>
-                            </a:rPr>
-                          </m:ctrlPr>
-                        </m:naryPr>
-                        <m:sub>
-                          <m:r>
-                            <m:rPr>
-                              <m:brk m:alnAt="23"/>
-                            </m:rPr>
-                            <a:rPr lang="en-US" b="0" i="1" smtClean="0">
-                              <a:latin typeface="Cambria Math" panose="02040503050406030204" pitchFamily="18" charset="0"/>
-                              <a:ea typeface="Cambria Math" panose="02040503050406030204" pitchFamily="18" charset="0"/>
-                            </a:rPr>
-                            <m:t>𝑘</m:t>
-                          </m:r>
-                          <m:r>
-                            <a:rPr lang="en-US" b="0" i="1" smtClean="0">
-                              <a:latin typeface="Cambria Math" panose="02040503050406030204" pitchFamily="18" charset="0"/>
-                              <a:ea typeface="Cambria Math" panose="02040503050406030204" pitchFamily="18" charset="0"/>
-                            </a:rPr>
-                            <m:t>=0</m:t>
-                          </m:r>
-                        </m:sub>
-                        <m:sup>
-                          <m:r>
-                            <a:rPr lang="en-US" b="0" i="1" smtClean="0">
-                              <a:latin typeface="Cambria Math" panose="02040503050406030204" pitchFamily="18" charset="0"/>
-                              <a:ea typeface="Cambria Math" panose="02040503050406030204" pitchFamily="18" charset="0"/>
-                            </a:rPr>
-                            <m:t>𝑃</m:t>
-                          </m:r>
-                          <m:r>
-                            <a:rPr lang="en-US" b="0" i="1" smtClean="0">
-                              <a:latin typeface="Cambria Math" panose="02040503050406030204" pitchFamily="18" charset="0"/>
-                              <a:ea typeface="Cambria Math" panose="02040503050406030204" pitchFamily="18" charset="0"/>
-                            </a:rPr>
-                            <m:t>−1</m:t>
-                          </m:r>
-                        </m:sup>
-                        <m:e>
-                          <m:d>
-                            <m:dPr>
-                              <m:begChr m:val="|"/>
-                              <m:endChr m:val="|"/>
-                              <m:ctrlPr>
-                                <a:rPr lang="en-US" b="0" i="1" smtClean="0">
-                                  <a:latin typeface="Cambria Math" panose="02040503050406030204" pitchFamily="18" charset="0"/>
-                                  <a:ea typeface="Cambria Math" panose="02040503050406030204" pitchFamily="18" charset="0"/>
-                                </a:rPr>
-                              </m:ctrlPr>
-                            </m:dPr>
-                            <m:e>
-                              <m:sSub>
-                                <m:sSubPr>
-                                  <m:ctrlPr>
-                                    <a:rPr lang="en-US" i="1">
-                                      <a:latin typeface="Cambria Math" panose="02040503050406030204" pitchFamily="18" charset="0"/>
-                                      <a:ea typeface="Cambria Math" panose="02040503050406030204" pitchFamily="18" charset="0"/>
-                                    </a:rPr>
-                                  </m:ctrlPr>
-                                </m:sSubPr>
-                                <m:e>
-                                  <m:r>
-                                    <a:rPr lang="en-US" i="1">
-                                      <a:latin typeface="Cambria Math" panose="02040503050406030204" pitchFamily="18" charset="0"/>
-                                      <a:ea typeface="Cambria Math" panose="02040503050406030204" pitchFamily="18" charset="0"/>
-                                    </a:rPr>
-                                    <m:t>𝑤</m:t>
-                                  </m:r>
-                                </m:e>
-                                <m:sub>
-                                  <m:r>
-                                    <a:rPr lang="en-US" i="1">
-                                      <a:latin typeface="Cambria Math" panose="02040503050406030204" pitchFamily="18" charset="0"/>
-                                      <a:ea typeface="Cambria Math" panose="02040503050406030204" pitchFamily="18" charset="0"/>
-                                    </a:rPr>
-                                    <m:t>𝑘</m:t>
-                                  </m:r>
-                                </m:sub>
-                              </m:sSub>
-                            </m:e>
-                          </m:d>
-                        </m:e>
-                      </m:nary>
-                    </m:oMath>
-                  </m:oMathPara>
-                </a14:m>
-                <a:endParaRPr lang="en-US" dirty="0"/>
-              </a:p>
-            </p:txBody>
-          </p:sp>
-        </mc:Choice>
-        <mc:Fallback xmlns="">
-          <p:sp>
-            <p:nvSpPr>
-              <p:cNvPr id="2" name="Rectangle 1">
-                <a:extLst>
-                  <a:ext uri="{FF2B5EF4-FFF2-40B4-BE49-F238E27FC236}">
-                    <a16:creationId xmlns:a16="http://schemas.microsoft.com/office/drawing/2014/main" id="{B2305C26-FFEA-44A0-8736-257ED013F09A}"/>
-                  </a:ext>
-                </a:extLst>
-              </p:cNvPr>
-              <p:cNvSpPr>
-                <a:spLocks noRot="1" noChangeAspect="1" noMove="1" noResize="1" noEditPoints="1" noAdjustHandles="1" noChangeArrowheads="1" noChangeShapeType="1" noTextEdit="1"/>
-              </p:cNvSpPr>
-              <p:nvPr/>
-            </p:nvSpPr>
-            <p:spPr>
-              <a:xfrm>
-                <a:off x="4267196" y="9829801"/>
-                <a:ext cx="5298822" cy="2429639"/>
-              </a:xfrm>
-              <a:prstGeom prst="rect">
-                <a:avLst/>
-              </a:prstGeom>
-              <a:blipFill>
-                <a:blip r:embed="rId3"/>
-                <a:stretch>
-                  <a:fillRect/>
-                </a:stretch>
-              </a:blipFill>
-            </p:spPr>
-            <p:txBody>
-              <a:bodyPr/>
-              <a:lstStyle/>
-              <a:p>
-                <a:r>
-                  <a:rPr lang="en-US">
-                    <a:noFill/>
-                  </a:rPr>
-                  <a:t> </a:t>
-                </a:r>
-              </a:p>
-            </p:txBody>
-          </p:sp>
-        </mc:Fallback>
-      </mc:AlternateContent>
-      <mc:AlternateContent xmlns:mc="http://schemas.openxmlformats.org/markup-compatibility/2006" xmlns:a14="http://schemas.microsoft.com/office/drawing/2010/main">
-        <mc:Choice Requires="a14">
-          <p:sp>
-            <p:nvSpPr>
-              <p:cNvPr id="11" name="Rectangle 10">
-                <a:extLst>
-                  <a:ext uri="{FF2B5EF4-FFF2-40B4-BE49-F238E27FC236}">
-                    <a16:creationId xmlns:a16="http://schemas.microsoft.com/office/drawing/2014/main" id="{659E3DDE-3958-4693-83A1-01FC950D5670}"/>
-                  </a:ext>
-                </a:extLst>
-              </p:cNvPr>
-              <p:cNvSpPr/>
-              <p:nvPr/>
-            </p:nvSpPr>
-            <p:spPr>
-              <a:xfrm>
-                <a:off x="4918094" y="13832964"/>
-                <a:ext cx="14161890" cy="3554948"/>
-              </a:xfrm>
-              <a:prstGeom prst="rect">
-                <a:avLst/>
-              </a:prstGeom>
-            </p:spPr>
-            <p:txBody>
-              <a:bodyPr wrap="none">
-                <a:spAutoFit/>
-              </a:bodyPr>
-              <a:lstStyle/>
-              <a:p>
-                <a:pPr/>
-                <a14:m>
-                  <m:oMathPara xmlns:m="http://schemas.openxmlformats.org/officeDocument/2006/math">
-                    <m:oMathParaPr>
-                      <m:jc m:val="centerGroup"/>
-                    </m:oMathParaPr>
-                    <m:oMath xmlns:m="http://schemas.openxmlformats.org/officeDocument/2006/math">
-                      <m:f>
-                        <m:fPr>
-                          <m:ctrlPr>
-                            <a:rPr lang="en-US" sz="8000" i="1" smtClean="0">
-                              <a:latin typeface="Cambria Math" panose="02040503050406030204" pitchFamily="18" charset="0"/>
-                            </a:rPr>
-                          </m:ctrlPr>
-                        </m:fPr>
-                        <m:num>
-                          <m:r>
-                            <a:rPr lang="en-US" sz="8000" i="1" smtClean="0">
-                              <a:latin typeface="Cambria Math" panose="02040503050406030204" pitchFamily="18" charset="0"/>
-                              <a:ea typeface="Cambria Math" panose="02040503050406030204" pitchFamily="18" charset="0"/>
-                            </a:rPr>
-                            <m:t>𝜕</m:t>
-                          </m:r>
-                          <m:r>
-                            <a:rPr lang="en-US" sz="8000" i="1">
-                              <a:latin typeface="Cambria Math" panose="02040503050406030204" pitchFamily="18" charset="0"/>
-                            </a:rPr>
-                            <m:t>𝐿</m:t>
-                          </m:r>
-                        </m:num>
-                        <m:den>
-                          <m:r>
-                            <a:rPr lang="en-US" sz="8000" i="1">
-                              <a:latin typeface="Cambria Math" panose="02040503050406030204" pitchFamily="18" charset="0"/>
-                              <a:ea typeface="Cambria Math" panose="02040503050406030204" pitchFamily="18" charset="0"/>
-                            </a:rPr>
-                            <m:t>𝜕</m:t>
-                          </m:r>
-                          <m:sSub>
-                            <m:sSubPr>
-                              <m:ctrlPr>
-                                <a:rPr lang="en-US" sz="8000" i="1" smtClean="0">
-                                  <a:latin typeface="Cambria Math" panose="02040503050406030204" pitchFamily="18" charset="0"/>
-                                  <a:ea typeface="Cambria Math" panose="02040503050406030204" pitchFamily="18" charset="0"/>
-                                </a:rPr>
-                              </m:ctrlPr>
-                            </m:sSubPr>
-                            <m:e>
-                              <m:r>
-                                <a:rPr lang="en-US" sz="8000" b="0" i="1" smtClean="0">
-                                  <a:latin typeface="Cambria Math" panose="02040503050406030204" pitchFamily="18" charset="0"/>
-                                  <a:ea typeface="Cambria Math" panose="02040503050406030204" pitchFamily="18" charset="0"/>
-                                </a:rPr>
-                                <m:t>𝑤</m:t>
-                              </m:r>
-                            </m:e>
-                            <m:sub>
-                              <m:r>
-                                <a:rPr lang="en-US" sz="8000" b="0" i="1" smtClean="0">
-                                  <a:latin typeface="Cambria Math" panose="02040503050406030204" pitchFamily="18" charset="0"/>
-                                  <a:ea typeface="Cambria Math" panose="02040503050406030204" pitchFamily="18" charset="0"/>
-                                </a:rPr>
-                                <m:t>𝑘</m:t>
-                              </m:r>
-                            </m:sub>
-                          </m:sSub>
-                        </m:den>
-                      </m:f>
-                      <m:r>
-                        <a:rPr lang="en-US" sz="8000">
-                          <a:latin typeface="Cambria Math" panose="02040503050406030204" pitchFamily="18" charset="0"/>
-                        </a:rPr>
-                        <m:t>=</m:t>
-                      </m:r>
-                      <m:f>
-                        <m:fPr>
-                          <m:ctrlPr>
-                            <a:rPr lang="en-US" sz="8000" i="1">
-                              <a:latin typeface="Cambria Math" panose="02040503050406030204" pitchFamily="18" charset="0"/>
-                            </a:rPr>
-                          </m:ctrlPr>
-                        </m:fPr>
-                        <m:num>
-                          <m:r>
-                            <a:rPr lang="en-US" sz="8000" i="1">
-                              <a:latin typeface="Cambria Math" panose="02040503050406030204" pitchFamily="18" charset="0"/>
-                            </a:rPr>
-                            <m:t>1</m:t>
-                          </m:r>
-                        </m:num>
-                        <m:den>
-                          <m:r>
-                            <a:rPr lang="en-US" sz="8000" i="1">
-                              <a:latin typeface="Cambria Math" panose="02040503050406030204" pitchFamily="18" charset="0"/>
-                            </a:rPr>
-                            <m:t>𝐵</m:t>
-                          </m:r>
-                        </m:den>
-                      </m:f>
-                      <m:nary>
-                        <m:naryPr>
-                          <m:chr m:val="∑"/>
-                          <m:ctrlPr>
-                            <a:rPr lang="en-US" sz="8000" b="1" i="1">
-                              <a:latin typeface="Cambria Math" panose="02040503050406030204" pitchFamily="18" charset="0"/>
-                            </a:rPr>
-                          </m:ctrlPr>
-                        </m:naryPr>
-                        <m:sub>
-                          <m:r>
-                            <m:rPr>
-                              <m:brk m:alnAt="23"/>
-                            </m:rPr>
-                            <a:rPr lang="en-US" sz="8000" i="1">
-                              <a:latin typeface="Cambria Math" panose="02040503050406030204" pitchFamily="18" charset="0"/>
-                            </a:rPr>
-                            <m:t>𝑖</m:t>
-                          </m:r>
-                          <m:r>
-                            <a:rPr lang="en-US" sz="8000" i="1">
-                              <a:latin typeface="Cambria Math" panose="02040503050406030204" pitchFamily="18" charset="0"/>
-                            </a:rPr>
-                            <m:t>=0</m:t>
-                          </m:r>
-                        </m:sub>
-                        <m:sup>
-                          <m:r>
-                            <a:rPr lang="en-US" sz="8000" i="1">
-                              <a:latin typeface="Cambria Math" panose="02040503050406030204" pitchFamily="18" charset="0"/>
-                            </a:rPr>
-                            <m:t>𝐵</m:t>
-                          </m:r>
-                          <m:r>
-                            <a:rPr lang="en-US" sz="8000" i="1">
-                              <a:latin typeface="Cambria Math" panose="02040503050406030204" pitchFamily="18" charset="0"/>
-                            </a:rPr>
-                            <m:t>−1</m:t>
-                          </m:r>
-                        </m:sup>
-                        <m:e>
-                          <m:f>
-                            <m:fPr>
-                              <m:ctrlPr>
-                                <a:rPr lang="en-US" sz="8000" i="1">
-                                  <a:latin typeface="Cambria Math" panose="02040503050406030204" pitchFamily="18" charset="0"/>
-                                </a:rPr>
-                              </m:ctrlPr>
-                            </m:fPr>
-                            <m:num>
-                              <m:r>
-                                <a:rPr lang="en-US" sz="8000" i="1">
-                                  <a:latin typeface="Cambria Math" panose="02040503050406030204" pitchFamily="18" charset="0"/>
-                                  <a:ea typeface="Cambria Math" panose="02040503050406030204" pitchFamily="18" charset="0"/>
-                                </a:rPr>
-                                <m:t>𝜕</m:t>
-                              </m:r>
-                              <m:sSup>
-                                <m:sSupPr>
-                                  <m:ctrlPr>
-                                    <a:rPr lang="en-US" sz="8000" i="1" smtClean="0">
-                                      <a:latin typeface="Cambria Math" panose="02040503050406030204" pitchFamily="18" charset="0"/>
-                                      <a:ea typeface="Cambria Math" panose="02040503050406030204" pitchFamily="18" charset="0"/>
-                                    </a:rPr>
-                                  </m:ctrlPr>
-                                </m:sSupPr>
-                                <m:e>
-                                  <m:r>
-                                    <a:rPr lang="en-US" sz="8000" b="0" i="1" smtClean="0">
-                                      <a:latin typeface="Cambria Math" panose="02040503050406030204" pitchFamily="18" charset="0"/>
-                                      <a:ea typeface="Cambria Math" panose="02040503050406030204" pitchFamily="18" charset="0"/>
-                                    </a:rPr>
-                                    <m:t>𝐿</m:t>
-                                  </m:r>
-                                </m:e>
-                                <m:sup>
-                                  <m:r>
-                                    <a:rPr lang="en-US" sz="8000" b="0" i="1" smtClean="0">
-                                      <a:latin typeface="Cambria Math" panose="02040503050406030204" pitchFamily="18" charset="0"/>
-                                      <a:ea typeface="Cambria Math" panose="02040503050406030204" pitchFamily="18" charset="0"/>
-                                    </a:rPr>
-                                    <m:t>(</m:t>
-                                  </m:r>
-                                  <m:r>
-                                    <a:rPr lang="en-US" sz="8000" b="0" i="1" smtClean="0">
-                                      <a:latin typeface="Cambria Math" panose="02040503050406030204" pitchFamily="18" charset="0"/>
-                                      <a:ea typeface="Cambria Math" panose="02040503050406030204" pitchFamily="18" charset="0"/>
-                                    </a:rPr>
-                                    <m:t>𝑖</m:t>
-                                  </m:r>
-                                  <m:r>
-                                    <a:rPr lang="en-US" sz="8000" b="0" i="1" smtClean="0">
-                                      <a:latin typeface="Cambria Math" panose="02040503050406030204" pitchFamily="18" charset="0"/>
-                                      <a:ea typeface="Cambria Math" panose="02040503050406030204" pitchFamily="18" charset="0"/>
-                                    </a:rPr>
-                                    <m:t>)</m:t>
-                                  </m:r>
-                                </m:sup>
-                              </m:sSup>
-                            </m:num>
-                            <m:den>
-                              <m:r>
-                                <a:rPr lang="en-US" sz="8000" i="1">
-                                  <a:latin typeface="Cambria Math" panose="02040503050406030204" pitchFamily="18" charset="0"/>
-                                  <a:ea typeface="Cambria Math" panose="02040503050406030204" pitchFamily="18" charset="0"/>
-                                </a:rPr>
-                                <m:t>𝜕</m:t>
-                              </m:r>
-                              <m:sSub>
-                                <m:sSubPr>
-                                  <m:ctrlPr>
-                                    <a:rPr lang="en-US" sz="8000" i="1">
-                                      <a:latin typeface="Cambria Math" panose="02040503050406030204" pitchFamily="18" charset="0"/>
-                                      <a:ea typeface="Cambria Math" panose="02040503050406030204" pitchFamily="18" charset="0"/>
-                                    </a:rPr>
-                                  </m:ctrlPr>
-                                </m:sSubPr>
-                                <m:e>
-                                  <m:r>
-                                    <a:rPr lang="en-US" sz="8000" i="1">
-                                      <a:latin typeface="Cambria Math" panose="02040503050406030204" pitchFamily="18" charset="0"/>
-                                      <a:ea typeface="Cambria Math" panose="02040503050406030204" pitchFamily="18" charset="0"/>
-                                    </a:rPr>
-                                    <m:t>𝑤</m:t>
-                                  </m:r>
-                                </m:e>
-                                <m:sub>
-                                  <m:r>
-                                    <a:rPr lang="en-US" sz="8000" i="1">
-                                      <a:latin typeface="Cambria Math" panose="02040503050406030204" pitchFamily="18" charset="0"/>
-                                      <a:ea typeface="Cambria Math" panose="02040503050406030204" pitchFamily="18" charset="0"/>
-                                    </a:rPr>
-                                    <m:t>𝑘</m:t>
-                                  </m:r>
-                                </m:sub>
-                              </m:sSub>
-                            </m:den>
-                          </m:f>
-                        </m:e>
-                      </m:nary>
-                      <m:r>
-                        <a:rPr lang="en-US" sz="8000" b="1" i="1" smtClean="0">
-                          <a:latin typeface="Cambria Math" panose="02040503050406030204" pitchFamily="18" charset="0"/>
-                        </a:rPr>
-                        <m:t>+</m:t>
-                      </m:r>
-                      <m:r>
-                        <a:rPr lang="en-US" sz="8000" b="0" i="1" smtClean="0">
-                          <a:latin typeface="Cambria Math" panose="02040503050406030204" pitchFamily="18" charset="0"/>
-                          <a:ea typeface="Cambria Math" panose="02040503050406030204" pitchFamily="18" charset="0"/>
-                        </a:rPr>
-                        <m:t>𝜆</m:t>
-                      </m:r>
-                      <m:r>
-                        <a:rPr lang="en-US" sz="8000" b="0" i="1" smtClean="0">
-                          <a:latin typeface="Cambria Math" panose="02040503050406030204" pitchFamily="18" charset="0"/>
-                          <a:ea typeface="Cambria Math" panose="02040503050406030204" pitchFamily="18" charset="0"/>
-                        </a:rPr>
-                        <m:t>𝑠𝑖𝑔𝑛</m:t>
-                      </m:r>
-                      <m:r>
-                        <a:rPr lang="en-US" sz="8000" b="0" i="1" smtClean="0">
-                          <a:latin typeface="Cambria Math" panose="02040503050406030204" pitchFamily="18" charset="0"/>
-                          <a:ea typeface="Cambria Math" panose="02040503050406030204" pitchFamily="18" charset="0"/>
-                        </a:rPr>
-                        <m:t>(</m:t>
-                      </m:r>
-                      <m:sSub>
-                        <m:sSubPr>
-                          <m:ctrlPr>
-                            <a:rPr lang="en-US" sz="8000" i="1">
-                              <a:latin typeface="Cambria Math" panose="02040503050406030204" pitchFamily="18" charset="0"/>
-                              <a:ea typeface="Cambria Math" panose="02040503050406030204" pitchFamily="18" charset="0"/>
-                            </a:rPr>
-                          </m:ctrlPr>
-                        </m:sSubPr>
-                        <m:e>
-                          <m:r>
-                            <a:rPr lang="en-US" sz="8000" i="1">
-                              <a:latin typeface="Cambria Math" panose="02040503050406030204" pitchFamily="18" charset="0"/>
-                              <a:ea typeface="Cambria Math" panose="02040503050406030204" pitchFamily="18" charset="0"/>
-                            </a:rPr>
-                            <m:t>𝑤</m:t>
-                          </m:r>
-                        </m:e>
-                        <m:sub>
-                          <m:r>
-                            <a:rPr lang="en-US" sz="8000" i="1">
-                              <a:latin typeface="Cambria Math" panose="02040503050406030204" pitchFamily="18" charset="0"/>
-                              <a:ea typeface="Cambria Math" panose="02040503050406030204" pitchFamily="18" charset="0"/>
-                            </a:rPr>
-                            <m:t>𝑘</m:t>
-                          </m:r>
-                        </m:sub>
-                      </m:sSub>
-                      <m:r>
-                        <a:rPr lang="en-US" sz="8000" b="0" i="1" smtClean="0">
-                          <a:latin typeface="Cambria Math" panose="02040503050406030204" pitchFamily="18" charset="0"/>
-                          <a:ea typeface="Cambria Math" panose="02040503050406030204" pitchFamily="18" charset="0"/>
-                        </a:rPr>
-                        <m:t>)</m:t>
-                      </m:r>
-                    </m:oMath>
-                  </m:oMathPara>
-                </a14:m>
-                <a:endParaRPr lang="en-US" sz="8000" dirty="0"/>
-              </a:p>
-            </p:txBody>
-          </p:sp>
-        </mc:Choice>
-        <mc:Fallback xmlns="">
-          <p:sp>
-            <p:nvSpPr>
-              <p:cNvPr id="11" name="Rectangle 10">
-                <a:extLst>
-                  <a:ext uri="{FF2B5EF4-FFF2-40B4-BE49-F238E27FC236}">
-                    <a16:creationId xmlns:a16="http://schemas.microsoft.com/office/drawing/2014/main" id="{659E3DDE-3958-4693-83A1-01FC950D5670}"/>
-                  </a:ext>
-                </a:extLst>
-              </p:cNvPr>
-              <p:cNvSpPr>
-                <a:spLocks noRot="1" noChangeAspect="1" noMove="1" noResize="1" noEditPoints="1" noAdjustHandles="1" noChangeArrowheads="1" noChangeShapeType="1" noTextEdit="1"/>
-              </p:cNvSpPr>
-              <p:nvPr/>
-            </p:nvSpPr>
-            <p:spPr>
-              <a:xfrm>
-                <a:off x="4918094" y="13832964"/>
-                <a:ext cx="14161890" cy="3554948"/>
-              </a:xfrm>
-              <a:prstGeom prst="rect">
-                <a:avLst/>
-              </a:prstGeom>
-              <a:blipFill>
-                <a:blip r:embed="rId4"/>
-                <a:stretch>
-                  <a:fillRect/>
-                </a:stretch>
-              </a:blipFill>
-            </p:spPr>
-            <p:txBody>
-              <a:bodyPr/>
-              <a:lstStyle/>
-              <a:p>
-                <a:r>
-                  <a:rPr lang="en-US">
-                    <a:noFill/>
-                  </a:rPr>
-                  <a:t> </a:t>
-                </a:r>
-              </a:p>
-            </p:txBody>
-          </p:sp>
-        </mc:Fallback>
-      </mc:AlternateContent>
-      <mc:AlternateContent xmlns:mc="http://schemas.openxmlformats.org/markup-compatibility/2006" xmlns:a14="http://schemas.microsoft.com/office/drawing/2010/main">
-        <mc:Choice Requires="a14">
-          <p:sp>
-            <p:nvSpPr>
-              <p:cNvPr id="5" name="Rectangle 4">
-                <a:extLst>
-                  <a:ext uri="{FF2B5EF4-FFF2-40B4-BE49-F238E27FC236}">
-                    <a16:creationId xmlns:a16="http://schemas.microsoft.com/office/drawing/2014/main" id="{21A4324D-6E08-46A4-95E0-89C310932D8B}"/>
-                  </a:ext>
-                </a:extLst>
-              </p:cNvPr>
-              <p:cNvSpPr/>
-              <p:nvPr/>
-            </p:nvSpPr>
-            <p:spPr>
-              <a:xfrm>
-                <a:off x="20434002" y="13837380"/>
-                <a:ext cx="10281661" cy="3629648"/>
-              </a:xfrm>
-              <a:prstGeom prst="rect">
-                <a:avLst/>
-              </a:prstGeom>
-            </p:spPr>
-            <p:txBody>
-              <a:bodyPr wrap="none">
-                <a:spAutoFit/>
-              </a:bodyPr>
-              <a:lstStyle/>
-              <a:p>
-                <a:pPr/>
-                <a14:m>
-                  <m:oMathPara xmlns:m="http://schemas.openxmlformats.org/officeDocument/2006/math">
-                    <m:oMathParaPr>
-                      <m:jc m:val="centerGroup"/>
-                    </m:oMathParaPr>
-                    <m:oMath xmlns:m="http://schemas.openxmlformats.org/officeDocument/2006/math">
-                      <m:r>
-                        <a:rPr lang="en-US" sz="7200" i="1" smtClean="0">
-                          <a:latin typeface="Cambria Math" panose="02040503050406030204" pitchFamily="18" charset="0"/>
-                          <a:ea typeface="Cambria Math" panose="02040503050406030204" pitchFamily="18" charset="0"/>
-                        </a:rPr>
-                        <m:t>𝑠𝑖𝑔𝑛</m:t>
-                      </m:r>
-                      <m:d>
-                        <m:dPr>
-                          <m:ctrlPr>
-                            <a:rPr lang="en-US" sz="7200" i="1">
-                              <a:latin typeface="Cambria Math" panose="02040503050406030204" pitchFamily="18" charset="0"/>
-                              <a:ea typeface="Cambria Math" panose="02040503050406030204" pitchFamily="18" charset="0"/>
-                            </a:rPr>
-                          </m:ctrlPr>
-                        </m:dPr>
-                        <m:e>
-                          <m:sSub>
-                            <m:sSubPr>
-                              <m:ctrlPr>
-                                <a:rPr lang="en-US" sz="7200" i="1">
-                                  <a:latin typeface="Cambria Math" panose="02040503050406030204" pitchFamily="18" charset="0"/>
-                                  <a:ea typeface="Cambria Math" panose="02040503050406030204" pitchFamily="18" charset="0"/>
-                                </a:rPr>
-                              </m:ctrlPr>
-                            </m:sSubPr>
-                            <m:e>
-                              <m:r>
-                                <a:rPr lang="en-US" sz="7200" i="1">
-                                  <a:latin typeface="Cambria Math" panose="02040503050406030204" pitchFamily="18" charset="0"/>
-                                  <a:ea typeface="Cambria Math" panose="02040503050406030204" pitchFamily="18" charset="0"/>
-                                </a:rPr>
-                                <m:t>𝑤</m:t>
-                              </m:r>
-                            </m:e>
-                            <m:sub>
-                              <m:r>
-                                <a:rPr lang="en-US" sz="7200" i="1">
-                                  <a:latin typeface="Cambria Math" panose="02040503050406030204" pitchFamily="18" charset="0"/>
-                                  <a:ea typeface="Cambria Math" panose="02040503050406030204" pitchFamily="18" charset="0"/>
-                                </a:rPr>
-                                <m:t>𝑘</m:t>
-                              </m:r>
-                            </m:sub>
-                          </m:sSub>
-                        </m:e>
-                      </m:d>
-                      <m:r>
-                        <a:rPr lang="en-US" sz="7200" b="0" i="1" smtClean="0">
-                          <a:latin typeface="Cambria Math" panose="02040503050406030204" pitchFamily="18" charset="0"/>
-                          <a:ea typeface="Cambria Math" panose="02040503050406030204" pitchFamily="18" charset="0"/>
-                        </a:rPr>
-                        <m:t>=</m:t>
-                      </m:r>
-                      <m:d>
-                        <m:dPr>
-                          <m:begChr m:val="{"/>
-                          <m:endChr m:val=""/>
-                          <m:ctrlPr>
-                            <a:rPr lang="en-US" sz="7200" b="0" i="1" smtClean="0">
-                              <a:latin typeface="Cambria Math" panose="02040503050406030204" pitchFamily="18" charset="0"/>
-                              <a:ea typeface="Cambria Math" panose="02040503050406030204" pitchFamily="18" charset="0"/>
-                            </a:rPr>
-                          </m:ctrlPr>
-                        </m:dPr>
-                        <m:e>
-                          <m:eqArr>
-                            <m:eqArrPr>
-                              <m:ctrlPr>
-                                <a:rPr lang="en-US" sz="7200" b="0" i="1" smtClean="0">
-                                  <a:latin typeface="Cambria Math" panose="02040503050406030204" pitchFamily="18" charset="0"/>
-                                  <a:ea typeface="Cambria Math" panose="02040503050406030204" pitchFamily="18" charset="0"/>
-                                </a:rPr>
-                              </m:ctrlPr>
-                            </m:eqArrPr>
-                            <m:e>
-                              <m:r>
-                                <a:rPr lang="en-US" sz="7200" b="0" i="1" smtClean="0">
-                                  <a:latin typeface="Cambria Math" panose="02040503050406030204" pitchFamily="18" charset="0"/>
-                                  <a:ea typeface="Cambria Math" panose="02040503050406030204" pitchFamily="18" charset="0"/>
-                                </a:rPr>
-                                <m:t>1,</m:t>
-                              </m:r>
-                              <m:sSub>
-                                <m:sSubPr>
-                                  <m:ctrlPr>
-                                    <a:rPr lang="en-US" sz="7200" i="1">
-                                      <a:latin typeface="Cambria Math" panose="02040503050406030204" pitchFamily="18" charset="0"/>
-                                      <a:ea typeface="Cambria Math" panose="02040503050406030204" pitchFamily="18" charset="0"/>
-                                    </a:rPr>
-                                  </m:ctrlPr>
-                                </m:sSubPr>
-                                <m:e>
-                                  <m:r>
-                                    <a:rPr lang="en-US" sz="7200" i="1">
-                                      <a:latin typeface="Cambria Math" panose="02040503050406030204" pitchFamily="18" charset="0"/>
-                                      <a:ea typeface="Cambria Math" panose="02040503050406030204" pitchFamily="18" charset="0"/>
-                                    </a:rPr>
-                                    <m:t>𝑤</m:t>
-                                  </m:r>
-                                </m:e>
-                                <m:sub>
-                                  <m:r>
-                                    <a:rPr lang="en-US" sz="7200" i="1">
-                                      <a:latin typeface="Cambria Math" panose="02040503050406030204" pitchFamily="18" charset="0"/>
-                                      <a:ea typeface="Cambria Math" panose="02040503050406030204" pitchFamily="18" charset="0"/>
-                                    </a:rPr>
-                                    <m:t>𝑘</m:t>
-                                  </m:r>
-                                </m:sub>
-                              </m:sSub>
-                              <m:r>
-                                <a:rPr lang="en-US" sz="7200" i="1">
-                                  <a:latin typeface="Cambria Math" panose="02040503050406030204" pitchFamily="18" charset="0"/>
-                                  <a:ea typeface="Cambria Math" panose="02040503050406030204" pitchFamily="18" charset="0"/>
-                                </a:rPr>
-                                <m:t>&gt;</m:t>
-                              </m:r>
-                              <m:r>
-                                <a:rPr lang="en-US" sz="7200" b="0" i="1" smtClean="0">
-                                  <a:latin typeface="Cambria Math" panose="02040503050406030204" pitchFamily="18" charset="0"/>
-                                  <a:ea typeface="Cambria Math" panose="02040503050406030204" pitchFamily="18" charset="0"/>
-                                </a:rPr>
-                                <m:t>0</m:t>
-                              </m:r>
-                            </m:e>
-                            <m:e>
-                              <m:r>
-                                <a:rPr lang="en-US" sz="7200" b="0" i="1" smtClean="0">
-                                  <a:latin typeface="Cambria Math" panose="02040503050406030204" pitchFamily="18" charset="0"/>
-                                  <a:ea typeface="Cambria Math" panose="02040503050406030204" pitchFamily="18" charset="0"/>
-                                </a:rPr>
-                                <m:t>0,</m:t>
-                              </m:r>
-                              <m:sSub>
-                                <m:sSubPr>
-                                  <m:ctrlPr>
-                                    <a:rPr lang="en-US" sz="7200" i="1">
-                                      <a:latin typeface="Cambria Math" panose="02040503050406030204" pitchFamily="18" charset="0"/>
-                                      <a:ea typeface="Cambria Math" panose="02040503050406030204" pitchFamily="18" charset="0"/>
-                                    </a:rPr>
-                                  </m:ctrlPr>
-                                </m:sSubPr>
-                                <m:e>
-                                  <m:r>
-                                    <a:rPr lang="en-US" sz="7200" i="1">
-                                      <a:latin typeface="Cambria Math" panose="02040503050406030204" pitchFamily="18" charset="0"/>
-                                      <a:ea typeface="Cambria Math" panose="02040503050406030204" pitchFamily="18" charset="0"/>
-                                    </a:rPr>
-                                    <m:t>𝑤</m:t>
-                                  </m:r>
-                                </m:e>
-                                <m:sub>
-                                  <m:r>
-                                    <a:rPr lang="en-US" sz="7200" i="1">
-                                      <a:latin typeface="Cambria Math" panose="02040503050406030204" pitchFamily="18" charset="0"/>
-                                      <a:ea typeface="Cambria Math" panose="02040503050406030204" pitchFamily="18" charset="0"/>
-                                    </a:rPr>
-                                    <m:t>𝑘</m:t>
-                                  </m:r>
-                                </m:sub>
-                              </m:sSub>
-                              <m:r>
-                                <a:rPr lang="en-US" sz="7200" b="0" i="1" smtClean="0">
-                                  <a:latin typeface="Cambria Math" panose="02040503050406030204" pitchFamily="18" charset="0"/>
-                                  <a:ea typeface="Cambria Math" panose="02040503050406030204" pitchFamily="18" charset="0"/>
-                                </a:rPr>
-                                <m:t>==0</m:t>
-                              </m:r>
-                            </m:e>
-                            <m:e>
-                              <m:r>
-                                <a:rPr lang="en-US" sz="7200" b="0" i="1" smtClean="0">
-                                  <a:latin typeface="Cambria Math" panose="02040503050406030204" pitchFamily="18" charset="0"/>
-                                  <a:ea typeface="Cambria Math" panose="02040503050406030204" pitchFamily="18" charset="0"/>
-                                </a:rPr>
-                                <m:t>−1,</m:t>
-                              </m:r>
-                              <m:sSub>
-                                <m:sSubPr>
-                                  <m:ctrlPr>
-                                    <a:rPr lang="en-US" sz="7200" i="1">
-                                      <a:latin typeface="Cambria Math" panose="02040503050406030204" pitchFamily="18" charset="0"/>
-                                      <a:ea typeface="Cambria Math" panose="02040503050406030204" pitchFamily="18" charset="0"/>
-                                    </a:rPr>
-                                  </m:ctrlPr>
-                                </m:sSubPr>
-                                <m:e>
-                                  <m:r>
-                                    <a:rPr lang="en-US" sz="7200" i="1">
-                                      <a:latin typeface="Cambria Math" panose="02040503050406030204" pitchFamily="18" charset="0"/>
-                                      <a:ea typeface="Cambria Math" panose="02040503050406030204" pitchFamily="18" charset="0"/>
-                                    </a:rPr>
-                                    <m:t>𝑤</m:t>
-                                  </m:r>
-                                </m:e>
-                                <m:sub>
-                                  <m:r>
-                                    <a:rPr lang="en-US" sz="7200" i="1">
-                                      <a:latin typeface="Cambria Math" panose="02040503050406030204" pitchFamily="18" charset="0"/>
-                                      <a:ea typeface="Cambria Math" panose="02040503050406030204" pitchFamily="18" charset="0"/>
-                                    </a:rPr>
-                                    <m:t>𝑘</m:t>
-                                  </m:r>
-                                </m:sub>
-                              </m:sSub>
-                              <m:r>
-                                <a:rPr lang="en-US" sz="7200" b="0" i="1" smtClean="0">
-                                  <a:latin typeface="Cambria Math" panose="02040503050406030204" pitchFamily="18" charset="0"/>
-                                  <a:ea typeface="Cambria Math" panose="02040503050406030204" pitchFamily="18" charset="0"/>
-                                </a:rPr>
-                                <m:t>&lt;0</m:t>
-                              </m:r>
-                            </m:e>
-                          </m:eqArr>
-                        </m:e>
-                      </m:d>
-                    </m:oMath>
-                  </m:oMathPara>
-                </a14:m>
-                <a:endParaRPr lang="en-US" sz="7200" dirty="0"/>
-              </a:p>
-            </p:txBody>
-          </p:sp>
-        </mc:Choice>
-        <mc:Fallback xmlns="">
-          <p:sp>
-            <p:nvSpPr>
-              <p:cNvPr id="5" name="Rectangle 4">
-                <a:extLst>
-                  <a:ext uri="{FF2B5EF4-FFF2-40B4-BE49-F238E27FC236}">
-                    <a16:creationId xmlns:a16="http://schemas.microsoft.com/office/drawing/2014/main" id="{21A4324D-6E08-46A4-95E0-89C310932D8B}"/>
-                  </a:ext>
-                </a:extLst>
-              </p:cNvPr>
-              <p:cNvSpPr>
-                <a:spLocks noRot="1" noChangeAspect="1" noMove="1" noResize="1" noEditPoints="1" noAdjustHandles="1" noChangeArrowheads="1" noChangeShapeType="1" noTextEdit="1"/>
-              </p:cNvSpPr>
-              <p:nvPr/>
-            </p:nvSpPr>
-            <p:spPr>
-              <a:xfrm>
-                <a:off x="20434002" y="13837380"/>
-                <a:ext cx="10281661" cy="3629648"/>
-              </a:xfrm>
-              <a:prstGeom prst="rect">
-                <a:avLst/>
-              </a:prstGeom>
-              <a:blipFill>
-                <a:blip r:embed="rId5"/>
-                <a:stretch>
-                  <a:fillRect/>
-                </a:stretch>
-              </a:blipFill>
-            </p:spPr>
-            <p:txBody>
-              <a:bodyPr/>
-              <a:lstStyle/>
-              <a:p>
-                <a:r>
-                  <a:rPr lang="en-US">
-                    <a:noFill/>
-                  </a:rPr>
-                  <a:t> </a:t>
-                </a:r>
-              </a:p>
-            </p:txBody>
-          </p:sp>
-        </mc:Fallback>
-      </mc:AlternateContent>
-    </p:spTree>
-    <p:extLst>
-      <p:ext uri="{BB962C8B-B14F-4D97-AF65-F5344CB8AC3E}">
-        <p14:creationId xmlns:p14="http://schemas.microsoft.com/office/powerpoint/2010/main" val="4013636931"/>
-      </p:ext>
-    </p:extLst>
-  </p:cSld>
-  <p:clrMapOvr>
-    <a:masterClrMapping/>
-  </p:clrMapOvr>
-</p:sld>
-</file>
-
-<file path=ppt/slides/slide32.xml><?xml version="1.0" encoding="utf-8"?>
-<p:sld xmlns:a="http://schemas.openxmlformats.org/drawingml/2006/main" xmlns:r="http://schemas.openxmlformats.org/officeDocument/2006/relationships" xmlns:p="http://schemas.openxmlformats.org/presentationml/2006/main">
-  <p:cSld>
-    <p:spTree>
-      <p:nvGrpSpPr>
-        <p:cNvPr id="1" name=""/>
-        <p:cNvGrpSpPr/>
-        <p:nvPr/>
-      </p:nvGrpSpPr>
-      <p:grpSpPr>
-        <a:xfrm>
-          <a:off x="0" y="0"/>
-          <a:ext cx="0" cy="0"/>
-          <a:chOff x="0" y="0"/>
-          <a:chExt cx="0" cy="0"/>
-        </a:xfrm>
-      </p:grpSpPr>
-      <p:sp>
-        <p:nvSpPr>
-          <p:cNvPr id="3" name="Slide Number Placeholder 2">
-            <a:extLst>
-              <a:ext uri="{FF2B5EF4-FFF2-40B4-BE49-F238E27FC236}">
-                <a16:creationId xmlns:a16="http://schemas.microsoft.com/office/drawing/2014/main" id="{2775A7A5-BE09-4B16-9B7E-76739EAC8746}"/>
-              </a:ext>
-            </a:extLst>
-          </p:cNvPr>
-          <p:cNvSpPr>
-            <a:spLocks noGrp="1"/>
-          </p:cNvSpPr>
-          <p:nvPr>
-            <p:ph type="sldNum" sz="quarter" idx="4"/>
-          </p:nvPr>
-        </p:nvSpPr>
-        <p:spPr/>
-        <p:txBody>
-          <a:bodyPr/>
-          <a:lstStyle/>
-          <a:p>
-            <a:pPr>
-              <a:defRPr/>
-            </a:pPr>
-            <a:fld id="{49C0EE74-1F2C-4D2D-91EC-B282DFC749DA}" type="slidenum">
-              <a:rPr lang="en-US" smtClean="0"/>
-              <a:pPr>
-                <a:defRPr/>
-              </a:pPr>
-              <a:t>32</a:t>
-            </a:fld>
-            <a:endParaRPr lang="en-US"/>
-          </a:p>
-        </p:txBody>
-      </p:sp>
-      <p:sp>
-        <p:nvSpPr>
-          <p:cNvPr id="4" name="Title 3">
-            <a:extLst>
-              <a:ext uri="{FF2B5EF4-FFF2-40B4-BE49-F238E27FC236}">
-                <a16:creationId xmlns:a16="http://schemas.microsoft.com/office/drawing/2014/main" id="{06F036A1-6E39-480B-95CC-54046C834CD5}"/>
-              </a:ext>
-            </a:extLst>
-          </p:cNvPr>
-          <p:cNvSpPr>
-            <a:spLocks noGrp="1"/>
-          </p:cNvSpPr>
-          <p:nvPr>
-            <p:ph type="title"/>
-          </p:nvPr>
-        </p:nvSpPr>
-        <p:spPr>
-          <a:xfrm>
-            <a:off x="1686822" y="433395"/>
             <a:ext cx="33466778" cy="2538411"/>
           </a:xfrm>
         </p:spPr>
@@ -31525,7 +31312,7 @@
 </p:sld>
 </file>
 
-<file path=ppt/slides/slide33.xml><?xml version="1.0" encoding="utf-8"?>
+<file path=ppt/slides/slide31.xml><?xml version="1.0" encoding="utf-8"?>
 <p:sld xmlns:a="http://schemas.openxmlformats.org/drawingml/2006/main" xmlns:r="http://schemas.openxmlformats.org/officeDocument/2006/relationships" xmlns:p="http://schemas.openxmlformats.org/presentationml/2006/main">
   <p:cSld>
     <p:spTree>

--- a/slides/lecture_2.pptx
+++ b/slides/lecture_2.pptx
@@ -261,7 +261,7 @@
             <a:fld id="{523781EB-4FB3-3648-A6F1-521C35AF4CD7}" type="datetimeFigureOut">
               <a:rPr lang="en-US" smtClean="0"/>
               <a:pPr/>
-              <a:t>7/8/2021</a:t>
+              <a:t>7/9/2021</a:t>
             </a:fld>
             <a:endParaRPr lang="en-US"/>
           </a:p>
@@ -429,7 +429,7 @@
             <a:fld id="{EF91D6BE-35D6-7746-85CA-91EA11600B8F}" type="datetimeFigureOut">
               <a:rPr lang="en-US" smtClean="0"/>
               <a:pPr/>
-              <a:t>7/8/2021</a:t>
+              <a:t>7/9/2021</a:t>
             </a:fld>
             <a:endParaRPr lang="en-US"/>
           </a:p>
@@ -4673,8 +4673,8 @@
           </p:sp>
         </mc:Fallback>
       </mc:AlternateContent>
-      <mc:AlternateContent xmlns:mc="http://schemas.openxmlformats.org/markup-compatibility/2006" xmlns:a14="http://schemas.microsoft.com/office/drawing/2010/main">
-        <mc:Choice Requires="a14">
+      <mc:AlternateContent xmlns:mc="http://schemas.openxmlformats.org/markup-compatibility/2006">
+        <mc:Choice xmlns:a14="http://schemas.microsoft.com/office/drawing/2010/main" Requires="a14">
           <p:sp>
             <p:nvSpPr>
               <p:cNvPr id="14" name="Rectangle 13">
@@ -4690,7 +4690,7 @@
             <p:spPr>
               <a:xfrm>
                 <a:off x="14390607" y="10121904"/>
-                <a:ext cx="6177589" cy="980846"/>
+                <a:ext cx="6812249" cy="980846"/>
               </a:xfrm>
               <a:prstGeom prst="rect">
                 <a:avLst/>
@@ -4790,12 +4790,43 @@
                           </m:d>
                         </m:sup>
                       </m:sSup>
-                      <m:r>
-                        <a:rPr lang="en-US" b="1" i="1" smtClean="0">
-                          <a:latin typeface="Cambria Math" panose="02040503050406030204" pitchFamily="18" charset="0"/>
-                        </a:rPr>
-                        <m:t>𝑿</m:t>
-                      </m:r>
+                      <m:sSup>
+                        <m:sSupPr>
+                          <m:ctrlPr>
+                            <a:rPr lang="en-US" b="1" i="1">
+                              <a:latin typeface="Cambria Math" panose="02040503050406030204" pitchFamily="18" charset="0"/>
+                            </a:rPr>
+                          </m:ctrlPr>
+                        </m:sSupPr>
+                        <m:e>
+                          <m:r>
+                            <a:rPr lang="en-US" b="1" i="1">
+                              <a:latin typeface="Cambria Math" panose="02040503050406030204" pitchFamily="18" charset="0"/>
+                            </a:rPr>
+                            <m:t>𝒂</m:t>
+                          </m:r>
+                        </m:e>
+                        <m:sup>
+                          <m:r>
+                            <a:rPr lang="en-US" b="1" i="1">
+                              <a:latin typeface="Cambria Math" panose="02040503050406030204" pitchFamily="18" charset="0"/>
+                            </a:rPr>
+                            <m:t>[</m:t>
+                          </m:r>
+                          <m:r>
+                            <a:rPr lang="en-US" b="1" i="1">
+                              <a:latin typeface="Cambria Math" panose="02040503050406030204" pitchFamily="18" charset="0"/>
+                            </a:rPr>
+                            <m:t>𝟏</m:t>
+                          </m:r>
+                          <m:r>
+                            <a:rPr lang="en-US" b="1" i="1">
+                              <a:latin typeface="Cambria Math" panose="02040503050406030204" pitchFamily="18" charset="0"/>
+                            </a:rPr>
+                            <m:t>]</m:t>
+                          </m:r>
+                        </m:sup>
+                      </m:sSup>
                       <m:r>
                         <a:rPr lang="en-US" b="1" i="1" smtClean="0">
                           <a:latin typeface="Cambria Math" panose="02040503050406030204" pitchFamily="18" charset="0"/>
@@ -4847,7 +4878,7 @@
             </p:txBody>
           </p:sp>
         </mc:Choice>
-        <mc:Fallback xmlns="">
+        <mc:Fallback>
           <p:sp>
             <p:nvSpPr>
               <p:cNvPr id="14" name="Rectangle 13">
@@ -4865,7 +4896,7 @@
             <p:spPr>
               <a:xfrm>
                 <a:off x="14390607" y="10121904"/>
-                <a:ext cx="6177589" cy="980846"/>
+                <a:ext cx="6812249" cy="980846"/>
               </a:xfrm>
               <a:prstGeom prst="rect">
                 <a:avLst/>
